--- a/Java 8.pptx
+++ b/Java 8.pptx
@@ -9,6 +9,7 @@
     <p:sldId id="257" r:id="rId3"/>
     <p:sldId id="258" r:id="rId4"/>
     <p:sldId id="259" r:id="rId5"/>
+    <p:sldId id="260" r:id="rId6"/>
   </p:sldIdLst>
   <p:sldSz cx="12192000" cy="6858000"/>
   <p:notesSz cx="6858000" cy="9144000"/>
@@ -107,6 +108,11 @@
       </a:defRPr>
     </a:lvl9pPr>
   </p:defaultTextStyle>
+  <p:extLst>
+    <p:ext uri="{EFAFB233-063F-42B5-8137-9DF3F51BA10A}">
+      <p15:sldGuideLst xmlns:p15="http://schemas.microsoft.com/office/powerpoint/2012/main"/>
+    </p:ext>
+  </p:extLst>
 </p:presentation>
 </file>
 
@@ -6874,61 +6880,6 @@
       </p:grpSpPr>
       <p:sp>
         <p:nvSpPr>
-          <p:cNvPr id="18" name="Flowchart: Document 17"/>
-          <p:cNvSpPr/>
-          <p:nvPr/>
-        </p:nvSpPr>
-        <p:spPr>
-          <a:xfrm>
-            <a:off x="1125510" y="4858246"/>
-            <a:ext cx="4837968" cy="1749287"/>
-          </a:xfrm>
-          <a:prstGeom prst="flowChartDocument">
-            <a:avLst/>
-          </a:prstGeom>
-          <a:noFill/>
-          <a:ln>
-            <a:solidFill>
-              <a:schemeClr val="bg2">
-                <a:lumMod val="20000"/>
-                <a:lumOff val="80000"/>
-              </a:schemeClr>
-            </a:solidFill>
-            <a:prstDash val="lgDash"/>
-          </a:ln>
-        </p:spPr>
-        <p:style>
-          <a:lnRef idx="2">
-            <a:schemeClr val="accent1">
-              <a:shade val="50000"/>
-            </a:schemeClr>
-          </a:lnRef>
-          <a:fillRef idx="1">
-            <a:schemeClr val="accent1"/>
-          </a:fillRef>
-          <a:effectRef idx="0">
-            <a:schemeClr val="accent1"/>
-          </a:effectRef>
-          <a:fontRef idx="minor">
-            <a:schemeClr val="lt1"/>
-          </a:fontRef>
-        </p:style>
-        <p:txBody>
-          <a:bodyPr rtlCol="0" anchor="ctr"/>
-          <a:lstStyle/>
-          <a:p>
-            <a:endParaRPr lang="en-US" dirty="0" smtClean="0"/>
-          </a:p>
-          <a:p>
-            <a:endParaRPr lang="en-US" dirty="0" smtClean="0"/>
-          </a:p>
-          <a:p>
-            <a:endParaRPr lang="uk-UA" dirty="0"/>
-          </a:p>
-        </p:txBody>
-      </p:sp>
-      <p:sp>
-        <p:nvSpPr>
           <p:cNvPr id="23" name="Title 1"/>
           <p:cNvSpPr>
             <a:spLocks noGrp="1"/>
@@ -6998,8 +6949,8 @@
         </p:nvSpPr>
         <p:spPr bwMode="auto">
           <a:xfrm>
-            <a:off x="1125510" y="1759994"/>
-            <a:ext cx="9905998" cy="2246769"/>
+            <a:off x="1125509" y="1097039"/>
+            <a:ext cx="10878069" cy="5078313"/>
           </a:xfrm>
           <a:prstGeom prst="rect">
             <a:avLst/>
@@ -7056,7 +7007,10 @@
           </a:bodyPr>
           <a:lstStyle/>
           <a:p>
-            <a:pPr defTabSz="914400" eaLnBrk="0" fontAlgn="base" hangingPunct="0">
+            <a:pPr lvl="0" defTabSz="914400" eaLnBrk="0" fontAlgn="base" hangingPunct="0">
+              <a:lnSpc>
+                <a:spcPct val="150000"/>
+              </a:lnSpc>
               <a:spcBef>
                 <a:spcPct val="0"/>
               </a:spcBef>
@@ -7065,7 +7019,7 @@
               </a:spcAft>
             </a:pPr>
             <a:r>
-              <a:rPr lang="uk-UA" altLang="uk-UA" sz="2000" b="1" dirty="0" err="1">
+              <a:rPr lang="ru-RU" altLang="ru-RU" b="1" dirty="0" err="1" smtClean="0">
                 <a:solidFill>
                   <a:srgbClr val="DD2867"/>
                 </a:solidFill>
@@ -7075,7 +7029,7 @@
               <a:t>public</a:t>
             </a:r>
             <a:r>
-              <a:rPr lang="uk-UA" altLang="uk-UA" sz="2000" b="1" dirty="0">
+              <a:rPr lang="ru-RU" altLang="ru-RU" b="1" dirty="0" smtClean="0">
                 <a:solidFill>
                   <a:srgbClr val="DD2867"/>
                 </a:solidFill>
@@ -7085,7 +7039,7 @@
               <a:t> </a:t>
             </a:r>
             <a:r>
-              <a:rPr lang="uk-UA" altLang="uk-UA" sz="2000" b="1" dirty="0" err="1">
+              <a:rPr lang="ru-RU" altLang="ru-RU" b="1" dirty="0" err="1" smtClean="0">
                 <a:solidFill>
                   <a:srgbClr val="DD2867"/>
                 </a:solidFill>
@@ -7095,7 +7049,7 @@
               <a:t>interface</a:t>
             </a:r>
             <a:r>
-              <a:rPr lang="uk-UA" altLang="uk-UA" sz="2000" b="1" dirty="0">
+              <a:rPr lang="ru-RU" altLang="ru-RU" b="1" dirty="0" smtClean="0">
                 <a:solidFill>
                   <a:srgbClr val="DD2867"/>
                 </a:solidFill>
@@ -7105,17 +7059,17 @@
               <a:t> </a:t>
             </a:r>
             <a:r>
-              <a:rPr lang="uk-UA" altLang="uk-UA" sz="2000" dirty="0" err="1">
+              <a:rPr lang="ru-RU" altLang="ru-RU" dirty="0" err="1" smtClean="0">
                 <a:solidFill>
                   <a:srgbClr val="80F2F6"/>
                 </a:solidFill>
                 <a:latin typeface="Consolas" panose="020B0609020204030204" pitchFamily="49" charset="0"/>
                 <a:cs typeface="Consolas" panose="020B0609020204030204" pitchFamily="49" charset="0"/>
               </a:rPr>
-              <a:t>Collection</a:t>
-            </a:r>
-            <a:r>
-              <a:rPr lang="uk-UA" altLang="uk-UA" sz="2000" dirty="0">
+              <a:t>Stream</a:t>
+            </a:r>
+            <a:r>
+              <a:rPr lang="ru-RU" altLang="ru-RU" dirty="0" smtClean="0">
                 <a:solidFill>
                   <a:srgbClr val="E6E6FA"/>
                 </a:solidFill>
@@ -7125,17 +7079,17 @@
               <a:t>&lt;</a:t>
             </a:r>
             <a:r>
-              <a:rPr lang="uk-UA" altLang="uk-UA" sz="2000" b="1" dirty="0">
+              <a:rPr lang="ru-RU" altLang="ru-RU" b="1" dirty="0" smtClean="0">
                 <a:solidFill>
                   <a:srgbClr val="D7837F"/>
                 </a:solidFill>
                 <a:latin typeface="Consolas" panose="020B0609020204030204" pitchFamily="49" charset="0"/>
                 <a:cs typeface="Consolas" panose="020B0609020204030204" pitchFamily="49" charset="0"/>
               </a:rPr>
-              <a:t>E</a:t>
-            </a:r>
-            <a:r>
-              <a:rPr lang="uk-UA" altLang="uk-UA" sz="2000" dirty="0">
+              <a:t>T</a:t>
+            </a:r>
+            <a:r>
+              <a:rPr lang="ru-RU" altLang="ru-RU" dirty="0" smtClean="0">
                 <a:solidFill>
                   <a:srgbClr val="E6E6FA"/>
                 </a:solidFill>
@@ -7145,7 +7099,7 @@
               <a:t>&gt; </a:t>
             </a:r>
             <a:r>
-              <a:rPr lang="uk-UA" altLang="uk-UA" sz="2000" b="1" dirty="0" err="1">
+              <a:rPr lang="ru-RU" altLang="ru-RU" b="1" dirty="0" err="1" smtClean="0">
                 <a:solidFill>
                   <a:srgbClr val="DD2867"/>
                 </a:solidFill>
@@ -7155,7 +7109,7 @@
               <a:t>extends</a:t>
             </a:r>
             <a:r>
-              <a:rPr lang="uk-UA" altLang="uk-UA" sz="2000" b="1" dirty="0">
+              <a:rPr lang="ru-RU" altLang="ru-RU" b="1" dirty="0" smtClean="0">
                 <a:solidFill>
                   <a:srgbClr val="DD2867"/>
                 </a:solidFill>
@@ -7165,17 +7119,17 @@
               <a:t> </a:t>
             </a:r>
             <a:r>
-              <a:rPr lang="uk-UA" altLang="uk-UA" sz="2000" dirty="0" err="1">
+              <a:rPr lang="ru-RU" altLang="ru-RU" dirty="0" err="1" smtClean="0">
                 <a:solidFill>
                   <a:srgbClr val="80F2F6"/>
                 </a:solidFill>
                 <a:latin typeface="Consolas" panose="020B0609020204030204" pitchFamily="49" charset="0"/>
                 <a:cs typeface="Consolas" panose="020B0609020204030204" pitchFamily="49" charset="0"/>
               </a:rPr>
-              <a:t>Iterable</a:t>
-            </a:r>
-            <a:r>
-              <a:rPr lang="uk-UA" altLang="uk-UA" sz="2000" dirty="0">
+              <a:t>BaseStream</a:t>
+            </a:r>
+            <a:r>
+              <a:rPr lang="ru-RU" altLang="ru-RU" dirty="0" smtClean="0">
                 <a:solidFill>
                   <a:srgbClr val="E6E6FA"/>
                 </a:solidFill>
@@ -7185,80 +7139,74 @@
               <a:t>&lt;</a:t>
             </a:r>
             <a:r>
-              <a:rPr lang="uk-UA" altLang="uk-UA" sz="2000" b="1" dirty="0">
+              <a:rPr lang="ru-RU" altLang="ru-RU" b="1" dirty="0" smtClean="0">
                 <a:solidFill>
                   <a:srgbClr val="D7837F"/>
                 </a:solidFill>
                 <a:latin typeface="Consolas" panose="020B0609020204030204" pitchFamily="49" charset="0"/>
                 <a:cs typeface="Consolas" panose="020B0609020204030204" pitchFamily="49" charset="0"/>
               </a:rPr>
-              <a:t>E</a:t>
-            </a:r>
-            <a:r>
-              <a:rPr lang="uk-UA" altLang="uk-UA" sz="2000" dirty="0">
+              <a:t>T</a:t>
+            </a:r>
+            <a:r>
+              <a:rPr lang="ru-RU" altLang="ru-RU" dirty="0" smtClean="0">
+                <a:solidFill>
+                  <a:srgbClr val="F9FAF4"/>
+                </a:solidFill>
+                <a:latin typeface="Consolas" panose="020B0609020204030204" pitchFamily="49" charset="0"/>
+                <a:cs typeface="Consolas" panose="020B0609020204030204" pitchFamily="49" charset="0"/>
+              </a:rPr>
+              <a:t>, </a:t>
+            </a:r>
+            <a:r>
+              <a:rPr lang="ru-RU" altLang="ru-RU" dirty="0" err="1" smtClean="0">
+                <a:solidFill>
+                  <a:srgbClr val="80F2F6"/>
+                </a:solidFill>
+                <a:latin typeface="Consolas" panose="020B0609020204030204" pitchFamily="49" charset="0"/>
+                <a:cs typeface="Consolas" panose="020B0609020204030204" pitchFamily="49" charset="0"/>
+              </a:rPr>
+              <a:t>Stream</a:t>
+            </a:r>
+            <a:r>
+              <a:rPr lang="ru-RU" altLang="ru-RU" dirty="0" smtClean="0">
                 <a:solidFill>
                   <a:srgbClr val="E6E6FA"/>
                 </a:solidFill>
                 <a:latin typeface="Consolas" panose="020B0609020204030204" pitchFamily="49" charset="0"/>
                 <a:cs typeface="Consolas" panose="020B0609020204030204" pitchFamily="49" charset="0"/>
               </a:rPr>
-              <a:t>&gt; </a:t>
-            </a:r>
-            <a:r>
-              <a:rPr lang="uk-UA" altLang="uk-UA" sz="2000" dirty="0">
-                <a:solidFill>
-                  <a:srgbClr val="FFFFFF"/>
-                </a:solidFill>
-                <a:latin typeface="Consolas" panose="020B0609020204030204" pitchFamily="49" charset="0"/>
-                <a:cs typeface="Consolas" panose="020B0609020204030204" pitchFamily="49" charset="0"/>
-              </a:rPr>
-              <a:t>{</a:t>
-            </a:r>
-            <a:br>
-              <a:rPr lang="uk-UA" altLang="uk-UA" sz="2000" dirty="0">
-                <a:solidFill>
-                  <a:srgbClr val="FFFFFF"/>
-                </a:solidFill>
-                <a:latin typeface="Consolas" panose="020B0609020204030204" pitchFamily="49" charset="0"/>
-                <a:cs typeface="Consolas" panose="020B0609020204030204" pitchFamily="49" charset="0"/>
-              </a:rPr>
-            </a:br>
-            <a:r>
-              <a:rPr lang="uk-UA" altLang="uk-UA" sz="2000" dirty="0" smtClean="0">
-                <a:solidFill>
-                  <a:srgbClr val="FFFFFF"/>
-                </a:solidFill>
-                <a:latin typeface="Consolas" panose="020B0609020204030204" pitchFamily="49" charset="0"/>
-                <a:cs typeface="Consolas" panose="020B0609020204030204" pitchFamily="49" charset="0"/>
-              </a:rPr>
-              <a:t>    </a:t>
-            </a:r>
-            <a:r>
-              <a:rPr lang="uk-UA" altLang="uk-UA" sz="2000" dirty="0" smtClean="0">
-                <a:solidFill>
-                  <a:srgbClr val="606060"/>
-                </a:solidFill>
-                <a:latin typeface="Consolas" panose="020B0609020204030204" pitchFamily="49" charset="0"/>
-                <a:cs typeface="Consolas" panose="020B0609020204030204" pitchFamily="49" charset="0"/>
-              </a:rPr>
-              <a:t>//</a:t>
-            </a:r>
-            <a:r>
-              <a:rPr lang="en-US" altLang="uk-UA" sz="2000" dirty="0" smtClean="0">
-                <a:solidFill>
-                  <a:srgbClr val="606060"/>
-                </a:solidFill>
-                <a:latin typeface="Consolas" panose="020B0609020204030204" pitchFamily="49" charset="0"/>
-                <a:cs typeface="Consolas" panose="020B0609020204030204" pitchFamily="49" charset="0"/>
-              </a:rPr>
-              <a:t>...</a:t>
-            </a:r>
-            <a:endParaRPr lang="uk-UA" altLang="uk-UA" sz="4400" dirty="0">
+              <a:t>&lt;</a:t>
+            </a:r>
+            <a:r>
+              <a:rPr lang="ru-RU" altLang="ru-RU" b="1" dirty="0" smtClean="0">
+                <a:solidFill>
+                  <a:srgbClr val="D7837F"/>
+                </a:solidFill>
+                <a:latin typeface="Consolas" panose="020B0609020204030204" pitchFamily="49" charset="0"/>
+                <a:cs typeface="Consolas" panose="020B0609020204030204" pitchFamily="49" charset="0"/>
+              </a:rPr>
+              <a:t>T</a:t>
+            </a:r>
+            <a:r>
+              <a:rPr lang="ru-RU" altLang="ru-RU" dirty="0" smtClean="0">
+                <a:solidFill>
+                  <a:srgbClr val="E6E6FA"/>
+                </a:solidFill>
+                <a:latin typeface="Consolas" panose="020B0609020204030204" pitchFamily="49" charset="0"/>
+                <a:cs typeface="Consolas" panose="020B0609020204030204" pitchFamily="49" charset="0"/>
+              </a:rPr>
+              <a:t>&gt;&gt; </a:t>
+            </a:r>
+            <a:endParaRPr lang="uk-UA" altLang="uk-UA" dirty="0" smtClean="0">
               <a:latin typeface="Arial" panose="020B0604020202020204" pitchFamily="34" charset="0"/>
             </a:endParaRPr>
           </a:p>
           <a:p>
             <a:pPr lvl="1" defTabSz="914400" eaLnBrk="0" fontAlgn="base" hangingPunct="0">
+              <a:lnSpc>
+                <a:spcPct val="150000"/>
+              </a:lnSpc>
               <a:spcBef>
                 <a:spcPct val="0"/>
               </a:spcBef>
@@ -7267,17 +7215,97 @@
               </a:spcAft>
             </a:pPr>
             <a:r>
-              <a:rPr lang="uk-UA" altLang="uk-UA" sz="2000" b="1" dirty="0" err="1">
+              <a:rPr lang="ru-RU" altLang="ru-RU" dirty="0" err="1" smtClean="0">
+                <a:solidFill>
+                  <a:srgbClr val="A9B7C6"/>
+                </a:solidFill>
+                <a:latin typeface="Consolas" panose="020B0609020204030204" pitchFamily="49" charset="0"/>
+                <a:cs typeface="Consolas" panose="020B0609020204030204" pitchFamily="49" charset="0"/>
+              </a:rPr>
+              <a:t>Stream</a:t>
+            </a:r>
+            <a:r>
+              <a:rPr lang="ru-RU" altLang="ru-RU" dirty="0" smtClean="0">
+                <a:solidFill>
+                  <a:srgbClr val="E6E6FA"/>
+                </a:solidFill>
+                <a:latin typeface="Consolas" panose="020B0609020204030204" pitchFamily="49" charset="0"/>
+                <a:cs typeface="Consolas" panose="020B0609020204030204" pitchFamily="49" charset="0"/>
+              </a:rPr>
+              <a:t>&lt;</a:t>
+            </a:r>
+            <a:r>
+              <a:rPr lang="ru-RU" altLang="ru-RU" b="1" dirty="0" smtClean="0">
+                <a:solidFill>
+                  <a:srgbClr val="D7837F"/>
+                </a:solidFill>
+                <a:latin typeface="Consolas" panose="020B0609020204030204" pitchFamily="49" charset="0"/>
+                <a:cs typeface="Consolas" panose="020B0609020204030204" pitchFamily="49" charset="0"/>
+              </a:rPr>
+              <a:t>T</a:t>
+            </a:r>
+            <a:r>
+              <a:rPr lang="ru-RU" altLang="ru-RU" dirty="0" smtClean="0">
+                <a:solidFill>
+                  <a:srgbClr val="E6E6FA"/>
+                </a:solidFill>
+                <a:latin typeface="Consolas" panose="020B0609020204030204" pitchFamily="49" charset="0"/>
+                <a:cs typeface="Consolas" panose="020B0609020204030204" pitchFamily="49" charset="0"/>
+              </a:rPr>
+              <a:t>&gt; </a:t>
+            </a:r>
+            <a:r>
+              <a:rPr lang="ru-RU" altLang="ru-RU" b="1" dirty="0" err="1" smtClean="0">
+                <a:solidFill>
+                  <a:srgbClr val="CDE2EA"/>
+                </a:solidFill>
+                <a:latin typeface="Consolas" panose="020B0609020204030204" pitchFamily="49" charset="0"/>
+                <a:cs typeface="Consolas" panose="020B0609020204030204" pitchFamily="49" charset="0"/>
+              </a:rPr>
+              <a:t>filter</a:t>
+            </a:r>
+            <a:r>
+              <a:rPr lang="ru-RU" altLang="ru-RU" dirty="0" smtClean="0">
+                <a:solidFill>
+                  <a:srgbClr val="FFFFFF"/>
+                </a:solidFill>
+                <a:latin typeface="Consolas" panose="020B0609020204030204" pitchFamily="49" charset="0"/>
+                <a:cs typeface="Consolas" panose="020B0609020204030204" pitchFamily="49" charset="0"/>
+              </a:rPr>
+              <a:t>(</a:t>
+            </a:r>
+            <a:r>
+              <a:rPr lang="ru-RU" altLang="ru-RU" dirty="0" err="1" smtClean="0">
+                <a:solidFill>
+                  <a:srgbClr val="80F2F6"/>
+                </a:solidFill>
+                <a:latin typeface="Consolas" panose="020B0609020204030204" pitchFamily="49" charset="0"/>
+                <a:cs typeface="Consolas" panose="020B0609020204030204" pitchFamily="49" charset="0"/>
+              </a:rPr>
+              <a:t>Predicate</a:t>
+            </a:r>
+            <a:r>
+              <a:rPr lang="ru-RU" altLang="ru-RU" dirty="0" smtClean="0">
+                <a:solidFill>
+                  <a:srgbClr val="E6E6FA"/>
+                </a:solidFill>
+                <a:latin typeface="Consolas" panose="020B0609020204030204" pitchFamily="49" charset="0"/>
+                <a:cs typeface="Consolas" panose="020B0609020204030204" pitchFamily="49" charset="0"/>
+              </a:rPr>
+              <a:t>&lt;? </a:t>
+            </a:r>
+            <a:r>
+              <a:rPr lang="ru-RU" altLang="ru-RU" b="1" dirty="0" err="1" smtClean="0">
                 <a:solidFill>
                   <a:srgbClr val="DD2867"/>
                 </a:solidFill>
                 <a:latin typeface="Consolas" panose="020B0609020204030204" pitchFamily="49" charset="0"/>
                 <a:cs typeface="Consolas" panose="020B0609020204030204" pitchFamily="49" charset="0"/>
               </a:rPr>
-              <a:t>default</a:t>
-            </a:r>
-            <a:r>
-              <a:rPr lang="uk-UA" altLang="uk-UA" sz="2000" b="1" dirty="0">
+              <a:t>super</a:t>
+            </a:r>
+            <a:r>
+              <a:rPr lang="ru-RU" altLang="ru-RU" b="1" dirty="0" smtClean="0">
                 <a:solidFill>
                   <a:srgbClr val="DD2867"/>
                 </a:solidFill>
@@ -7287,239 +7315,68 @@
               <a:t> </a:t>
             </a:r>
             <a:r>
-              <a:rPr lang="uk-UA" altLang="uk-UA" sz="2000" dirty="0" err="1">
-                <a:solidFill>
-                  <a:srgbClr val="80F2F6"/>
-                </a:solidFill>
-                <a:latin typeface="Consolas" panose="020B0609020204030204" pitchFamily="49" charset="0"/>
-                <a:cs typeface="Consolas" panose="020B0609020204030204" pitchFamily="49" charset="0"/>
-              </a:rPr>
-              <a:t>Stream</a:t>
-            </a:r>
-            <a:r>
-              <a:rPr lang="uk-UA" altLang="uk-UA" sz="2000" dirty="0">
+              <a:rPr lang="ru-RU" altLang="ru-RU" b="1" dirty="0" smtClean="0">
+                <a:solidFill>
+                  <a:srgbClr val="D7837F"/>
+                </a:solidFill>
+                <a:latin typeface="Consolas" panose="020B0609020204030204" pitchFamily="49" charset="0"/>
+                <a:cs typeface="Consolas" panose="020B0609020204030204" pitchFamily="49" charset="0"/>
+              </a:rPr>
+              <a:t>T</a:t>
+            </a:r>
+            <a:r>
+              <a:rPr lang="ru-RU" altLang="ru-RU" dirty="0" smtClean="0">
                 <a:solidFill>
                   <a:srgbClr val="E6E6FA"/>
                 </a:solidFill>
                 <a:latin typeface="Consolas" panose="020B0609020204030204" pitchFamily="49" charset="0"/>
                 <a:cs typeface="Consolas" panose="020B0609020204030204" pitchFamily="49" charset="0"/>
               </a:rPr>
-              <a:t>&lt;</a:t>
-            </a:r>
-            <a:r>
-              <a:rPr lang="uk-UA" altLang="uk-UA" sz="2000" b="1" dirty="0">
-                <a:solidFill>
-                  <a:srgbClr val="D7837F"/>
-                </a:solidFill>
-                <a:latin typeface="Consolas" panose="020B0609020204030204" pitchFamily="49" charset="0"/>
-                <a:cs typeface="Consolas" panose="020B0609020204030204" pitchFamily="49" charset="0"/>
-              </a:rPr>
-              <a:t>E</a:t>
-            </a:r>
-            <a:r>
-              <a:rPr lang="uk-UA" altLang="uk-UA" sz="2000" dirty="0">
-                <a:solidFill>
-                  <a:srgbClr val="E6E6FA"/>
-                </a:solidFill>
-                <a:latin typeface="Consolas" panose="020B0609020204030204" pitchFamily="49" charset="0"/>
-                <a:cs typeface="Consolas" panose="020B0609020204030204" pitchFamily="49" charset="0"/>
-              </a:rPr>
               <a:t>&gt; </a:t>
             </a:r>
             <a:r>
-              <a:rPr lang="uk-UA" altLang="uk-UA" sz="2000" dirty="0" err="1">
-                <a:solidFill>
-                  <a:srgbClr val="A9B7C6"/>
-                </a:solidFill>
-                <a:latin typeface="Consolas" panose="020B0609020204030204" pitchFamily="49" charset="0"/>
-                <a:cs typeface="Consolas" panose="020B0609020204030204" pitchFamily="49" charset="0"/>
-              </a:rPr>
-              <a:t>stream</a:t>
-            </a:r>
-            <a:r>
-              <a:rPr lang="uk-UA" altLang="uk-UA" sz="2000" dirty="0">
+              <a:rPr lang="ru-RU" altLang="ru-RU" dirty="0" err="1" smtClean="0">
+                <a:solidFill>
+                  <a:srgbClr val="FFBF26"/>
+                </a:solidFill>
+                <a:latin typeface="Consolas" panose="020B0609020204030204" pitchFamily="49" charset="0"/>
+                <a:cs typeface="Consolas" panose="020B0609020204030204" pitchFamily="49" charset="0"/>
+              </a:rPr>
+              <a:t>predicate</a:t>
+            </a:r>
+            <a:r>
+              <a:rPr lang="ru-RU" altLang="ru-RU" dirty="0" smtClean="0">
                 <a:solidFill>
                   <a:srgbClr val="FFFFFF"/>
                 </a:solidFill>
                 <a:latin typeface="Consolas" panose="020B0609020204030204" pitchFamily="49" charset="0"/>
                 <a:cs typeface="Consolas" panose="020B0609020204030204" pitchFamily="49" charset="0"/>
               </a:rPr>
-              <a:t>() {</a:t>
-            </a:r>
-            <a:br>
-              <a:rPr lang="uk-UA" altLang="uk-UA" sz="2000" dirty="0">
-                <a:solidFill>
-                  <a:srgbClr val="FFFFFF"/>
-                </a:solidFill>
-                <a:latin typeface="Consolas" panose="020B0609020204030204" pitchFamily="49" charset="0"/>
-                <a:cs typeface="Consolas" panose="020B0609020204030204" pitchFamily="49" charset="0"/>
-              </a:rPr>
-            </a:br>
-            <a:r>
-              <a:rPr lang="uk-UA" altLang="uk-UA" sz="2000" dirty="0">
-                <a:solidFill>
-                  <a:srgbClr val="FFFFFF"/>
-                </a:solidFill>
-                <a:latin typeface="Consolas" panose="020B0609020204030204" pitchFamily="49" charset="0"/>
-                <a:cs typeface="Consolas" panose="020B0609020204030204" pitchFamily="49" charset="0"/>
-              </a:rPr>
-              <a:t>    </a:t>
-            </a:r>
-            <a:r>
-              <a:rPr lang="uk-UA" altLang="uk-UA" sz="2000" b="1" dirty="0" err="1">
-                <a:solidFill>
-                  <a:srgbClr val="DD2867"/>
-                </a:solidFill>
-                <a:latin typeface="Consolas" panose="020B0609020204030204" pitchFamily="49" charset="0"/>
-                <a:cs typeface="Consolas" panose="020B0609020204030204" pitchFamily="49" charset="0"/>
-              </a:rPr>
-              <a:t>return</a:t>
-            </a:r>
-            <a:r>
-              <a:rPr lang="uk-UA" altLang="uk-UA" sz="2000" b="1" dirty="0">
-                <a:solidFill>
-                  <a:srgbClr val="DD2867"/>
-                </a:solidFill>
-                <a:latin typeface="Consolas" panose="020B0609020204030204" pitchFamily="49" charset="0"/>
-                <a:cs typeface="Consolas" panose="020B0609020204030204" pitchFamily="49" charset="0"/>
-              </a:rPr>
-              <a:t> </a:t>
-            </a:r>
-            <a:r>
-              <a:rPr lang="uk-UA" altLang="uk-UA" sz="2000" b="1" dirty="0" err="1">
-                <a:solidFill>
-                  <a:srgbClr val="1290C3"/>
-                </a:solidFill>
-                <a:latin typeface="Consolas" panose="020B0609020204030204" pitchFamily="49" charset="0"/>
-                <a:cs typeface="Consolas" panose="020B0609020204030204" pitchFamily="49" charset="0"/>
-              </a:rPr>
-              <a:t>StreamSupport</a:t>
-            </a:r>
-            <a:r>
-              <a:rPr lang="uk-UA" altLang="uk-UA" sz="2000" dirty="0" err="1">
-                <a:solidFill>
-                  <a:srgbClr val="F9FAF4"/>
-                </a:solidFill>
-                <a:latin typeface="Consolas" panose="020B0609020204030204" pitchFamily="49" charset="0"/>
-                <a:cs typeface="Consolas" panose="020B0609020204030204" pitchFamily="49" charset="0"/>
-              </a:rPr>
-              <a:t>.</a:t>
-            </a:r>
-            <a:r>
-              <a:rPr lang="uk-UA" altLang="uk-UA" sz="2000" i="1" dirty="0" err="1">
-                <a:solidFill>
-                  <a:srgbClr val="8098A1"/>
-                </a:solidFill>
-                <a:latin typeface="Consolas" panose="020B0609020204030204" pitchFamily="49" charset="0"/>
-                <a:cs typeface="Consolas" panose="020B0609020204030204" pitchFamily="49" charset="0"/>
-              </a:rPr>
-              <a:t>stream</a:t>
-            </a:r>
-            <a:r>
-              <a:rPr lang="uk-UA" altLang="uk-UA" sz="2000" dirty="0">
-                <a:solidFill>
-                  <a:srgbClr val="FFFFFF"/>
-                </a:solidFill>
-                <a:latin typeface="Consolas" panose="020B0609020204030204" pitchFamily="49" charset="0"/>
-                <a:cs typeface="Consolas" panose="020B0609020204030204" pitchFamily="49" charset="0"/>
-              </a:rPr>
-              <a:t>(</a:t>
-            </a:r>
-            <a:r>
-              <a:rPr lang="uk-UA" altLang="uk-UA" sz="2000" dirty="0" err="1">
+              <a:t>)</a:t>
+            </a:r>
+            <a:r>
+              <a:rPr lang="ru-RU" altLang="ru-RU" dirty="0" smtClean="0">
                 <a:solidFill>
                   <a:srgbClr val="CDE2EA"/>
                 </a:solidFill>
                 <a:latin typeface="Consolas" panose="020B0609020204030204" pitchFamily="49" charset="0"/>
                 <a:cs typeface="Consolas" panose="020B0609020204030204" pitchFamily="49" charset="0"/>
               </a:rPr>
-              <a:t>spliterator</a:t>
-            </a:r>
-            <a:r>
-              <a:rPr lang="uk-UA" altLang="uk-UA" sz="2000" dirty="0">
-                <a:solidFill>
-                  <a:srgbClr val="FFFFFF"/>
-                </a:solidFill>
-                <a:latin typeface="Consolas" panose="020B0609020204030204" pitchFamily="49" charset="0"/>
-                <a:cs typeface="Consolas" panose="020B0609020204030204" pitchFamily="49" charset="0"/>
-              </a:rPr>
-              <a:t>()</a:t>
-            </a:r>
-            <a:r>
-              <a:rPr lang="uk-UA" altLang="uk-UA" sz="2000" dirty="0">
-                <a:solidFill>
-                  <a:srgbClr val="F9FAF4"/>
-                </a:solidFill>
-                <a:latin typeface="Consolas" panose="020B0609020204030204" pitchFamily="49" charset="0"/>
-                <a:cs typeface="Consolas" panose="020B0609020204030204" pitchFamily="49" charset="0"/>
-              </a:rPr>
-              <a:t>, </a:t>
-            </a:r>
-            <a:r>
-              <a:rPr lang="uk-UA" altLang="uk-UA" sz="2000" b="1" dirty="0" err="1">
-                <a:solidFill>
-                  <a:srgbClr val="DD2867"/>
-                </a:solidFill>
-                <a:latin typeface="Consolas" panose="020B0609020204030204" pitchFamily="49" charset="0"/>
-                <a:cs typeface="Consolas" panose="020B0609020204030204" pitchFamily="49" charset="0"/>
-              </a:rPr>
-              <a:t>false</a:t>
-            </a:r>
-            <a:r>
-              <a:rPr lang="uk-UA" altLang="uk-UA" sz="2000" dirty="0">
-                <a:solidFill>
-                  <a:srgbClr val="FFFFFF"/>
-                </a:solidFill>
-                <a:latin typeface="Consolas" panose="020B0609020204030204" pitchFamily="49" charset="0"/>
-                <a:cs typeface="Consolas" panose="020B0609020204030204" pitchFamily="49" charset="0"/>
-              </a:rPr>
-              <a:t>)</a:t>
-            </a:r>
-            <a:r>
-              <a:rPr lang="uk-UA" altLang="uk-UA" sz="2000" dirty="0">
-                <a:solidFill>
-                  <a:srgbClr val="CDE2EA"/>
-                </a:solidFill>
-                <a:latin typeface="Consolas" panose="020B0609020204030204" pitchFamily="49" charset="0"/>
-                <a:cs typeface="Consolas" panose="020B0609020204030204" pitchFamily="49" charset="0"/>
-              </a:rPr>
               <a:t>;</a:t>
             </a:r>
-            <a:br>
-              <a:rPr lang="uk-UA" altLang="uk-UA" sz="2000" dirty="0">
-                <a:solidFill>
-                  <a:srgbClr val="CDE2EA"/>
-                </a:solidFill>
-                <a:latin typeface="Consolas" panose="020B0609020204030204" pitchFamily="49" charset="0"/>
-                <a:cs typeface="Consolas" panose="020B0609020204030204" pitchFamily="49" charset="0"/>
-              </a:rPr>
-            </a:br>
-            <a:r>
-              <a:rPr lang="uk-UA" altLang="uk-UA" sz="2000" dirty="0" smtClean="0">
-                <a:solidFill>
-                  <a:srgbClr val="FFFFFF"/>
-                </a:solidFill>
-                <a:latin typeface="Consolas" panose="020B0609020204030204" pitchFamily="49" charset="0"/>
-                <a:cs typeface="Consolas" panose="020B0609020204030204" pitchFamily="49" charset="0"/>
-              </a:rPr>
-              <a:t>}</a:t>
-            </a:r>
-            <a:r>
-              <a:rPr lang="en-US" altLang="uk-UA" sz="2000" dirty="0" smtClean="0">
-                <a:solidFill>
-                  <a:srgbClr val="FFFFFF"/>
-                </a:solidFill>
-                <a:latin typeface="Consolas" panose="020B0609020204030204" pitchFamily="49" charset="0"/>
-                <a:cs typeface="Consolas" panose="020B0609020204030204" pitchFamily="49" charset="0"/>
-              </a:rPr>
-              <a:t> </a:t>
-            </a:r>
-            <a:endParaRPr lang="uk-UA" altLang="uk-UA" sz="4400" dirty="0">
-              <a:latin typeface="Arial" panose="020B0604020202020204" pitchFamily="34" charset="0"/>
+            <a:endParaRPr lang="uk-UA" altLang="uk-UA" dirty="0" smtClean="0">
+              <a:solidFill>
+                <a:srgbClr val="606060"/>
+              </a:solidFill>
+              <a:latin typeface="Consolas" panose="020B0609020204030204" pitchFamily="49" charset="0"/>
+              <a:cs typeface="Consolas" panose="020B0609020204030204" pitchFamily="49" charset="0"/>
             </a:endParaRPr>
           </a:p>
           <a:p>
-            <a:pPr lvl="0" defTabSz="914400" eaLnBrk="0" fontAlgn="base" hangingPunct="0">
+            <a:pPr lvl="1" defTabSz="914400" eaLnBrk="0" fontAlgn="base" hangingPunct="0">
+              <a:lnSpc>
+                <a:spcPct val="150000"/>
+              </a:lnSpc>
               <a:spcBef>
                 <a:spcPct val="0"/>
               </a:spcBef>
@@ -7528,9 +7385,129 @@
               </a:spcAft>
             </a:pPr>
             <a:r>
-              <a:rPr lang="en-US" altLang="uk-UA" sz="2000" dirty="0">
-                <a:solidFill>
-                  <a:srgbClr val="606060"/>
+              <a:rPr lang="ru-RU" altLang="ru-RU" dirty="0" smtClean="0">
+                <a:solidFill>
+                  <a:srgbClr val="E6E6FA"/>
+                </a:solidFill>
+                <a:latin typeface="Consolas" panose="020B0609020204030204" pitchFamily="49" charset="0"/>
+                <a:cs typeface="Consolas" panose="020B0609020204030204" pitchFamily="49" charset="0"/>
+              </a:rPr>
+              <a:t>&lt;</a:t>
+            </a:r>
+            <a:r>
+              <a:rPr lang="ru-RU" altLang="ru-RU" b="1" dirty="0" smtClean="0">
+                <a:solidFill>
+                  <a:srgbClr val="D7837F"/>
+                </a:solidFill>
+                <a:latin typeface="Consolas" panose="020B0609020204030204" pitchFamily="49" charset="0"/>
+                <a:cs typeface="Consolas" panose="020B0609020204030204" pitchFamily="49" charset="0"/>
+              </a:rPr>
+              <a:t>R</a:t>
+            </a:r>
+            <a:r>
+              <a:rPr lang="ru-RU" altLang="ru-RU" dirty="0" smtClean="0">
+                <a:solidFill>
+                  <a:srgbClr val="E6E6FA"/>
+                </a:solidFill>
+                <a:latin typeface="Consolas" panose="020B0609020204030204" pitchFamily="49" charset="0"/>
+                <a:cs typeface="Consolas" panose="020B0609020204030204" pitchFamily="49" charset="0"/>
+              </a:rPr>
+              <a:t>&gt; </a:t>
+            </a:r>
+            <a:r>
+              <a:rPr lang="ru-RU" altLang="ru-RU" dirty="0" err="1" smtClean="0">
+                <a:solidFill>
+                  <a:srgbClr val="80F2F6"/>
+                </a:solidFill>
+                <a:latin typeface="Consolas" panose="020B0609020204030204" pitchFamily="49" charset="0"/>
+                <a:cs typeface="Consolas" panose="020B0609020204030204" pitchFamily="49" charset="0"/>
+              </a:rPr>
+              <a:t>Stream</a:t>
+            </a:r>
+            <a:r>
+              <a:rPr lang="ru-RU" altLang="ru-RU" dirty="0" smtClean="0">
+                <a:solidFill>
+                  <a:srgbClr val="E6E6FA"/>
+                </a:solidFill>
+                <a:latin typeface="Consolas" panose="020B0609020204030204" pitchFamily="49" charset="0"/>
+                <a:cs typeface="Consolas" panose="020B0609020204030204" pitchFamily="49" charset="0"/>
+              </a:rPr>
+              <a:t>&lt;</a:t>
+            </a:r>
+            <a:r>
+              <a:rPr lang="ru-RU" altLang="ru-RU" b="1" dirty="0" smtClean="0">
+                <a:solidFill>
+                  <a:srgbClr val="D7837F"/>
+                </a:solidFill>
+                <a:latin typeface="Consolas" panose="020B0609020204030204" pitchFamily="49" charset="0"/>
+                <a:cs typeface="Consolas" panose="020B0609020204030204" pitchFamily="49" charset="0"/>
+              </a:rPr>
+              <a:t>R</a:t>
+            </a:r>
+            <a:r>
+              <a:rPr lang="ru-RU" altLang="ru-RU" dirty="0" smtClean="0">
+                <a:solidFill>
+                  <a:srgbClr val="E6E6FA"/>
+                </a:solidFill>
+                <a:latin typeface="Consolas" panose="020B0609020204030204" pitchFamily="49" charset="0"/>
+                <a:cs typeface="Consolas" panose="020B0609020204030204" pitchFamily="49" charset="0"/>
+              </a:rPr>
+              <a:t>&gt; </a:t>
+            </a:r>
+            <a:r>
+              <a:rPr lang="ru-RU" altLang="ru-RU" b="1" dirty="0" err="1" smtClean="0">
+                <a:solidFill>
+                  <a:srgbClr val="CDE2EA"/>
+                </a:solidFill>
+                <a:latin typeface="Consolas" panose="020B0609020204030204" pitchFamily="49" charset="0"/>
+                <a:cs typeface="Consolas" panose="020B0609020204030204" pitchFamily="49" charset="0"/>
+              </a:rPr>
+              <a:t>map</a:t>
+            </a:r>
+            <a:r>
+              <a:rPr lang="ru-RU" altLang="ru-RU" dirty="0" smtClean="0">
+                <a:solidFill>
+                  <a:srgbClr val="FFFFFF"/>
+                </a:solidFill>
+                <a:latin typeface="Consolas" panose="020B0609020204030204" pitchFamily="49" charset="0"/>
+                <a:cs typeface="Consolas" panose="020B0609020204030204" pitchFamily="49" charset="0"/>
+              </a:rPr>
+              <a:t>(</a:t>
+            </a:r>
+            <a:r>
+              <a:rPr lang="ru-RU" altLang="ru-RU" dirty="0" err="1" smtClean="0">
+                <a:solidFill>
+                  <a:srgbClr val="80F2F6"/>
+                </a:solidFill>
+                <a:latin typeface="Consolas" panose="020B0609020204030204" pitchFamily="49" charset="0"/>
+                <a:cs typeface="Consolas" panose="020B0609020204030204" pitchFamily="49" charset="0"/>
+              </a:rPr>
+              <a:t>Function</a:t>
+            </a:r>
+            <a:r>
+              <a:rPr lang="ru-RU" altLang="ru-RU" dirty="0" smtClean="0">
+                <a:solidFill>
+                  <a:srgbClr val="E6E6FA"/>
+                </a:solidFill>
+                <a:latin typeface="Consolas" panose="020B0609020204030204" pitchFamily="49" charset="0"/>
+                <a:cs typeface="Consolas" panose="020B0609020204030204" pitchFamily="49" charset="0"/>
+              </a:rPr>
+              <a:t>&lt;? </a:t>
+            </a:r>
+            <a:r>
+              <a:rPr lang="ru-RU" altLang="ru-RU" b="1" dirty="0" err="1" smtClean="0">
+                <a:solidFill>
+                  <a:srgbClr val="DD2867"/>
+                </a:solidFill>
+                <a:latin typeface="Consolas" panose="020B0609020204030204" pitchFamily="49" charset="0"/>
+                <a:cs typeface="Consolas" panose="020B0609020204030204" pitchFamily="49" charset="0"/>
+              </a:rPr>
+              <a:t>super</a:t>
+            </a:r>
+            <a:r>
+              <a:rPr lang="ru-RU" altLang="ru-RU" b="1" dirty="0" smtClean="0">
+                <a:solidFill>
+                  <a:srgbClr val="DD2867"/>
                 </a:solidFill>
                 <a:latin typeface="Consolas" panose="020B0609020204030204" pitchFamily="49" charset="0"/>
                 <a:cs typeface="Consolas" panose="020B0609020204030204" pitchFamily="49" charset="0"/>
@@ -7538,45 +7515,114 @@
               <a:t> </a:t>
             </a:r>
             <a:r>
-              <a:rPr lang="en-US" altLang="uk-UA" sz="2000" dirty="0" smtClean="0">
-                <a:solidFill>
-                  <a:srgbClr val="606060"/>
-                </a:solidFill>
-                <a:latin typeface="Consolas" panose="020B0609020204030204" pitchFamily="49" charset="0"/>
-                <a:cs typeface="Consolas" panose="020B0609020204030204" pitchFamily="49" charset="0"/>
-              </a:rPr>
-              <a:t>   </a:t>
-            </a:r>
-            <a:r>
-              <a:rPr lang="uk-UA" altLang="uk-UA" sz="2000" dirty="0" smtClean="0">
-                <a:solidFill>
-                  <a:srgbClr val="606060"/>
-                </a:solidFill>
-                <a:latin typeface="Consolas" panose="020B0609020204030204" pitchFamily="49" charset="0"/>
-                <a:cs typeface="Consolas" panose="020B0609020204030204" pitchFamily="49" charset="0"/>
-              </a:rPr>
-              <a:t>//</a:t>
-            </a:r>
-            <a:r>
-              <a:rPr lang="en-US" altLang="uk-UA" sz="2000" dirty="0">
-                <a:solidFill>
-                  <a:srgbClr val="606060"/>
-                </a:solidFill>
-                <a:latin typeface="Consolas" panose="020B0609020204030204" pitchFamily="49" charset="0"/>
-                <a:cs typeface="Consolas" panose="020B0609020204030204" pitchFamily="49" charset="0"/>
-              </a:rPr>
-              <a:t>...</a:t>
-            </a:r>
-            <a:endParaRPr lang="en-US" altLang="uk-UA" sz="2000" dirty="0" smtClean="0">
-              <a:solidFill>
-                <a:srgbClr val="FFFFFF"/>
-              </a:solidFill>
-              <a:latin typeface="Consolas" panose="020B0609020204030204" pitchFamily="49" charset="0"/>
-              <a:cs typeface="Consolas" panose="020B0609020204030204" pitchFamily="49" charset="0"/>
+              <a:rPr lang="ru-RU" altLang="ru-RU" b="1" dirty="0" smtClean="0">
+                <a:solidFill>
+                  <a:srgbClr val="D7837F"/>
+                </a:solidFill>
+                <a:latin typeface="Consolas" panose="020B0609020204030204" pitchFamily="49" charset="0"/>
+                <a:cs typeface="Consolas" panose="020B0609020204030204" pitchFamily="49" charset="0"/>
+              </a:rPr>
+              <a:t>T</a:t>
+            </a:r>
+            <a:r>
+              <a:rPr lang="ru-RU" altLang="ru-RU" dirty="0" smtClean="0">
+                <a:solidFill>
+                  <a:srgbClr val="F9FAF4"/>
+                </a:solidFill>
+                <a:latin typeface="Consolas" panose="020B0609020204030204" pitchFamily="49" charset="0"/>
+                <a:cs typeface="Consolas" panose="020B0609020204030204" pitchFamily="49" charset="0"/>
+              </a:rPr>
+              <a:t>, </a:t>
+            </a:r>
+            <a:r>
+              <a:rPr lang="ru-RU" altLang="ru-RU" dirty="0" smtClean="0">
+                <a:solidFill>
+                  <a:srgbClr val="E6E6FA"/>
+                </a:solidFill>
+                <a:latin typeface="Consolas" panose="020B0609020204030204" pitchFamily="49" charset="0"/>
+                <a:cs typeface="Consolas" panose="020B0609020204030204" pitchFamily="49" charset="0"/>
+              </a:rPr>
+              <a:t>? </a:t>
+            </a:r>
+            <a:r>
+              <a:rPr lang="ru-RU" altLang="ru-RU" b="1" dirty="0" err="1" smtClean="0">
+                <a:solidFill>
+                  <a:srgbClr val="DD2867"/>
+                </a:solidFill>
+                <a:latin typeface="Consolas" panose="020B0609020204030204" pitchFamily="49" charset="0"/>
+                <a:cs typeface="Consolas" panose="020B0609020204030204" pitchFamily="49" charset="0"/>
+              </a:rPr>
+              <a:t>extends</a:t>
+            </a:r>
+            <a:r>
+              <a:rPr lang="ru-RU" altLang="ru-RU" b="1" dirty="0" smtClean="0">
+                <a:solidFill>
+                  <a:srgbClr val="DD2867"/>
+                </a:solidFill>
+                <a:latin typeface="Consolas" panose="020B0609020204030204" pitchFamily="49" charset="0"/>
+                <a:cs typeface="Consolas" panose="020B0609020204030204" pitchFamily="49" charset="0"/>
+              </a:rPr>
+              <a:t> </a:t>
+            </a:r>
+            <a:r>
+              <a:rPr lang="ru-RU" altLang="ru-RU" b="1" dirty="0" smtClean="0">
+                <a:solidFill>
+                  <a:srgbClr val="D7837F"/>
+                </a:solidFill>
+                <a:latin typeface="Consolas" panose="020B0609020204030204" pitchFamily="49" charset="0"/>
+                <a:cs typeface="Consolas" panose="020B0609020204030204" pitchFamily="49" charset="0"/>
+              </a:rPr>
+              <a:t>R</a:t>
+            </a:r>
+            <a:r>
+              <a:rPr lang="ru-RU" altLang="ru-RU" dirty="0" smtClean="0">
+                <a:solidFill>
+                  <a:srgbClr val="E6E6FA"/>
+                </a:solidFill>
+                <a:latin typeface="Consolas" panose="020B0609020204030204" pitchFamily="49" charset="0"/>
+                <a:cs typeface="Consolas" panose="020B0609020204030204" pitchFamily="49" charset="0"/>
+              </a:rPr>
+              <a:t>&gt; </a:t>
+            </a:r>
+            <a:r>
+              <a:rPr lang="ru-RU" altLang="ru-RU" dirty="0" err="1" smtClean="0">
+                <a:solidFill>
+                  <a:srgbClr val="FFBF26"/>
+                </a:solidFill>
+                <a:latin typeface="Consolas" panose="020B0609020204030204" pitchFamily="49" charset="0"/>
+                <a:cs typeface="Consolas" panose="020B0609020204030204" pitchFamily="49" charset="0"/>
+              </a:rPr>
+              <a:t>mapper</a:t>
+            </a:r>
+            <a:r>
+              <a:rPr lang="ru-RU" altLang="ru-RU" dirty="0" smtClean="0">
+                <a:solidFill>
+                  <a:srgbClr val="FFFFFF"/>
+                </a:solidFill>
+                <a:latin typeface="Consolas" panose="020B0609020204030204" pitchFamily="49" charset="0"/>
+                <a:cs typeface="Consolas" panose="020B0609020204030204" pitchFamily="49" charset="0"/>
+              </a:rPr>
+              <a:t>)</a:t>
+            </a:r>
+            <a:r>
+              <a:rPr lang="ru-RU" altLang="ru-RU" dirty="0" smtClean="0">
+                <a:solidFill>
+                  <a:srgbClr val="CDE2EA"/>
+                </a:solidFill>
+                <a:latin typeface="Consolas" panose="020B0609020204030204" pitchFamily="49" charset="0"/>
+                <a:cs typeface="Consolas" panose="020B0609020204030204" pitchFamily="49" charset="0"/>
+              </a:rPr>
+              <a:t>;</a:t>
+            </a:r>
+            <a:endParaRPr lang="ru-RU" altLang="ru-RU" dirty="0" smtClean="0">
+              <a:latin typeface="Arial" panose="020B0604020202020204" pitchFamily="34" charset="0"/>
             </a:endParaRPr>
           </a:p>
           <a:p>
-            <a:pPr lvl="0" defTabSz="914400" eaLnBrk="0" fontAlgn="base" hangingPunct="0">
+            <a:pPr lvl="1" defTabSz="914400" eaLnBrk="0" fontAlgn="base" hangingPunct="0">
+              <a:lnSpc>
+                <a:spcPct val="150000"/>
+              </a:lnSpc>
               <a:spcBef>
                 <a:spcPct val="0"/>
               </a:spcBef>
@@ -7585,16 +7631,1335 @@
               </a:spcAft>
             </a:pPr>
             <a:r>
-              <a:rPr lang="uk-UA" altLang="uk-UA" sz="2000" dirty="0" smtClean="0">
+              <a:rPr lang="ru-RU" altLang="ru-RU" dirty="0" smtClean="0">
+                <a:solidFill>
+                  <a:srgbClr val="E6E6FA"/>
+                </a:solidFill>
+                <a:latin typeface="Consolas" panose="020B0609020204030204" pitchFamily="49" charset="0"/>
+                <a:cs typeface="Consolas" panose="020B0609020204030204" pitchFamily="49" charset="0"/>
+              </a:rPr>
+              <a:t>&lt;</a:t>
+            </a:r>
+            <a:r>
+              <a:rPr lang="ru-RU" altLang="ru-RU" b="1" dirty="0" smtClean="0">
+                <a:solidFill>
+                  <a:srgbClr val="D7837F"/>
+                </a:solidFill>
+                <a:latin typeface="Consolas" panose="020B0609020204030204" pitchFamily="49" charset="0"/>
+                <a:cs typeface="Consolas" panose="020B0609020204030204" pitchFamily="49" charset="0"/>
+              </a:rPr>
+              <a:t>R</a:t>
+            </a:r>
+            <a:r>
+              <a:rPr lang="ru-RU" altLang="ru-RU" dirty="0" smtClean="0">
+                <a:solidFill>
+                  <a:srgbClr val="E6E6FA"/>
+                </a:solidFill>
+                <a:latin typeface="Consolas" panose="020B0609020204030204" pitchFamily="49" charset="0"/>
+                <a:cs typeface="Consolas" panose="020B0609020204030204" pitchFamily="49" charset="0"/>
+              </a:rPr>
+              <a:t>&gt; </a:t>
+            </a:r>
+            <a:r>
+              <a:rPr lang="ru-RU" altLang="ru-RU" dirty="0" err="1" smtClean="0">
+                <a:solidFill>
+                  <a:srgbClr val="80F2F6"/>
+                </a:solidFill>
+                <a:latin typeface="Consolas" panose="020B0609020204030204" pitchFamily="49" charset="0"/>
+                <a:cs typeface="Consolas" panose="020B0609020204030204" pitchFamily="49" charset="0"/>
+              </a:rPr>
+              <a:t>Stream</a:t>
+            </a:r>
+            <a:r>
+              <a:rPr lang="ru-RU" altLang="ru-RU" dirty="0" smtClean="0">
+                <a:solidFill>
+                  <a:srgbClr val="E6E6FA"/>
+                </a:solidFill>
+                <a:latin typeface="Consolas" panose="020B0609020204030204" pitchFamily="49" charset="0"/>
+                <a:cs typeface="Consolas" panose="020B0609020204030204" pitchFamily="49" charset="0"/>
+              </a:rPr>
+              <a:t>&lt;</a:t>
+            </a:r>
+            <a:r>
+              <a:rPr lang="ru-RU" altLang="ru-RU" b="1" dirty="0" smtClean="0">
+                <a:solidFill>
+                  <a:srgbClr val="D7837F"/>
+                </a:solidFill>
+                <a:latin typeface="Consolas" panose="020B0609020204030204" pitchFamily="49" charset="0"/>
+                <a:cs typeface="Consolas" panose="020B0609020204030204" pitchFamily="49" charset="0"/>
+              </a:rPr>
+              <a:t>R</a:t>
+            </a:r>
+            <a:r>
+              <a:rPr lang="ru-RU" altLang="ru-RU" dirty="0" smtClean="0">
+                <a:solidFill>
+                  <a:srgbClr val="E6E6FA"/>
+                </a:solidFill>
+                <a:latin typeface="Consolas" panose="020B0609020204030204" pitchFamily="49" charset="0"/>
+                <a:cs typeface="Consolas" panose="020B0609020204030204" pitchFamily="49" charset="0"/>
+              </a:rPr>
+              <a:t>&gt; </a:t>
+            </a:r>
+            <a:r>
+              <a:rPr lang="ru-RU" altLang="ru-RU" b="1" dirty="0" err="1" smtClean="0">
+                <a:solidFill>
+                  <a:srgbClr val="CDE2EA"/>
+                </a:solidFill>
+                <a:latin typeface="Consolas" panose="020B0609020204030204" pitchFamily="49" charset="0"/>
+                <a:cs typeface="Consolas" panose="020B0609020204030204" pitchFamily="49" charset="0"/>
+              </a:rPr>
+              <a:t>flatMap</a:t>
+            </a:r>
+            <a:r>
+              <a:rPr lang="ru-RU" altLang="ru-RU" dirty="0" smtClean="0">
                 <a:solidFill>
                   <a:srgbClr val="FFFFFF"/>
                 </a:solidFill>
                 <a:latin typeface="Consolas" panose="020B0609020204030204" pitchFamily="49" charset="0"/>
                 <a:cs typeface="Consolas" panose="020B0609020204030204" pitchFamily="49" charset="0"/>
               </a:rPr>
+              <a:t>(</a:t>
+            </a:r>
+            <a:r>
+              <a:rPr lang="ru-RU" altLang="ru-RU" dirty="0" err="1" smtClean="0">
+                <a:solidFill>
+                  <a:srgbClr val="80F2F6"/>
+                </a:solidFill>
+                <a:latin typeface="Consolas" panose="020B0609020204030204" pitchFamily="49" charset="0"/>
+                <a:cs typeface="Consolas" panose="020B0609020204030204" pitchFamily="49" charset="0"/>
+              </a:rPr>
+              <a:t>Function</a:t>
+            </a:r>
+            <a:r>
+              <a:rPr lang="ru-RU" altLang="ru-RU" dirty="0" smtClean="0">
+                <a:solidFill>
+                  <a:srgbClr val="E6E6FA"/>
+                </a:solidFill>
+                <a:latin typeface="Consolas" panose="020B0609020204030204" pitchFamily="49" charset="0"/>
+                <a:cs typeface="Consolas" panose="020B0609020204030204" pitchFamily="49" charset="0"/>
+              </a:rPr>
+              <a:t>&lt;? </a:t>
+            </a:r>
+            <a:r>
+              <a:rPr lang="ru-RU" altLang="ru-RU" b="1" dirty="0" err="1" smtClean="0">
+                <a:solidFill>
+                  <a:srgbClr val="DD2867"/>
+                </a:solidFill>
+                <a:latin typeface="Consolas" panose="020B0609020204030204" pitchFamily="49" charset="0"/>
+                <a:cs typeface="Consolas" panose="020B0609020204030204" pitchFamily="49" charset="0"/>
+              </a:rPr>
+              <a:t>super</a:t>
+            </a:r>
+            <a:r>
+              <a:rPr lang="ru-RU" altLang="ru-RU" b="1" dirty="0" smtClean="0">
+                <a:solidFill>
+                  <a:srgbClr val="DD2867"/>
+                </a:solidFill>
+                <a:latin typeface="Consolas" panose="020B0609020204030204" pitchFamily="49" charset="0"/>
+                <a:cs typeface="Consolas" panose="020B0609020204030204" pitchFamily="49" charset="0"/>
+              </a:rPr>
+              <a:t> </a:t>
+            </a:r>
+            <a:r>
+              <a:rPr lang="ru-RU" altLang="ru-RU" b="1" dirty="0" smtClean="0">
+                <a:solidFill>
+                  <a:srgbClr val="D7837F"/>
+                </a:solidFill>
+                <a:latin typeface="Consolas" panose="020B0609020204030204" pitchFamily="49" charset="0"/>
+                <a:cs typeface="Consolas" panose="020B0609020204030204" pitchFamily="49" charset="0"/>
+              </a:rPr>
+              <a:t>T</a:t>
+            </a:r>
+            <a:r>
+              <a:rPr lang="ru-RU" altLang="ru-RU" dirty="0" smtClean="0">
+                <a:solidFill>
+                  <a:srgbClr val="F9FAF4"/>
+                </a:solidFill>
+                <a:latin typeface="Consolas" panose="020B0609020204030204" pitchFamily="49" charset="0"/>
+                <a:cs typeface="Consolas" panose="020B0609020204030204" pitchFamily="49" charset="0"/>
+              </a:rPr>
+              <a:t>, </a:t>
+            </a:r>
+            <a:r>
+              <a:rPr lang="ru-RU" altLang="ru-RU" dirty="0" smtClean="0">
+                <a:solidFill>
+                  <a:srgbClr val="E6E6FA"/>
+                </a:solidFill>
+                <a:latin typeface="Consolas" panose="020B0609020204030204" pitchFamily="49" charset="0"/>
+                <a:cs typeface="Consolas" panose="020B0609020204030204" pitchFamily="49" charset="0"/>
+              </a:rPr>
+              <a:t>? </a:t>
+            </a:r>
+            <a:r>
+              <a:rPr lang="ru-RU" altLang="ru-RU" b="1" dirty="0" err="1" smtClean="0">
+                <a:solidFill>
+                  <a:srgbClr val="DD2867"/>
+                </a:solidFill>
+                <a:latin typeface="Consolas" panose="020B0609020204030204" pitchFamily="49" charset="0"/>
+                <a:cs typeface="Consolas" panose="020B0609020204030204" pitchFamily="49" charset="0"/>
+              </a:rPr>
+              <a:t>extends</a:t>
+            </a:r>
+            <a:r>
+              <a:rPr lang="ru-RU" altLang="ru-RU" b="1" dirty="0" smtClean="0">
+                <a:solidFill>
+                  <a:srgbClr val="DD2867"/>
+                </a:solidFill>
+                <a:latin typeface="Consolas" panose="020B0609020204030204" pitchFamily="49" charset="0"/>
+                <a:cs typeface="Consolas" panose="020B0609020204030204" pitchFamily="49" charset="0"/>
+              </a:rPr>
+              <a:t> </a:t>
+            </a:r>
+            <a:r>
+              <a:rPr lang="ru-RU" altLang="ru-RU" dirty="0" err="1" smtClean="0">
+                <a:solidFill>
+                  <a:srgbClr val="80F2F6"/>
+                </a:solidFill>
+                <a:latin typeface="Consolas" panose="020B0609020204030204" pitchFamily="49" charset="0"/>
+                <a:cs typeface="Consolas" panose="020B0609020204030204" pitchFamily="49" charset="0"/>
+              </a:rPr>
+              <a:t>Stream</a:t>
+            </a:r>
+            <a:r>
+              <a:rPr lang="ru-RU" altLang="ru-RU" dirty="0" smtClean="0">
+                <a:solidFill>
+                  <a:srgbClr val="E6E6FA"/>
+                </a:solidFill>
+                <a:latin typeface="Consolas" panose="020B0609020204030204" pitchFamily="49" charset="0"/>
+                <a:cs typeface="Consolas" panose="020B0609020204030204" pitchFamily="49" charset="0"/>
+              </a:rPr>
+              <a:t>&lt;? </a:t>
+            </a:r>
+            <a:r>
+              <a:rPr lang="ru-RU" altLang="ru-RU" b="1" dirty="0" err="1" smtClean="0">
+                <a:solidFill>
+                  <a:srgbClr val="DD2867"/>
+                </a:solidFill>
+                <a:latin typeface="Consolas" panose="020B0609020204030204" pitchFamily="49" charset="0"/>
+                <a:cs typeface="Consolas" panose="020B0609020204030204" pitchFamily="49" charset="0"/>
+              </a:rPr>
+              <a:t>extends</a:t>
+            </a:r>
+            <a:r>
+              <a:rPr lang="ru-RU" altLang="ru-RU" b="1" dirty="0" smtClean="0">
+                <a:solidFill>
+                  <a:srgbClr val="DD2867"/>
+                </a:solidFill>
+                <a:latin typeface="Consolas" panose="020B0609020204030204" pitchFamily="49" charset="0"/>
+                <a:cs typeface="Consolas" panose="020B0609020204030204" pitchFamily="49" charset="0"/>
+              </a:rPr>
+              <a:t> </a:t>
+            </a:r>
+            <a:r>
+              <a:rPr lang="ru-RU" altLang="ru-RU" b="1" dirty="0" smtClean="0">
+                <a:solidFill>
+                  <a:srgbClr val="D7837F"/>
+                </a:solidFill>
+                <a:latin typeface="Consolas" panose="020B0609020204030204" pitchFamily="49" charset="0"/>
+                <a:cs typeface="Consolas" panose="020B0609020204030204" pitchFamily="49" charset="0"/>
+              </a:rPr>
+              <a:t>R</a:t>
+            </a:r>
+            <a:r>
+              <a:rPr lang="ru-RU" altLang="ru-RU" dirty="0" smtClean="0">
+                <a:solidFill>
+                  <a:srgbClr val="E6E6FA"/>
+                </a:solidFill>
+                <a:latin typeface="Consolas" panose="020B0609020204030204" pitchFamily="49" charset="0"/>
+                <a:cs typeface="Consolas" panose="020B0609020204030204" pitchFamily="49" charset="0"/>
+              </a:rPr>
+              <a:t>&gt;&gt; </a:t>
+            </a:r>
+            <a:r>
+              <a:rPr lang="ru-RU" altLang="ru-RU" dirty="0" err="1" smtClean="0">
+                <a:solidFill>
+                  <a:srgbClr val="FFBF26"/>
+                </a:solidFill>
+                <a:latin typeface="Consolas" panose="020B0609020204030204" pitchFamily="49" charset="0"/>
+                <a:cs typeface="Consolas" panose="020B0609020204030204" pitchFamily="49" charset="0"/>
+              </a:rPr>
+              <a:t>mapper</a:t>
+            </a:r>
+            <a:r>
+              <a:rPr lang="ru-RU" altLang="ru-RU" dirty="0" smtClean="0">
+                <a:solidFill>
+                  <a:srgbClr val="FFFFFF"/>
+                </a:solidFill>
+                <a:latin typeface="Consolas" panose="020B0609020204030204" pitchFamily="49" charset="0"/>
+                <a:cs typeface="Consolas" panose="020B0609020204030204" pitchFamily="49" charset="0"/>
+              </a:rPr>
+              <a:t>)</a:t>
+            </a:r>
+            <a:r>
+              <a:rPr lang="ru-RU" altLang="ru-RU" dirty="0" smtClean="0">
+                <a:solidFill>
+                  <a:srgbClr val="CDE2EA"/>
+                </a:solidFill>
+                <a:latin typeface="Consolas" panose="020B0609020204030204" pitchFamily="49" charset="0"/>
+                <a:cs typeface="Consolas" panose="020B0609020204030204" pitchFamily="49" charset="0"/>
+              </a:rPr>
+              <a:t>;</a:t>
+            </a:r>
+          </a:p>
+          <a:p>
+            <a:pPr lvl="1" defTabSz="914400" eaLnBrk="0" fontAlgn="base" hangingPunct="0">
+              <a:lnSpc>
+                <a:spcPct val="150000"/>
+              </a:lnSpc>
+              <a:spcBef>
+                <a:spcPct val="0"/>
+              </a:spcBef>
+              <a:spcAft>
+                <a:spcPct val="0"/>
+              </a:spcAft>
+            </a:pPr>
+            <a:r>
+              <a:rPr lang="ru-RU" altLang="ru-RU" b="1" dirty="0" err="1" smtClean="0">
+                <a:solidFill>
+                  <a:srgbClr val="DD2867"/>
+                </a:solidFill>
+                <a:latin typeface="Consolas" panose="020B0609020204030204" pitchFamily="49" charset="0"/>
+                <a:cs typeface="Consolas" panose="020B0609020204030204" pitchFamily="49" charset="0"/>
+              </a:rPr>
+              <a:t>void</a:t>
+            </a:r>
+            <a:r>
+              <a:rPr lang="ru-RU" altLang="ru-RU" b="1" dirty="0" smtClean="0">
+                <a:solidFill>
+                  <a:srgbClr val="DD2867"/>
+                </a:solidFill>
+                <a:latin typeface="Consolas" panose="020B0609020204030204" pitchFamily="49" charset="0"/>
+                <a:cs typeface="Consolas" panose="020B0609020204030204" pitchFamily="49" charset="0"/>
+              </a:rPr>
+              <a:t> </a:t>
+            </a:r>
+            <a:r>
+              <a:rPr lang="ru-RU" altLang="ru-RU" b="1" dirty="0" err="1" smtClean="0">
+                <a:solidFill>
+                  <a:srgbClr val="CDE2EA"/>
+                </a:solidFill>
+                <a:latin typeface="Consolas" panose="020B0609020204030204" pitchFamily="49" charset="0"/>
+                <a:cs typeface="Consolas" panose="020B0609020204030204" pitchFamily="49" charset="0"/>
+              </a:rPr>
+              <a:t>forEach</a:t>
+            </a:r>
+            <a:r>
+              <a:rPr lang="ru-RU" altLang="ru-RU" dirty="0" smtClean="0">
+                <a:solidFill>
+                  <a:srgbClr val="FFFFFF"/>
+                </a:solidFill>
+                <a:latin typeface="Consolas" panose="020B0609020204030204" pitchFamily="49" charset="0"/>
+                <a:cs typeface="Consolas" panose="020B0609020204030204" pitchFamily="49" charset="0"/>
+              </a:rPr>
+              <a:t>(</a:t>
+            </a:r>
+            <a:r>
+              <a:rPr lang="ru-RU" altLang="ru-RU" dirty="0" err="1" smtClean="0">
+                <a:solidFill>
+                  <a:srgbClr val="80F2F6"/>
+                </a:solidFill>
+                <a:latin typeface="Consolas" panose="020B0609020204030204" pitchFamily="49" charset="0"/>
+                <a:cs typeface="Consolas" panose="020B0609020204030204" pitchFamily="49" charset="0"/>
+              </a:rPr>
+              <a:t>Consumer</a:t>
+            </a:r>
+            <a:r>
+              <a:rPr lang="ru-RU" altLang="ru-RU" dirty="0" smtClean="0">
+                <a:solidFill>
+                  <a:srgbClr val="E6E6FA"/>
+                </a:solidFill>
+                <a:latin typeface="Consolas" panose="020B0609020204030204" pitchFamily="49" charset="0"/>
+                <a:cs typeface="Consolas" panose="020B0609020204030204" pitchFamily="49" charset="0"/>
+              </a:rPr>
+              <a:t>&lt;? </a:t>
+            </a:r>
+            <a:r>
+              <a:rPr lang="ru-RU" altLang="ru-RU" b="1" dirty="0" err="1" smtClean="0">
+                <a:solidFill>
+                  <a:srgbClr val="DD2867"/>
+                </a:solidFill>
+                <a:latin typeface="Consolas" panose="020B0609020204030204" pitchFamily="49" charset="0"/>
+                <a:cs typeface="Consolas" panose="020B0609020204030204" pitchFamily="49" charset="0"/>
+              </a:rPr>
+              <a:t>super</a:t>
+            </a:r>
+            <a:r>
+              <a:rPr lang="ru-RU" altLang="ru-RU" b="1" dirty="0" smtClean="0">
+                <a:solidFill>
+                  <a:srgbClr val="DD2867"/>
+                </a:solidFill>
+                <a:latin typeface="Consolas" panose="020B0609020204030204" pitchFamily="49" charset="0"/>
+                <a:cs typeface="Consolas" panose="020B0609020204030204" pitchFamily="49" charset="0"/>
+              </a:rPr>
+              <a:t> </a:t>
+            </a:r>
+            <a:r>
+              <a:rPr lang="ru-RU" altLang="ru-RU" b="1" dirty="0" smtClean="0">
+                <a:solidFill>
+                  <a:srgbClr val="D7837F"/>
+                </a:solidFill>
+                <a:latin typeface="Consolas" panose="020B0609020204030204" pitchFamily="49" charset="0"/>
+                <a:cs typeface="Consolas" panose="020B0609020204030204" pitchFamily="49" charset="0"/>
+              </a:rPr>
+              <a:t>T</a:t>
+            </a:r>
+            <a:r>
+              <a:rPr lang="ru-RU" altLang="ru-RU" dirty="0" smtClean="0">
+                <a:solidFill>
+                  <a:srgbClr val="E6E6FA"/>
+                </a:solidFill>
+                <a:latin typeface="Consolas" panose="020B0609020204030204" pitchFamily="49" charset="0"/>
+                <a:cs typeface="Consolas" panose="020B0609020204030204" pitchFamily="49" charset="0"/>
+              </a:rPr>
+              <a:t>&gt; </a:t>
+            </a:r>
+            <a:r>
+              <a:rPr lang="ru-RU" altLang="ru-RU" dirty="0" err="1" smtClean="0">
+                <a:solidFill>
+                  <a:srgbClr val="FFBF26"/>
+                </a:solidFill>
+                <a:latin typeface="Consolas" panose="020B0609020204030204" pitchFamily="49" charset="0"/>
+                <a:cs typeface="Consolas" panose="020B0609020204030204" pitchFamily="49" charset="0"/>
+              </a:rPr>
+              <a:t>action</a:t>
+            </a:r>
+            <a:r>
+              <a:rPr lang="ru-RU" altLang="ru-RU" dirty="0" smtClean="0">
+                <a:solidFill>
+                  <a:srgbClr val="FFFFFF"/>
+                </a:solidFill>
+                <a:latin typeface="Consolas" panose="020B0609020204030204" pitchFamily="49" charset="0"/>
+                <a:cs typeface="Consolas" panose="020B0609020204030204" pitchFamily="49" charset="0"/>
+              </a:rPr>
+              <a:t>)</a:t>
+            </a:r>
+            <a:r>
+              <a:rPr lang="ru-RU" altLang="ru-RU" dirty="0" smtClean="0">
+                <a:solidFill>
+                  <a:srgbClr val="CDE2EA"/>
+                </a:solidFill>
+                <a:latin typeface="Consolas" panose="020B0609020204030204" pitchFamily="49" charset="0"/>
+                <a:cs typeface="Consolas" panose="020B0609020204030204" pitchFamily="49" charset="0"/>
+              </a:rPr>
+              <a:t>;</a:t>
+            </a:r>
+            <a:endParaRPr lang="ru-RU" altLang="ru-RU" sz="4000" dirty="0" smtClean="0">
+              <a:latin typeface="Arial" panose="020B0604020202020204" pitchFamily="34" charset="0"/>
+            </a:endParaRPr>
+          </a:p>
+          <a:p>
+            <a:pPr lvl="1" defTabSz="914400" eaLnBrk="0" fontAlgn="base" hangingPunct="0">
+              <a:lnSpc>
+                <a:spcPct val="150000"/>
+              </a:lnSpc>
+              <a:spcBef>
+                <a:spcPct val="0"/>
+              </a:spcBef>
+              <a:spcAft>
+                <a:spcPct val="0"/>
+              </a:spcAft>
+            </a:pPr>
+            <a:r>
+              <a:rPr lang="ru-RU" altLang="ru-RU" dirty="0">
+                <a:solidFill>
+                  <a:srgbClr val="E6E6FA"/>
+                </a:solidFill>
+                <a:latin typeface="Consolas" panose="020B0609020204030204" pitchFamily="49" charset="0"/>
+                <a:cs typeface="Consolas" panose="020B0609020204030204" pitchFamily="49" charset="0"/>
+              </a:rPr>
+              <a:t>&lt;</a:t>
+            </a:r>
+            <a:r>
+              <a:rPr lang="ru-RU" altLang="ru-RU" b="1" dirty="0">
+                <a:solidFill>
+                  <a:srgbClr val="D7837F"/>
+                </a:solidFill>
+                <a:latin typeface="Consolas" panose="020B0609020204030204" pitchFamily="49" charset="0"/>
+                <a:cs typeface="Consolas" panose="020B0609020204030204" pitchFamily="49" charset="0"/>
+              </a:rPr>
+              <a:t>R</a:t>
+            </a:r>
+            <a:r>
+              <a:rPr lang="ru-RU" altLang="ru-RU" dirty="0">
+                <a:solidFill>
+                  <a:srgbClr val="F9FAF4"/>
+                </a:solidFill>
+                <a:latin typeface="Consolas" panose="020B0609020204030204" pitchFamily="49" charset="0"/>
+                <a:cs typeface="Consolas" panose="020B0609020204030204" pitchFamily="49" charset="0"/>
+              </a:rPr>
+              <a:t>, </a:t>
+            </a:r>
+            <a:r>
+              <a:rPr lang="ru-RU" altLang="ru-RU" b="1" dirty="0">
+                <a:solidFill>
+                  <a:srgbClr val="D7837F"/>
+                </a:solidFill>
+                <a:latin typeface="Consolas" panose="020B0609020204030204" pitchFamily="49" charset="0"/>
+                <a:cs typeface="Consolas" panose="020B0609020204030204" pitchFamily="49" charset="0"/>
+              </a:rPr>
+              <a:t>A</a:t>
+            </a:r>
+            <a:r>
+              <a:rPr lang="ru-RU" altLang="ru-RU" dirty="0">
+                <a:solidFill>
+                  <a:srgbClr val="E6E6FA"/>
+                </a:solidFill>
+                <a:latin typeface="Consolas" panose="020B0609020204030204" pitchFamily="49" charset="0"/>
+                <a:cs typeface="Consolas" panose="020B0609020204030204" pitchFamily="49" charset="0"/>
+              </a:rPr>
+              <a:t>&gt; </a:t>
+            </a:r>
+            <a:r>
+              <a:rPr lang="ru-RU" altLang="ru-RU" b="1" dirty="0">
+                <a:solidFill>
+                  <a:srgbClr val="D7837F"/>
+                </a:solidFill>
+                <a:latin typeface="Consolas" panose="020B0609020204030204" pitchFamily="49" charset="0"/>
+                <a:cs typeface="Consolas" panose="020B0609020204030204" pitchFamily="49" charset="0"/>
+              </a:rPr>
+              <a:t>R </a:t>
+            </a:r>
+            <a:r>
+              <a:rPr lang="ru-RU" altLang="ru-RU" b="1" dirty="0" err="1">
+                <a:solidFill>
+                  <a:srgbClr val="CDE2EA"/>
+                </a:solidFill>
+                <a:latin typeface="Consolas" panose="020B0609020204030204" pitchFamily="49" charset="0"/>
+                <a:cs typeface="Consolas" panose="020B0609020204030204" pitchFamily="49" charset="0"/>
+              </a:rPr>
+              <a:t>collect</a:t>
+            </a:r>
+            <a:r>
+              <a:rPr lang="ru-RU" altLang="ru-RU" dirty="0">
+                <a:solidFill>
+                  <a:srgbClr val="FFFFFF"/>
+                </a:solidFill>
+                <a:latin typeface="Consolas" panose="020B0609020204030204" pitchFamily="49" charset="0"/>
+                <a:cs typeface="Consolas" panose="020B0609020204030204" pitchFamily="49" charset="0"/>
+              </a:rPr>
+              <a:t>(</a:t>
+            </a:r>
+            <a:r>
+              <a:rPr lang="ru-RU" altLang="ru-RU" dirty="0" err="1">
+                <a:solidFill>
+                  <a:srgbClr val="80F2F6"/>
+                </a:solidFill>
+                <a:latin typeface="Consolas" panose="020B0609020204030204" pitchFamily="49" charset="0"/>
+                <a:cs typeface="Consolas" panose="020B0609020204030204" pitchFamily="49" charset="0"/>
+              </a:rPr>
+              <a:t>Collector</a:t>
+            </a:r>
+            <a:r>
+              <a:rPr lang="ru-RU" altLang="ru-RU" dirty="0">
+                <a:solidFill>
+                  <a:srgbClr val="E6E6FA"/>
+                </a:solidFill>
+                <a:latin typeface="Consolas" panose="020B0609020204030204" pitchFamily="49" charset="0"/>
+                <a:cs typeface="Consolas" panose="020B0609020204030204" pitchFamily="49" charset="0"/>
+              </a:rPr>
+              <a:t>&lt;? </a:t>
+            </a:r>
+            <a:r>
+              <a:rPr lang="ru-RU" altLang="ru-RU" b="1" dirty="0" err="1">
+                <a:solidFill>
+                  <a:srgbClr val="DD2867"/>
+                </a:solidFill>
+                <a:latin typeface="Consolas" panose="020B0609020204030204" pitchFamily="49" charset="0"/>
+                <a:cs typeface="Consolas" panose="020B0609020204030204" pitchFamily="49" charset="0"/>
+              </a:rPr>
+              <a:t>super</a:t>
+            </a:r>
+            <a:r>
+              <a:rPr lang="ru-RU" altLang="ru-RU" b="1" dirty="0">
+                <a:solidFill>
+                  <a:srgbClr val="DD2867"/>
+                </a:solidFill>
+                <a:latin typeface="Consolas" panose="020B0609020204030204" pitchFamily="49" charset="0"/>
+                <a:cs typeface="Consolas" panose="020B0609020204030204" pitchFamily="49" charset="0"/>
+              </a:rPr>
+              <a:t> </a:t>
+            </a:r>
+            <a:r>
+              <a:rPr lang="ru-RU" altLang="ru-RU" b="1" dirty="0">
+                <a:solidFill>
+                  <a:srgbClr val="D7837F"/>
+                </a:solidFill>
+                <a:latin typeface="Consolas" panose="020B0609020204030204" pitchFamily="49" charset="0"/>
+                <a:cs typeface="Consolas" panose="020B0609020204030204" pitchFamily="49" charset="0"/>
+              </a:rPr>
+              <a:t>T</a:t>
+            </a:r>
+            <a:r>
+              <a:rPr lang="ru-RU" altLang="ru-RU" dirty="0">
+                <a:solidFill>
+                  <a:srgbClr val="F9FAF4"/>
+                </a:solidFill>
+                <a:latin typeface="Consolas" panose="020B0609020204030204" pitchFamily="49" charset="0"/>
+                <a:cs typeface="Consolas" panose="020B0609020204030204" pitchFamily="49" charset="0"/>
+              </a:rPr>
+              <a:t>, </a:t>
+            </a:r>
+            <a:r>
+              <a:rPr lang="ru-RU" altLang="ru-RU" b="1" dirty="0">
+                <a:solidFill>
+                  <a:srgbClr val="D7837F"/>
+                </a:solidFill>
+                <a:latin typeface="Consolas" panose="020B0609020204030204" pitchFamily="49" charset="0"/>
+                <a:cs typeface="Consolas" panose="020B0609020204030204" pitchFamily="49" charset="0"/>
+              </a:rPr>
+              <a:t>A</a:t>
+            </a:r>
+            <a:r>
+              <a:rPr lang="ru-RU" altLang="ru-RU" dirty="0">
+                <a:solidFill>
+                  <a:srgbClr val="F9FAF4"/>
+                </a:solidFill>
+                <a:latin typeface="Consolas" panose="020B0609020204030204" pitchFamily="49" charset="0"/>
+                <a:cs typeface="Consolas" panose="020B0609020204030204" pitchFamily="49" charset="0"/>
+              </a:rPr>
+              <a:t>, </a:t>
+            </a:r>
+            <a:r>
+              <a:rPr lang="ru-RU" altLang="ru-RU" b="1" dirty="0">
+                <a:solidFill>
+                  <a:srgbClr val="D7837F"/>
+                </a:solidFill>
+                <a:latin typeface="Consolas" panose="020B0609020204030204" pitchFamily="49" charset="0"/>
+                <a:cs typeface="Consolas" panose="020B0609020204030204" pitchFamily="49" charset="0"/>
+              </a:rPr>
+              <a:t>R</a:t>
+            </a:r>
+            <a:r>
+              <a:rPr lang="ru-RU" altLang="ru-RU" dirty="0">
+                <a:solidFill>
+                  <a:srgbClr val="E6E6FA"/>
+                </a:solidFill>
+                <a:latin typeface="Consolas" panose="020B0609020204030204" pitchFamily="49" charset="0"/>
+                <a:cs typeface="Consolas" panose="020B0609020204030204" pitchFamily="49" charset="0"/>
+              </a:rPr>
+              <a:t>&gt; </a:t>
+            </a:r>
+            <a:r>
+              <a:rPr lang="ru-RU" altLang="ru-RU" dirty="0" err="1">
+                <a:solidFill>
+                  <a:srgbClr val="FFBF26"/>
+                </a:solidFill>
+                <a:latin typeface="Consolas" panose="020B0609020204030204" pitchFamily="49" charset="0"/>
+                <a:cs typeface="Consolas" panose="020B0609020204030204" pitchFamily="49" charset="0"/>
+              </a:rPr>
+              <a:t>collector</a:t>
+            </a:r>
+            <a:r>
+              <a:rPr lang="ru-RU" altLang="ru-RU" dirty="0">
+                <a:solidFill>
+                  <a:srgbClr val="FFFFFF"/>
+                </a:solidFill>
+                <a:latin typeface="Consolas" panose="020B0609020204030204" pitchFamily="49" charset="0"/>
+                <a:cs typeface="Consolas" panose="020B0609020204030204" pitchFamily="49" charset="0"/>
+              </a:rPr>
+              <a:t>)</a:t>
+            </a:r>
+            <a:r>
+              <a:rPr lang="ru-RU" altLang="ru-RU" dirty="0">
+                <a:solidFill>
+                  <a:srgbClr val="CDE2EA"/>
+                </a:solidFill>
+                <a:latin typeface="Consolas" panose="020B0609020204030204" pitchFamily="49" charset="0"/>
+                <a:cs typeface="Consolas" panose="020B0609020204030204" pitchFamily="49" charset="0"/>
+              </a:rPr>
+              <a:t>;</a:t>
+            </a:r>
+            <a:endParaRPr lang="ru-RU" altLang="ru-RU" sz="4000" dirty="0">
+              <a:latin typeface="Arial" panose="020B0604020202020204" pitchFamily="34" charset="0"/>
+            </a:endParaRPr>
+          </a:p>
+          <a:p>
+            <a:pPr lvl="1" defTabSz="914400" eaLnBrk="0" fontAlgn="base" hangingPunct="0">
+              <a:lnSpc>
+                <a:spcPct val="150000"/>
+              </a:lnSpc>
+              <a:spcBef>
+                <a:spcPct val="0"/>
+              </a:spcBef>
+              <a:spcAft>
+                <a:spcPct val="0"/>
+              </a:spcAft>
+            </a:pPr>
+            <a:r>
+              <a:rPr lang="ru-RU" altLang="ru-RU" dirty="0" err="1">
+                <a:solidFill>
+                  <a:srgbClr val="A9B7C6"/>
+                </a:solidFill>
+                <a:latin typeface="Consolas" panose="020B0609020204030204" pitchFamily="49" charset="0"/>
+                <a:cs typeface="Consolas" panose="020B0609020204030204" pitchFamily="49" charset="0"/>
+              </a:rPr>
+              <a:t>Optional</a:t>
+            </a:r>
+            <a:r>
+              <a:rPr lang="ru-RU" altLang="ru-RU" dirty="0">
+                <a:solidFill>
+                  <a:srgbClr val="E6E6FA"/>
+                </a:solidFill>
+                <a:latin typeface="Consolas" panose="020B0609020204030204" pitchFamily="49" charset="0"/>
+                <a:cs typeface="Consolas" panose="020B0609020204030204" pitchFamily="49" charset="0"/>
+              </a:rPr>
+              <a:t>&lt;</a:t>
+            </a:r>
+            <a:r>
+              <a:rPr lang="ru-RU" altLang="ru-RU" b="1" dirty="0">
+                <a:solidFill>
+                  <a:srgbClr val="D7837F"/>
+                </a:solidFill>
+                <a:latin typeface="Consolas" panose="020B0609020204030204" pitchFamily="49" charset="0"/>
+                <a:cs typeface="Consolas" panose="020B0609020204030204" pitchFamily="49" charset="0"/>
+              </a:rPr>
+              <a:t>T</a:t>
+            </a:r>
+            <a:r>
+              <a:rPr lang="ru-RU" altLang="ru-RU" dirty="0">
+                <a:solidFill>
+                  <a:srgbClr val="E6E6FA"/>
+                </a:solidFill>
+                <a:latin typeface="Consolas" panose="020B0609020204030204" pitchFamily="49" charset="0"/>
+                <a:cs typeface="Consolas" panose="020B0609020204030204" pitchFamily="49" charset="0"/>
+              </a:rPr>
+              <a:t>&gt; </a:t>
+            </a:r>
+            <a:r>
+              <a:rPr lang="ru-RU" altLang="ru-RU" b="1" dirty="0" err="1">
+                <a:solidFill>
+                  <a:srgbClr val="CDE2EA"/>
+                </a:solidFill>
+                <a:latin typeface="Consolas" panose="020B0609020204030204" pitchFamily="49" charset="0"/>
+                <a:cs typeface="Consolas" panose="020B0609020204030204" pitchFamily="49" charset="0"/>
+              </a:rPr>
+              <a:t>min</a:t>
+            </a:r>
+            <a:r>
+              <a:rPr lang="ru-RU" altLang="ru-RU" dirty="0">
+                <a:solidFill>
+                  <a:srgbClr val="FFFFFF"/>
+                </a:solidFill>
+                <a:latin typeface="Consolas" panose="020B0609020204030204" pitchFamily="49" charset="0"/>
+                <a:cs typeface="Consolas" panose="020B0609020204030204" pitchFamily="49" charset="0"/>
+              </a:rPr>
+              <a:t>(</a:t>
+            </a:r>
+            <a:r>
+              <a:rPr lang="ru-RU" altLang="ru-RU" dirty="0" err="1">
+                <a:solidFill>
+                  <a:srgbClr val="80F2F6"/>
+                </a:solidFill>
+                <a:latin typeface="Consolas" panose="020B0609020204030204" pitchFamily="49" charset="0"/>
+                <a:cs typeface="Consolas" panose="020B0609020204030204" pitchFamily="49" charset="0"/>
+              </a:rPr>
+              <a:t>Comparator</a:t>
+            </a:r>
+            <a:r>
+              <a:rPr lang="ru-RU" altLang="ru-RU" dirty="0">
+                <a:solidFill>
+                  <a:srgbClr val="E6E6FA"/>
+                </a:solidFill>
+                <a:latin typeface="Consolas" panose="020B0609020204030204" pitchFamily="49" charset="0"/>
+                <a:cs typeface="Consolas" panose="020B0609020204030204" pitchFamily="49" charset="0"/>
+              </a:rPr>
+              <a:t>&lt;? </a:t>
+            </a:r>
+            <a:r>
+              <a:rPr lang="ru-RU" altLang="ru-RU" b="1" dirty="0" err="1">
+                <a:solidFill>
+                  <a:srgbClr val="DD2867"/>
+                </a:solidFill>
+                <a:latin typeface="Consolas" panose="020B0609020204030204" pitchFamily="49" charset="0"/>
+                <a:cs typeface="Consolas" panose="020B0609020204030204" pitchFamily="49" charset="0"/>
+              </a:rPr>
+              <a:t>super</a:t>
+            </a:r>
+            <a:r>
+              <a:rPr lang="ru-RU" altLang="ru-RU" b="1" dirty="0">
+                <a:solidFill>
+                  <a:srgbClr val="DD2867"/>
+                </a:solidFill>
+                <a:latin typeface="Consolas" panose="020B0609020204030204" pitchFamily="49" charset="0"/>
+                <a:cs typeface="Consolas" panose="020B0609020204030204" pitchFamily="49" charset="0"/>
+              </a:rPr>
+              <a:t> </a:t>
+            </a:r>
+            <a:r>
+              <a:rPr lang="ru-RU" altLang="ru-RU" b="1" dirty="0">
+                <a:solidFill>
+                  <a:srgbClr val="D7837F"/>
+                </a:solidFill>
+                <a:latin typeface="Consolas" panose="020B0609020204030204" pitchFamily="49" charset="0"/>
+                <a:cs typeface="Consolas" panose="020B0609020204030204" pitchFamily="49" charset="0"/>
+              </a:rPr>
+              <a:t>T</a:t>
+            </a:r>
+            <a:r>
+              <a:rPr lang="ru-RU" altLang="ru-RU" dirty="0">
+                <a:solidFill>
+                  <a:srgbClr val="E6E6FA"/>
+                </a:solidFill>
+                <a:latin typeface="Consolas" panose="020B0609020204030204" pitchFamily="49" charset="0"/>
+                <a:cs typeface="Consolas" panose="020B0609020204030204" pitchFamily="49" charset="0"/>
+              </a:rPr>
+              <a:t>&gt; </a:t>
+            </a:r>
+            <a:r>
+              <a:rPr lang="ru-RU" altLang="ru-RU" dirty="0" err="1">
+                <a:solidFill>
+                  <a:srgbClr val="FFBF26"/>
+                </a:solidFill>
+                <a:latin typeface="Consolas" panose="020B0609020204030204" pitchFamily="49" charset="0"/>
+                <a:cs typeface="Consolas" panose="020B0609020204030204" pitchFamily="49" charset="0"/>
+              </a:rPr>
+              <a:t>comparator</a:t>
+            </a:r>
+            <a:r>
+              <a:rPr lang="ru-RU" altLang="ru-RU" dirty="0">
+                <a:solidFill>
+                  <a:srgbClr val="FFFFFF"/>
+                </a:solidFill>
+                <a:latin typeface="Consolas" panose="020B0609020204030204" pitchFamily="49" charset="0"/>
+                <a:cs typeface="Consolas" panose="020B0609020204030204" pitchFamily="49" charset="0"/>
+              </a:rPr>
+              <a:t>)</a:t>
+            </a:r>
+            <a:r>
+              <a:rPr lang="ru-RU" altLang="ru-RU" dirty="0">
+                <a:solidFill>
+                  <a:srgbClr val="CDE2EA"/>
+                </a:solidFill>
+                <a:latin typeface="Consolas" panose="020B0609020204030204" pitchFamily="49" charset="0"/>
+                <a:cs typeface="Consolas" panose="020B0609020204030204" pitchFamily="49" charset="0"/>
+              </a:rPr>
+              <a:t>;</a:t>
+            </a:r>
+            <a:endParaRPr lang="ru-RU" altLang="ru-RU" sz="4000" dirty="0">
+              <a:latin typeface="Arial" panose="020B0604020202020204" pitchFamily="34" charset="0"/>
+            </a:endParaRPr>
+          </a:p>
+          <a:p>
+            <a:pPr lvl="1" defTabSz="914400" eaLnBrk="0" fontAlgn="base" hangingPunct="0">
+              <a:lnSpc>
+                <a:spcPct val="150000"/>
+              </a:lnSpc>
+              <a:spcBef>
+                <a:spcPct val="0"/>
+              </a:spcBef>
+              <a:spcAft>
+                <a:spcPct val="0"/>
+              </a:spcAft>
+            </a:pPr>
+            <a:r>
+              <a:rPr lang="ru-RU" altLang="ru-RU" dirty="0" err="1" smtClean="0">
+                <a:solidFill>
+                  <a:srgbClr val="A9B7C6"/>
+                </a:solidFill>
+                <a:latin typeface="Consolas" panose="020B0609020204030204" pitchFamily="49" charset="0"/>
+                <a:cs typeface="Consolas" panose="020B0609020204030204" pitchFamily="49" charset="0"/>
+              </a:rPr>
+              <a:t>Optional</a:t>
+            </a:r>
+            <a:r>
+              <a:rPr lang="ru-RU" altLang="ru-RU" dirty="0" smtClean="0">
+                <a:solidFill>
+                  <a:srgbClr val="E6E6FA"/>
+                </a:solidFill>
+                <a:latin typeface="Consolas" panose="020B0609020204030204" pitchFamily="49" charset="0"/>
+                <a:cs typeface="Consolas" panose="020B0609020204030204" pitchFamily="49" charset="0"/>
+              </a:rPr>
+              <a:t>&lt;</a:t>
+            </a:r>
+            <a:r>
+              <a:rPr lang="ru-RU" altLang="ru-RU" b="1" dirty="0" smtClean="0">
+                <a:solidFill>
+                  <a:srgbClr val="D7837F"/>
+                </a:solidFill>
+                <a:latin typeface="Consolas" panose="020B0609020204030204" pitchFamily="49" charset="0"/>
+                <a:cs typeface="Consolas" panose="020B0609020204030204" pitchFamily="49" charset="0"/>
+              </a:rPr>
+              <a:t>T</a:t>
+            </a:r>
+            <a:r>
+              <a:rPr lang="ru-RU" altLang="ru-RU" dirty="0">
+                <a:solidFill>
+                  <a:srgbClr val="E6E6FA"/>
+                </a:solidFill>
+                <a:latin typeface="Consolas" panose="020B0609020204030204" pitchFamily="49" charset="0"/>
+                <a:cs typeface="Consolas" panose="020B0609020204030204" pitchFamily="49" charset="0"/>
+              </a:rPr>
+              <a:t>&gt; </a:t>
+            </a:r>
+            <a:r>
+              <a:rPr lang="ru-RU" altLang="ru-RU" b="1" dirty="0" err="1">
+                <a:solidFill>
+                  <a:srgbClr val="CDE2EA"/>
+                </a:solidFill>
+                <a:latin typeface="Consolas" panose="020B0609020204030204" pitchFamily="49" charset="0"/>
+                <a:cs typeface="Consolas" panose="020B0609020204030204" pitchFamily="49" charset="0"/>
+              </a:rPr>
+              <a:t>max</a:t>
+            </a:r>
+            <a:r>
+              <a:rPr lang="ru-RU" altLang="ru-RU" dirty="0">
+                <a:solidFill>
+                  <a:srgbClr val="FFFFFF"/>
+                </a:solidFill>
+                <a:latin typeface="Consolas" panose="020B0609020204030204" pitchFamily="49" charset="0"/>
+                <a:cs typeface="Consolas" panose="020B0609020204030204" pitchFamily="49" charset="0"/>
+              </a:rPr>
+              <a:t>(</a:t>
+            </a:r>
+            <a:r>
+              <a:rPr lang="ru-RU" altLang="ru-RU" dirty="0" err="1">
+                <a:solidFill>
+                  <a:srgbClr val="80F2F6"/>
+                </a:solidFill>
+                <a:latin typeface="Consolas" panose="020B0609020204030204" pitchFamily="49" charset="0"/>
+                <a:cs typeface="Consolas" panose="020B0609020204030204" pitchFamily="49" charset="0"/>
+              </a:rPr>
+              <a:t>Comparator</a:t>
+            </a:r>
+            <a:r>
+              <a:rPr lang="ru-RU" altLang="ru-RU" dirty="0">
+                <a:solidFill>
+                  <a:srgbClr val="E6E6FA"/>
+                </a:solidFill>
+                <a:latin typeface="Consolas" panose="020B0609020204030204" pitchFamily="49" charset="0"/>
+                <a:cs typeface="Consolas" panose="020B0609020204030204" pitchFamily="49" charset="0"/>
+              </a:rPr>
+              <a:t>&lt;? </a:t>
+            </a:r>
+            <a:r>
+              <a:rPr lang="ru-RU" altLang="ru-RU" b="1" dirty="0" err="1">
+                <a:solidFill>
+                  <a:srgbClr val="DD2867"/>
+                </a:solidFill>
+                <a:latin typeface="Consolas" panose="020B0609020204030204" pitchFamily="49" charset="0"/>
+                <a:cs typeface="Consolas" panose="020B0609020204030204" pitchFamily="49" charset="0"/>
+              </a:rPr>
+              <a:t>super</a:t>
+            </a:r>
+            <a:r>
+              <a:rPr lang="ru-RU" altLang="ru-RU" b="1" dirty="0">
+                <a:solidFill>
+                  <a:srgbClr val="DD2867"/>
+                </a:solidFill>
+                <a:latin typeface="Consolas" panose="020B0609020204030204" pitchFamily="49" charset="0"/>
+                <a:cs typeface="Consolas" panose="020B0609020204030204" pitchFamily="49" charset="0"/>
+              </a:rPr>
+              <a:t> </a:t>
+            </a:r>
+            <a:r>
+              <a:rPr lang="ru-RU" altLang="ru-RU" b="1" dirty="0">
+                <a:solidFill>
+                  <a:srgbClr val="D7837F"/>
+                </a:solidFill>
+                <a:latin typeface="Consolas" panose="020B0609020204030204" pitchFamily="49" charset="0"/>
+                <a:cs typeface="Consolas" panose="020B0609020204030204" pitchFamily="49" charset="0"/>
+              </a:rPr>
+              <a:t>T</a:t>
+            </a:r>
+            <a:r>
+              <a:rPr lang="ru-RU" altLang="ru-RU" dirty="0">
+                <a:solidFill>
+                  <a:srgbClr val="E6E6FA"/>
+                </a:solidFill>
+                <a:latin typeface="Consolas" panose="020B0609020204030204" pitchFamily="49" charset="0"/>
+                <a:cs typeface="Consolas" panose="020B0609020204030204" pitchFamily="49" charset="0"/>
+              </a:rPr>
+              <a:t>&gt; </a:t>
+            </a:r>
+            <a:r>
+              <a:rPr lang="ru-RU" altLang="ru-RU" dirty="0" err="1">
+                <a:solidFill>
+                  <a:srgbClr val="FFBF26"/>
+                </a:solidFill>
+                <a:latin typeface="Consolas" panose="020B0609020204030204" pitchFamily="49" charset="0"/>
+                <a:cs typeface="Consolas" panose="020B0609020204030204" pitchFamily="49" charset="0"/>
+              </a:rPr>
+              <a:t>comparator</a:t>
+            </a:r>
+            <a:r>
+              <a:rPr lang="ru-RU" altLang="ru-RU" dirty="0">
+                <a:solidFill>
+                  <a:srgbClr val="FFFFFF"/>
+                </a:solidFill>
+                <a:latin typeface="Consolas" panose="020B0609020204030204" pitchFamily="49" charset="0"/>
+                <a:cs typeface="Consolas" panose="020B0609020204030204" pitchFamily="49" charset="0"/>
+              </a:rPr>
+              <a:t>)</a:t>
+            </a:r>
+            <a:r>
+              <a:rPr lang="ru-RU" altLang="ru-RU" dirty="0">
+                <a:solidFill>
+                  <a:srgbClr val="CDE2EA"/>
+                </a:solidFill>
+                <a:latin typeface="Consolas" panose="020B0609020204030204" pitchFamily="49" charset="0"/>
+                <a:cs typeface="Consolas" panose="020B0609020204030204" pitchFamily="49" charset="0"/>
+              </a:rPr>
+              <a:t>;</a:t>
+            </a:r>
+            <a:endParaRPr lang="ru-RU" altLang="ru-RU" sz="4000" dirty="0">
+              <a:latin typeface="Arial" panose="020B0604020202020204" pitchFamily="34" charset="0"/>
+            </a:endParaRPr>
+          </a:p>
+          <a:p>
+            <a:pPr lvl="1" defTabSz="914400" eaLnBrk="0" fontAlgn="base" hangingPunct="0">
+              <a:lnSpc>
+                <a:spcPct val="150000"/>
+              </a:lnSpc>
+              <a:spcBef>
+                <a:spcPct val="0"/>
+              </a:spcBef>
+              <a:spcAft>
+                <a:spcPct val="0"/>
+              </a:spcAft>
+            </a:pPr>
+            <a:r>
+              <a:rPr lang="ru-RU" altLang="ru-RU" b="1" dirty="0" err="1">
+                <a:solidFill>
+                  <a:srgbClr val="DD2867"/>
+                </a:solidFill>
+                <a:latin typeface="Consolas" panose="020B0609020204030204" pitchFamily="49" charset="0"/>
+                <a:cs typeface="Consolas" panose="020B0609020204030204" pitchFamily="49" charset="0"/>
+              </a:rPr>
+              <a:t>boolean</a:t>
+            </a:r>
+            <a:r>
+              <a:rPr lang="ru-RU" altLang="ru-RU" b="1" dirty="0">
+                <a:solidFill>
+                  <a:srgbClr val="DD2867"/>
+                </a:solidFill>
+                <a:latin typeface="Consolas" panose="020B0609020204030204" pitchFamily="49" charset="0"/>
+                <a:cs typeface="Consolas" panose="020B0609020204030204" pitchFamily="49" charset="0"/>
+              </a:rPr>
+              <a:t> </a:t>
+            </a:r>
+            <a:r>
+              <a:rPr lang="ru-RU" altLang="ru-RU" b="1" dirty="0" err="1">
+                <a:solidFill>
+                  <a:srgbClr val="CDE2EA"/>
+                </a:solidFill>
+                <a:latin typeface="Consolas" panose="020B0609020204030204" pitchFamily="49" charset="0"/>
+                <a:cs typeface="Consolas" panose="020B0609020204030204" pitchFamily="49" charset="0"/>
+              </a:rPr>
+              <a:t>anyMatch</a:t>
+            </a:r>
+            <a:r>
+              <a:rPr lang="ru-RU" altLang="ru-RU" dirty="0">
+                <a:solidFill>
+                  <a:srgbClr val="FFFFFF"/>
+                </a:solidFill>
+                <a:latin typeface="Consolas" panose="020B0609020204030204" pitchFamily="49" charset="0"/>
+                <a:cs typeface="Consolas" panose="020B0609020204030204" pitchFamily="49" charset="0"/>
+              </a:rPr>
+              <a:t>(</a:t>
+            </a:r>
+            <a:r>
+              <a:rPr lang="ru-RU" altLang="ru-RU" dirty="0" err="1">
+                <a:solidFill>
+                  <a:srgbClr val="80F2F6"/>
+                </a:solidFill>
+                <a:latin typeface="Consolas" panose="020B0609020204030204" pitchFamily="49" charset="0"/>
+                <a:cs typeface="Consolas" panose="020B0609020204030204" pitchFamily="49" charset="0"/>
+              </a:rPr>
+              <a:t>Predicate</a:t>
+            </a:r>
+            <a:r>
+              <a:rPr lang="ru-RU" altLang="ru-RU" dirty="0">
+                <a:solidFill>
+                  <a:srgbClr val="E6E6FA"/>
+                </a:solidFill>
+                <a:latin typeface="Consolas" panose="020B0609020204030204" pitchFamily="49" charset="0"/>
+                <a:cs typeface="Consolas" panose="020B0609020204030204" pitchFamily="49" charset="0"/>
+              </a:rPr>
+              <a:t>&lt;? </a:t>
+            </a:r>
+            <a:r>
+              <a:rPr lang="ru-RU" altLang="ru-RU" b="1" dirty="0" err="1">
+                <a:solidFill>
+                  <a:srgbClr val="DD2867"/>
+                </a:solidFill>
+                <a:latin typeface="Consolas" panose="020B0609020204030204" pitchFamily="49" charset="0"/>
+                <a:cs typeface="Consolas" panose="020B0609020204030204" pitchFamily="49" charset="0"/>
+              </a:rPr>
+              <a:t>super</a:t>
+            </a:r>
+            <a:r>
+              <a:rPr lang="ru-RU" altLang="ru-RU" b="1" dirty="0">
+                <a:solidFill>
+                  <a:srgbClr val="DD2867"/>
+                </a:solidFill>
+                <a:latin typeface="Consolas" panose="020B0609020204030204" pitchFamily="49" charset="0"/>
+                <a:cs typeface="Consolas" panose="020B0609020204030204" pitchFamily="49" charset="0"/>
+              </a:rPr>
+              <a:t> </a:t>
+            </a:r>
+            <a:r>
+              <a:rPr lang="ru-RU" altLang="ru-RU" b="1" dirty="0">
+                <a:solidFill>
+                  <a:srgbClr val="D7837F"/>
+                </a:solidFill>
+                <a:latin typeface="Consolas" panose="020B0609020204030204" pitchFamily="49" charset="0"/>
+                <a:cs typeface="Consolas" panose="020B0609020204030204" pitchFamily="49" charset="0"/>
+              </a:rPr>
+              <a:t>T</a:t>
+            </a:r>
+            <a:r>
+              <a:rPr lang="ru-RU" altLang="ru-RU" dirty="0">
+                <a:solidFill>
+                  <a:srgbClr val="E6E6FA"/>
+                </a:solidFill>
+                <a:latin typeface="Consolas" panose="020B0609020204030204" pitchFamily="49" charset="0"/>
+                <a:cs typeface="Consolas" panose="020B0609020204030204" pitchFamily="49" charset="0"/>
+              </a:rPr>
+              <a:t>&gt; </a:t>
+            </a:r>
+            <a:r>
+              <a:rPr lang="ru-RU" altLang="ru-RU" dirty="0" err="1">
+                <a:solidFill>
+                  <a:srgbClr val="FFBF26"/>
+                </a:solidFill>
+                <a:latin typeface="Consolas" panose="020B0609020204030204" pitchFamily="49" charset="0"/>
+                <a:cs typeface="Consolas" panose="020B0609020204030204" pitchFamily="49" charset="0"/>
+              </a:rPr>
+              <a:t>predicate</a:t>
+            </a:r>
+            <a:r>
+              <a:rPr lang="ru-RU" altLang="ru-RU" dirty="0">
+                <a:solidFill>
+                  <a:srgbClr val="FFFFFF"/>
+                </a:solidFill>
+                <a:latin typeface="Consolas" panose="020B0609020204030204" pitchFamily="49" charset="0"/>
+                <a:cs typeface="Consolas" panose="020B0609020204030204" pitchFamily="49" charset="0"/>
+              </a:rPr>
+              <a:t>)</a:t>
+            </a:r>
+            <a:r>
+              <a:rPr lang="ru-RU" altLang="ru-RU" dirty="0">
+                <a:solidFill>
+                  <a:srgbClr val="CDE2EA"/>
+                </a:solidFill>
+                <a:latin typeface="Consolas" panose="020B0609020204030204" pitchFamily="49" charset="0"/>
+                <a:cs typeface="Consolas" panose="020B0609020204030204" pitchFamily="49" charset="0"/>
+              </a:rPr>
+              <a:t>;</a:t>
+            </a:r>
+            <a:endParaRPr lang="ru-RU" altLang="ru-RU" sz="4000" dirty="0">
+              <a:latin typeface="Arial" panose="020B0604020202020204" pitchFamily="34" charset="0"/>
+            </a:endParaRPr>
+          </a:p>
+          <a:p>
+            <a:pPr lvl="1" defTabSz="914400" eaLnBrk="0" fontAlgn="base" hangingPunct="0">
+              <a:lnSpc>
+                <a:spcPct val="150000"/>
+              </a:lnSpc>
+              <a:spcBef>
+                <a:spcPct val="0"/>
+              </a:spcBef>
+              <a:spcAft>
+                <a:spcPct val="0"/>
+              </a:spcAft>
+            </a:pPr>
+            <a:r>
+              <a:rPr lang="ru-RU" altLang="ru-RU" b="1" dirty="0" err="1">
+                <a:solidFill>
+                  <a:srgbClr val="DD2867"/>
+                </a:solidFill>
+                <a:latin typeface="Consolas" panose="020B0609020204030204" pitchFamily="49" charset="0"/>
+                <a:cs typeface="Consolas" panose="020B0609020204030204" pitchFamily="49" charset="0"/>
+              </a:rPr>
+              <a:t>boolean</a:t>
+            </a:r>
+            <a:r>
+              <a:rPr lang="ru-RU" altLang="ru-RU" b="1" dirty="0">
+                <a:solidFill>
+                  <a:srgbClr val="DD2867"/>
+                </a:solidFill>
+                <a:latin typeface="Consolas" panose="020B0609020204030204" pitchFamily="49" charset="0"/>
+                <a:cs typeface="Consolas" panose="020B0609020204030204" pitchFamily="49" charset="0"/>
+              </a:rPr>
+              <a:t> </a:t>
+            </a:r>
+            <a:r>
+              <a:rPr lang="ru-RU" altLang="ru-RU" b="1" dirty="0" err="1">
+                <a:solidFill>
+                  <a:srgbClr val="CDE2EA"/>
+                </a:solidFill>
+                <a:latin typeface="Consolas" panose="020B0609020204030204" pitchFamily="49" charset="0"/>
+                <a:cs typeface="Consolas" panose="020B0609020204030204" pitchFamily="49" charset="0"/>
+              </a:rPr>
+              <a:t>allMatch</a:t>
+            </a:r>
+            <a:r>
+              <a:rPr lang="ru-RU" altLang="ru-RU" dirty="0">
+                <a:solidFill>
+                  <a:srgbClr val="FFFFFF"/>
+                </a:solidFill>
+                <a:latin typeface="Consolas" panose="020B0609020204030204" pitchFamily="49" charset="0"/>
+                <a:cs typeface="Consolas" panose="020B0609020204030204" pitchFamily="49" charset="0"/>
+              </a:rPr>
+              <a:t>(</a:t>
+            </a:r>
+            <a:r>
+              <a:rPr lang="ru-RU" altLang="ru-RU" dirty="0" err="1">
+                <a:solidFill>
+                  <a:srgbClr val="80F2F6"/>
+                </a:solidFill>
+                <a:latin typeface="Consolas" panose="020B0609020204030204" pitchFamily="49" charset="0"/>
+                <a:cs typeface="Consolas" panose="020B0609020204030204" pitchFamily="49" charset="0"/>
+              </a:rPr>
+              <a:t>Predicate</a:t>
+            </a:r>
+            <a:r>
+              <a:rPr lang="ru-RU" altLang="ru-RU" dirty="0">
+                <a:solidFill>
+                  <a:srgbClr val="E6E6FA"/>
+                </a:solidFill>
+                <a:latin typeface="Consolas" panose="020B0609020204030204" pitchFamily="49" charset="0"/>
+                <a:cs typeface="Consolas" panose="020B0609020204030204" pitchFamily="49" charset="0"/>
+              </a:rPr>
+              <a:t>&lt;? </a:t>
+            </a:r>
+            <a:r>
+              <a:rPr lang="ru-RU" altLang="ru-RU" b="1" dirty="0" err="1">
+                <a:solidFill>
+                  <a:srgbClr val="DD2867"/>
+                </a:solidFill>
+                <a:latin typeface="Consolas" panose="020B0609020204030204" pitchFamily="49" charset="0"/>
+                <a:cs typeface="Consolas" panose="020B0609020204030204" pitchFamily="49" charset="0"/>
+              </a:rPr>
+              <a:t>super</a:t>
+            </a:r>
+            <a:r>
+              <a:rPr lang="ru-RU" altLang="ru-RU" b="1" dirty="0">
+                <a:solidFill>
+                  <a:srgbClr val="DD2867"/>
+                </a:solidFill>
+                <a:latin typeface="Consolas" panose="020B0609020204030204" pitchFamily="49" charset="0"/>
+                <a:cs typeface="Consolas" panose="020B0609020204030204" pitchFamily="49" charset="0"/>
+              </a:rPr>
+              <a:t> </a:t>
+            </a:r>
+            <a:r>
+              <a:rPr lang="ru-RU" altLang="ru-RU" b="1" dirty="0">
+                <a:solidFill>
+                  <a:srgbClr val="D7837F"/>
+                </a:solidFill>
+                <a:latin typeface="Consolas" panose="020B0609020204030204" pitchFamily="49" charset="0"/>
+                <a:cs typeface="Consolas" panose="020B0609020204030204" pitchFamily="49" charset="0"/>
+              </a:rPr>
+              <a:t>T</a:t>
+            </a:r>
+            <a:r>
+              <a:rPr lang="ru-RU" altLang="ru-RU" dirty="0">
+                <a:solidFill>
+                  <a:srgbClr val="E6E6FA"/>
+                </a:solidFill>
+                <a:latin typeface="Consolas" panose="020B0609020204030204" pitchFamily="49" charset="0"/>
+                <a:cs typeface="Consolas" panose="020B0609020204030204" pitchFamily="49" charset="0"/>
+              </a:rPr>
+              <a:t>&gt; </a:t>
+            </a:r>
+            <a:r>
+              <a:rPr lang="ru-RU" altLang="ru-RU" dirty="0" err="1">
+                <a:solidFill>
+                  <a:srgbClr val="FFBF26"/>
+                </a:solidFill>
+                <a:latin typeface="Consolas" panose="020B0609020204030204" pitchFamily="49" charset="0"/>
+                <a:cs typeface="Consolas" panose="020B0609020204030204" pitchFamily="49" charset="0"/>
+              </a:rPr>
+              <a:t>predicate</a:t>
+            </a:r>
+            <a:r>
+              <a:rPr lang="ru-RU" altLang="ru-RU" dirty="0">
+                <a:solidFill>
+                  <a:srgbClr val="FFFFFF"/>
+                </a:solidFill>
+                <a:latin typeface="Consolas" panose="020B0609020204030204" pitchFamily="49" charset="0"/>
+                <a:cs typeface="Consolas" panose="020B0609020204030204" pitchFamily="49" charset="0"/>
+              </a:rPr>
+              <a:t>)</a:t>
+            </a:r>
+            <a:r>
+              <a:rPr lang="ru-RU" altLang="ru-RU" dirty="0">
+                <a:solidFill>
+                  <a:srgbClr val="CDE2EA"/>
+                </a:solidFill>
+                <a:latin typeface="Consolas" panose="020B0609020204030204" pitchFamily="49" charset="0"/>
+                <a:cs typeface="Consolas" panose="020B0609020204030204" pitchFamily="49" charset="0"/>
+              </a:rPr>
+              <a:t>;</a:t>
+            </a:r>
+            <a:endParaRPr lang="ru-RU" altLang="ru-RU" sz="4000" dirty="0">
+              <a:latin typeface="Arial" panose="020B0604020202020204" pitchFamily="34" charset="0"/>
+            </a:endParaRPr>
+          </a:p>
+          <a:p>
+            <a:pPr lvl="1" defTabSz="914400" eaLnBrk="0" fontAlgn="base" hangingPunct="0">
+              <a:lnSpc>
+                <a:spcPct val="150000"/>
+              </a:lnSpc>
+              <a:spcBef>
+                <a:spcPct val="0"/>
+              </a:spcBef>
+              <a:spcAft>
+                <a:spcPct val="0"/>
+              </a:spcAft>
+            </a:pPr>
+            <a:r>
+              <a:rPr lang="uk-UA" altLang="uk-UA" dirty="0" smtClean="0">
+                <a:solidFill>
+                  <a:srgbClr val="606060"/>
+                </a:solidFill>
+                <a:latin typeface="Consolas" panose="020B0609020204030204" pitchFamily="49" charset="0"/>
+                <a:cs typeface="Consolas" panose="020B0609020204030204" pitchFamily="49" charset="0"/>
+              </a:rPr>
+              <a:t>//</a:t>
+            </a:r>
+            <a:r>
+              <a:rPr lang="en-US" altLang="uk-UA" dirty="0" smtClean="0">
+                <a:solidFill>
+                  <a:srgbClr val="606060"/>
+                </a:solidFill>
+                <a:latin typeface="Consolas" panose="020B0609020204030204" pitchFamily="49" charset="0"/>
+                <a:cs typeface="Consolas" panose="020B0609020204030204" pitchFamily="49" charset="0"/>
+              </a:rPr>
+              <a:t>...</a:t>
+            </a:r>
+            <a:endParaRPr lang="en-US" altLang="uk-UA" dirty="0" smtClean="0">
+              <a:solidFill>
+                <a:srgbClr val="FFFFFF"/>
+              </a:solidFill>
+              <a:latin typeface="Consolas" panose="020B0609020204030204" pitchFamily="49" charset="0"/>
+              <a:cs typeface="Consolas" panose="020B0609020204030204" pitchFamily="49" charset="0"/>
+            </a:endParaRPr>
+          </a:p>
+          <a:p>
+            <a:pPr lvl="0" defTabSz="914400" eaLnBrk="0" fontAlgn="base" hangingPunct="0">
+              <a:lnSpc>
+                <a:spcPct val="150000"/>
+              </a:lnSpc>
+              <a:spcBef>
+                <a:spcPct val="0"/>
+              </a:spcBef>
+              <a:spcAft>
+                <a:spcPct val="0"/>
+              </a:spcAft>
+            </a:pPr>
+            <a:r>
+              <a:rPr lang="uk-UA" altLang="uk-UA" dirty="0" smtClean="0">
+                <a:solidFill>
+                  <a:srgbClr val="FFFFFF"/>
+                </a:solidFill>
+                <a:latin typeface="Consolas" panose="020B0609020204030204" pitchFamily="49" charset="0"/>
+                <a:cs typeface="Consolas" panose="020B0609020204030204" pitchFamily="49" charset="0"/>
+              </a:rPr>
               <a:t>}</a:t>
             </a:r>
-            <a:endParaRPr kumimoji="0" lang="en-US" altLang="uk-UA" sz="2000" b="0" i="0" u="none" strike="noStrike" cap="none" normalizeH="0" baseline="0" dirty="0" smtClean="0">
+            <a:endParaRPr kumimoji="0" lang="en-US" altLang="uk-UA" b="0" i="0" u="none" strike="noStrike" cap="none" normalizeH="0" baseline="0" dirty="0" smtClean="0">
               <a:ln>
                 <a:noFill/>
               </a:ln>
@@ -7840,10 +9205,479 @@
           </a:p>
         </p:txBody>
       </p:sp>
+      <p:sp>
+        <p:nvSpPr>
+          <p:cNvPr id="2" name="Rectangle 1"/>
+          <p:cNvSpPr>
+            <a:spLocks noChangeArrowheads="1"/>
+          </p:cNvSpPr>
+          <p:nvPr/>
+        </p:nvSpPr>
+        <p:spPr bwMode="auto">
+          <a:xfrm>
+            <a:off x="0" y="0"/>
+            <a:ext cx="12192000" cy="457200"/>
+          </a:xfrm>
+          <a:prstGeom prst="rect">
+            <a:avLst/>
+          </a:prstGeom>
+          <a:solidFill>
+            <a:srgbClr val="2B2B2B"/>
+          </a:solidFill>
+          <a:ln>
+            <a:noFill/>
+          </a:ln>
+          <a:effectLst/>
+          <a:extLst>
+            <a:ext uri="{91240B29-F687-4F45-9708-019B960494DF}">
+              <a14:hiddenLine xmlns:a14="http://schemas.microsoft.com/office/drawing/2010/main" w="9525">
+                <a:solidFill>
+                  <a:schemeClr val="tx1"/>
+                </a:solidFill>
+                <a:miter lim="800000"/>
+                <a:headEnd/>
+                <a:tailEnd/>
+              </a14:hiddenLine>
+            </a:ext>
+            <a:ext uri="{AF507438-7753-43E0-B8FC-AC1667EBCBE1}">
+              <a14:hiddenEffects xmlns:a14="http://schemas.microsoft.com/office/drawing/2010/main">
+                <a:effectLst>
+                  <a:outerShdw dist="35921" dir="2700000" algn="ctr" rotWithShape="0">
+                    <a:schemeClr val="bg2"/>
+                  </a:outerShdw>
+                </a:effectLst>
+              </a14:hiddenEffects>
+            </a:ext>
+          </a:extLst>
+        </p:spPr>
+        <p:txBody>
+          <a:bodyPr vert="horz" wrap="none" lIns="91440" tIns="45720" rIns="91440" bIns="45720" numCol="1" anchor="ctr" anchorCtr="0" compatLnSpc="1">
+            <a:prstTxWarp prst="textNoShape">
+              <a:avLst/>
+            </a:prstTxWarp>
+            <a:spAutoFit/>
+          </a:bodyPr>
+          <a:lstStyle/>
+          <a:p>
+            <a:pPr marL="0" marR="0" lvl="0" indent="0" algn="l" defTabSz="914400" rtl="0" eaLnBrk="0" fontAlgn="base" latinLnBrk="0" hangingPunct="0">
+              <a:lnSpc>
+                <a:spcPct val="100000"/>
+              </a:lnSpc>
+              <a:spcBef>
+                <a:spcPct val="0"/>
+              </a:spcBef>
+              <a:spcAft>
+                <a:spcPct val="0"/>
+              </a:spcAft>
+              <a:buClrTx/>
+              <a:buSzTx/>
+              <a:buFontTx/>
+              <a:buNone/>
+              <a:tabLst/>
+            </a:pPr>
+            <a:r>
+              <a:rPr kumimoji="0" lang="ru-RU" altLang="ru-RU" sz="1000" b="1" i="0" u="none" strike="noStrike" cap="none" normalizeH="0" baseline="0" smtClean="0">
+                <a:ln>
+                  <a:noFill/>
+                </a:ln>
+                <a:solidFill>
+                  <a:srgbClr val="DD2867"/>
+                </a:solidFill>
+                <a:effectLst/>
+                <a:latin typeface="Consolas" panose="020B0609020204030204" pitchFamily="49" charset="0"/>
+                <a:cs typeface="Consolas" panose="020B0609020204030204" pitchFamily="49" charset="0"/>
+              </a:rPr>
+              <a:t>public interface </a:t>
+            </a:r>
+            <a:r>
+              <a:rPr kumimoji="0" lang="ru-RU" altLang="ru-RU" sz="1000" b="0" i="0" u="none" strike="noStrike" cap="none" normalizeH="0" baseline="0" smtClean="0">
+                <a:ln>
+                  <a:noFill/>
+                </a:ln>
+                <a:solidFill>
+                  <a:srgbClr val="80F2F6"/>
+                </a:solidFill>
+                <a:effectLst/>
+                <a:latin typeface="Consolas" panose="020B0609020204030204" pitchFamily="49" charset="0"/>
+                <a:cs typeface="Consolas" panose="020B0609020204030204" pitchFamily="49" charset="0"/>
+              </a:rPr>
+              <a:t>Collection</a:t>
+            </a:r>
+            <a:r>
+              <a:rPr kumimoji="0" lang="ru-RU" altLang="ru-RU" sz="1000" b="0" i="0" u="none" strike="noStrike" cap="none" normalizeH="0" baseline="0" smtClean="0">
+                <a:ln>
+                  <a:noFill/>
+                </a:ln>
+                <a:solidFill>
+                  <a:srgbClr val="E6E6FA"/>
+                </a:solidFill>
+                <a:effectLst/>
+                <a:latin typeface="Consolas" panose="020B0609020204030204" pitchFamily="49" charset="0"/>
+                <a:cs typeface="Consolas" panose="020B0609020204030204" pitchFamily="49" charset="0"/>
+              </a:rPr>
+              <a:t>&lt;</a:t>
+            </a:r>
+            <a:r>
+              <a:rPr kumimoji="0" lang="ru-RU" altLang="ru-RU" sz="1000" b="1" i="0" u="none" strike="noStrike" cap="none" normalizeH="0" baseline="0" smtClean="0">
+                <a:ln>
+                  <a:noFill/>
+                </a:ln>
+                <a:solidFill>
+                  <a:srgbClr val="D7837F"/>
+                </a:solidFill>
+                <a:effectLst/>
+                <a:latin typeface="Consolas" panose="020B0609020204030204" pitchFamily="49" charset="0"/>
+                <a:cs typeface="Consolas" panose="020B0609020204030204" pitchFamily="49" charset="0"/>
+              </a:rPr>
+              <a:t>E</a:t>
+            </a:r>
+            <a:r>
+              <a:rPr kumimoji="0" lang="ru-RU" altLang="ru-RU" sz="1000" b="0" i="0" u="none" strike="noStrike" cap="none" normalizeH="0" baseline="0" smtClean="0">
+                <a:ln>
+                  <a:noFill/>
+                </a:ln>
+                <a:solidFill>
+                  <a:srgbClr val="E6E6FA"/>
+                </a:solidFill>
+                <a:effectLst/>
+                <a:latin typeface="Consolas" panose="020B0609020204030204" pitchFamily="49" charset="0"/>
+                <a:cs typeface="Consolas" panose="020B0609020204030204" pitchFamily="49" charset="0"/>
+              </a:rPr>
+              <a:t>&gt; </a:t>
+            </a:r>
+            <a:r>
+              <a:rPr kumimoji="0" lang="ru-RU" altLang="ru-RU" sz="1000" b="1" i="0" u="none" strike="noStrike" cap="none" normalizeH="0" baseline="0" smtClean="0">
+                <a:ln>
+                  <a:noFill/>
+                </a:ln>
+                <a:solidFill>
+                  <a:srgbClr val="DD2867"/>
+                </a:solidFill>
+                <a:effectLst/>
+                <a:latin typeface="Consolas" panose="020B0609020204030204" pitchFamily="49" charset="0"/>
+                <a:cs typeface="Consolas" panose="020B0609020204030204" pitchFamily="49" charset="0"/>
+              </a:rPr>
+              <a:t>extends </a:t>
+            </a:r>
+            <a:r>
+              <a:rPr kumimoji="0" lang="ru-RU" altLang="ru-RU" sz="1000" b="0" i="0" u="none" strike="noStrike" cap="none" normalizeH="0" baseline="0" smtClean="0">
+                <a:ln>
+                  <a:noFill/>
+                </a:ln>
+                <a:solidFill>
+                  <a:srgbClr val="80F2F6"/>
+                </a:solidFill>
+                <a:effectLst/>
+                <a:latin typeface="Consolas" panose="020B0609020204030204" pitchFamily="49" charset="0"/>
+                <a:cs typeface="Consolas" panose="020B0609020204030204" pitchFamily="49" charset="0"/>
+              </a:rPr>
+              <a:t>Iterable</a:t>
+            </a:r>
+            <a:r>
+              <a:rPr kumimoji="0" lang="ru-RU" altLang="ru-RU" sz="1000" b="0" i="0" u="none" strike="noStrike" cap="none" normalizeH="0" baseline="0" smtClean="0">
+                <a:ln>
+                  <a:noFill/>
+                </a:ln>
+                <a:solidFill>
+                  <a:srgbClr val="E6E6FA"/>
+                </a:solidFill>
+                <a:effectLst/>
+                <a:latin typeface="Consolas" panose="020B0609020204030204" pitchFamily="49" charset="0"/>
+                <a:cs typeface="Consolas" panose="020B0609020204030204" pitchFamily="49" charset="0"/>
+              </a:rPr>
+              <a:t>&lt;</a:t>
+            </a:r>
+            <a:r>
+              <a:rPr kumimoji="0" lang="ru-RU" altLang="ru-RU" sz="1000" b="1" i="0" u="none" strike="noStrike" cap="none" normalizeH="0" baseline="0" smtClean="0">
+                <a:ln>
+                  <a:noFill/>
+                </a:ln>
+                <a:solidFill>
+                  <a:srgbClr val="D7837F"/>
+                </a:solidFill>
+                <a:effectLst/>
+                <a:latin typeface="Consolas" panose="020B0609020204030204" pitchFamily="49" charset="0"/>
+                <a:cs typeface="Consolas" panose="020B0609020204030204" pitchFamily="49" charset="0"/>
+              </a:rPr>
+              <a:t>E</a:t>
+            </a:r>
+            <a:r>
+              <a:rPr kumimoji="0" lang="ru-RU" altLang="ru-RU" sz="1000" b="0" i="0" u="none" strike="noStrike" cap="none" normalizeH="0" baseline="0" smtClean="0">
+                <a:ln>
+                  <a:noFill/>
+                </a:ln>
+                <a:solidFill>
+                  <a:srgbClr val="E6E6FA"/>
+                </a:solidFill>
+                <a:effectLst/>
+                <a:latin typeface="Consolas" panose="020B0609020204030204" pitchFamily="49" charset="0"/>
+                <a:cs typeface="Consolas" panose="020B0609020204030204" pitchFamily="49" charset="0"/>
+              </a:rPr>
+              <a:t>&gt; </a:t>
+            </a:r>
+            <a:r>
+              <a:rPr kumimoji="0" lang="ru-RU" altLang="ru-RU" sz="1000" b="0" i="0" u="none" strike="noStrike" cap="none" normalizeH="0" baseline="0" smtClean="0">
+                <a:ln>
+                  <a:noFill/>
+                </a:ln>
+                <a:solidFill>
+                  <a:srgbClr val="FFFFFF"/>
+                </a:solidFill>
+                <a:effectLst/>
+                <a:latin typeface="Consolas" panose="020B0609020204030204" pitchFamily="49" charset="0"/>
+                <a:cs typeface="Consolas" panose="020B0609020204030204" pitchFamily="49" charset="0"/>
+              </a:rPr>
+              <a:t>{</a:t>
+            </a:r>
+            <a:endParaRPr kumimoji="0" lang="ru-RU" altLang="ru-RU" sz="1800" b="0" i="0" u="none" strike="noStrike" cap="none" normalizeH="0" baseline="0" smtClean="0">
+              <a:ln>
+                <a:noFill/>
+              </a:ln>
+              <a:solidFill>
+                <a:schemeClr val="tx1"/>
+              </a:solidFill>
+              <a:effectLst/>
+              <a:latin typeface="Arial" panose="020B0604020202020204" pitchFamily="34" charset="0"/>
+            </a:endParaRPr>
+          </a:p>
+        </p:txBody>
+      </p:sp>
     </p:spTree>
     <p:extLst>
       <p:ext uri="{BB962C8B-B14F-4D97-AF65-F5344CB8AC3E}">
         <p14:creationId xmlns:p14="http://schemas.microsoft.com/office/powerpoint/2010/main" val="3101873236"/>
+      </p:ext>
+    </p:extLst>
+  </p:cSld>
+  <p:clrMapOvr>
+    <a:masterClrMapping/>
+  </p:clrMapOvr>
+  <p:timing>
+    <p:tnLst>
+      <p:par>
+        <p:cTn id="1" dur="indefinite" restart="never" nodeType="tmRoot"/>
+      </p:par>
+    </p:tnLst>
+  </p:timing>
+</p:sld>
+</file>
+
+<file path=ppt/slides/slide5.xml><?xml version="1.0" encoding="utf-8"?>
+<p:sld xmlns:a="http://schemas.openxmlformats.org/drawingml/2006/main" xmlns:r="http://schemas.openxmlformats.org/officeDocument/2006/relationships" xmlns:p="http://schemas.openxmlformats.org/presentationml/2006/main">
+  <p:cSld>
+    <p:spTree>
+      <p:nvGrpSpPr>
+        <p:cNvPr id="1" name=""/>
+        <p:cNvGrpSpPr/>
+        <p:nvPr/>
+      </p:nvGrpSpPr>
+      <p:grpSpPr>
+        <a:xfrm>
+          <a:off x="0" y="0"/>
+          <a:ext cx="0" cy="0"/>
+          <a:chOff x="0" y="0"/>
+          <a:chExt cx="0" cy="0"/>
+        </a:xfrm>
+      </p:grpSpPr>
+      <p:sp>
+        <p:nvSpPr>
+          <p:cNvPr id="18" name="Flowchart: Document 17"/>
+          <p:cNvSpPr/>
+          <p:nvPr/>
+        </p:nvSpPr>
+        <p:spPr>
+          <a:xfrm>
+            <a:off x="1125510" y="4858246"/>
+            <a:ext cx="4837968" cy="1749287"/>
+          </a:xfrm>
+          <a:prstGeom prst="flowChartDocument">
+            <a:avLst/>
+          </a:prstGeom>
+          <a:noFill/>
+          <a:ln>
+            <a:solidFill>
+              <a:schemeClr val="bg2">
+                <a:lumMod val="20000"/>
+                <a:lumOff val="80000"/>
+              </a:schemeClr>
+            </a:solidFill>
+            <a:prstDash val="lgDash"/>
+          </a:ln>
+        </p:spPr>
+        <p:style>
+          <a:lnRef idx="2">
+            <a:schemeClr val="accent1">
+              <a:shade val="50000"/>
+            </a:schemeClr>
+          </a:lnRef>
+          <a:fillRef idx="1">
+            <a:schemeClr val="accent1"/>
+          </a:fillRef>
+          <a:effectRef idx="0">
+            <a:schemeClr val="accent1"/>
+          </a:effectRef>
+          <a:fontRef idx="minor">
+            <a:schemeClr val="lt1"/>
+          </a:fontRef>
+        </p:style>
+        <p:txBody>
+          <a:bodyPr rtlCol="0" anchor="ctr"/>
+          <a:lstStyle/>
+          <a:p>
+            <a:endParaRPr lang="en-US" dirty="0" smtClean="0"/>
+          </a:p>
+          <a:p>
+            <a:endParaRPr lang="en-US" dirty="0" smtClean="0"/>
+          </a:p>
+          <a:p>
+            <a:endParaRPr lang="uk-UA" dirty="0"/>
+          </a:p>
+        </p:txBody>
+      </p:sp>
+      <p:sp>
+        <p:nvSpPr>
+          <p:cNvPr id="23" name="Title 1"/>
+          <p:cNvSpPr>
+            <a:spLocks noGrp="1"/>
+          </p:cNvSpPr>
+          <p:nvPr>
+            <p:ph type="title"/>
+          </p:nvPr>
+        </p:nvSpPr>
+        <p:spPr>
+          <a:xfrm>
+            <a:off x="1125510" y="60414"/>
+            <a:ext cx="9905998" cy="1084028"/>
+          </a:xfrm>
+          <a:noFill/>
+        </p:spPr>
+        <p:txBody>
+          <a:bodyPr vert="horz" lIns="91440" tIns="45720" rIns="91440" bIns="45720" rtlCol="0" anchor="ctr">
+            <a:normAutofit/>
+          </a:bodyPr>
+          <a:lstStyle/>
+          <a:p>
+            <a:endParaRPr lang="uk-UA" b="1" cap="none" spc="300" dirty="0">
+              <a:effectLst>
+                <a:glow rad="38100">
+                  <a:schemeClr val="bg1">
+                    <a:lumMod val="65000"/>
+                    <a:lumOff val="35000"/>
+                    <a:alpha val="40000"/>
+                  </a:schemeClr>
+                </a:glow>
+                <a:outerShdw blurRad="38100" dist="38100" dir="2700000" algn="tl">
+                  <a:srgbClr val="000000">
+                    <a:alpha val="43137"/>
+                  </a:srgbClr>
+                </a:outerShdw>
+              </a:effectLst>
+            </a:endParaRPr>
+          </a:p>
+        </p:txBody>
+      </p:sp>
+      <p:sp>
+        <p:nvSpPr>
+          <p:cNvPr id="25" name="Rectangle 12"/>
+          <p:cNvSpPr>
+            <a:spLocks noChangeArrowheads="1"/>
+          </p:cNvSpPr>
+          <p:nvPr/>
+        </p:nvSpPr>
+        <p:spPr bwMode="auto">
+          <a:xfrm>
+            <a:off x="1125510" y="2683322"/>
+            <a:ext cx="9905998" cy="400110"/>
+          </a:xfrm>
+          <a:prstGeom prst="rect">
+            <a:avLst/>
+          </a:prstGeom>
+          <a:solidFill>
+            <a:srgbClr val="2B2B2B"/>
+          </a:solidFill>
+          <a:ln>
+            <a:noFill/>
+          </a:ln>
+          <a:effectLst>
+            <a:glow rad="228600">
+              <a:schemeClr val="accent1">
+                <a:satMod val="175000"/>
+                <a:alpha val="40000"/>
+              </a:schemeClr>
+            </a:glow>
+            <a:outerShdw blurRad="190500" dist="228600" dir="2700000" algn="ctr">
+              <a:srgbClr val="000000">
+                <a:alpha val="30000"/>
+              </a:srgbClr>
+            </a:outerShdw>
+          </a:effectLst>
+          <a:scene3d>
+            <a:camera prst="orthographicFront">
+              <a:rot lat="0" lon="0" rev="0"/>
+            </a:camera>
+            <a:lightRig rig="glow" dir="t">
+              <a:rot lat="0" lon="0" rev="4800000"/>
+            </a:lightRig>
+          </a:scene3d>
+          <a:sp3d prstMaterial="matte">
+            <a:bevelT w="127000" h="63500"/>
+          </a:sp3d>
+          <a:extLst>
+            <a:ext uri="{91240B29-F687-4F45-9708-019B960494DF}">
+              <a14:hiddenLine xmlns:a14="http://schemas.microsoft.com/office/drawing/2010/main" w="9525">
+                <a:solidFill>
+                  <a:schemeClr val="tx1"/>
+                </a:solidFill>
+                <a:miter lim="800000"/>
+                <a:headEnd/>
+                <a:tailEnd/>
+              </a14:hiddenLine>
+            </a:ext>
+          </a:extLst>
+        </p:spPr>
+        <p:txBody>
+          <a:bodyPr vert="horz" wrap="square" lIns="91440" tIns="45720" rIns="91440" bIns="45720" numCol="1" anchor="ctr" anchorCtr="0" compatLnSpc="1">
+            <a:prstTxWarp prst="textNoShape">
+              <a:avLst/>
+            </a:prstTxWarp>
+            <a:spAutoFit/>
+          </a:bodyPr>
+          <a:lstStyle/>
+          <a:p>
+            <a:pPr marL="0" marR="0" lvl="0" indent="0" algn="l" defTabSz="914400" rtl="0" eaLnBrk="0" fontAlgn="base" latinLnBrk="0" hangingPunct="0">
+              <a:lnSpc>
+                <a:spcPct val="100000"/>
+              </a:lnSpc>
+              <a:spcBef>
+                <a:spcPct val="0"/>
+              </a:spcBef>
+              <a:spcAft>
+                <a:spcPct val="0"/>
+              </a:spcAft>
+              <a:buClrTx/>
+              <a:buSzTx/>
+              <a:buFontTx/>
+              <a:buNone/>
+              <a:tabLst/>
+            </a:pPr>
+            <a:endParaRPr kumimoji="0" lang="en-US" altLang="uk-UA" sz="2000" b="0" i="0" u="none" strike="noStrike" cap="none" normalizeH="0" baseline="0" dirty="0" smtClean="0">
+              <a:ln>
+                <a:noFill/>
+              </a:ln>
+              <a:solidFill>
+                <a:srgbClr val="CDE2EA"/>
+              </a:solidFill>
+              <a:effectLst/>
+              <a:latin typeface="Consolas" panose="020B0609020204030204" pitchFamily="49" charset="0"/>
+              <a:cs typeface="Consolas" panose="020B0609020204030204" pitchFamily="49" charset="0"/>
+            </a:endParaRPr>
+          </a:p>
+        </p:txBody>
+      </p:sp>
+    </p:spTree>
+    <p:extLst>
+      <p:ext uri="{BB962C8B-B14F-4D97-AF65-F5344CB8AC3E}">
+        <p14:creationId xmlns:p14="http://schemas.microsoft.com/office/powerpoint/2010/main" val="3688883033"/>
       </p:ext>
     </p:extLst>
   </p:cSld>

--- a/Java 8.pptx
+++ b/Java 8.pptx
@@ -14,6 +14,7 @@
     <p:sldId id="262" r:id="rId8"/>
     <p:sldId id="263" r:id="rId9"/>
     <p:sldId id="264" r:id="rId10"/>
+    <p:sldId id="265" r:id="rId11"/>
   </p:sldIdLst>
   <p:sldSz cx="12192000" cy="6858000"/>
   <p:notesSz cx="6858000" cy="9144000"/>
@@ -5739,6 +5740,1802 @@
 </p:sld>
 </file>
 
+<file path=ppt/slides/slide10.xml><?xml version="1.0" encoding="utf-8"?>
+<p:sld xmlns:a="http://schemas.openxmlformats.org/drawingml/2006/main" xmlns:r="http://schemas.openxmlformats.org/officeDocument/2006/relationships" xmlns:p="http://schemas.openxmlformats.org/presentationml/2006/main">
+  <p:cSld>
+    <p:spTree>
+      <p:nvGrpSpPr>
+        <p:cNvPr id="1" name=""/>
+        <p:cNvGrpSpPr/>
+        <p:nvPr/>
+      </p:nvGrpSpPr>
+      <p:grpSpPr>
+        <a:xfrm>
+          <a:off x="0" y="0"/>
+          <a:ext cx="0" cy="0"/>
+          <a:chOff x="0" y="0"/>
+          <a:chExt cx="0" cy="0"/>
+        </a:xfrm>
+      </p:grpSpPr>
+      <p:sp>
+        <p:nvSpPr>
+          <p:cNvPr id="23" name="Title 1"/>
+          <p:cNvSpPr>
+            <a:spLocks noGrp="1"/>
+          </p:cNvSpPr>
+          <p:nvPr>
+            <p:ph type="title"/>
+          </p:nvPr>
+        </p:nvSpPr>
+        <p:spPr>
+          <a:xfrm>
+            <a:off x="1125510" y="60414"/>
+            <a:ext cx="9905998" cy="1084028"/>
+          </a:xfrm>
+          <a:noFill/>
+        </p:spPr>
+        <p:txBody>
+          <a:bodyPr vert="horz" lIns="91440" tIns="45720" rIns="91440" bIns="45720" rtlCol="0" anchor="ctr">
+            <a:normAutofit/>
+          </a:bodyPr>
+          <a:lstStyle/>
+          <a:p>
+            <a:r>
+              <a:rPr lang="en-US" b="1" cap="none" spc="300" dirty="0" smtClean="0">
+                <a:effectLst>
+                  <a:glow rad="38100">
+                    <a:schemeClr val="bg1">
+                      <a:lumMod val="65000"/>
+                      <a:lumOff val="35000"/>
+                      <a:alpha val="40000"/>
+                    </a:schemeClr>
+                  </a:glow>
+                  <a:outerShdw blurRad="38100" dist="38100" dir="2700000" algn="tl">
+                    <a:srgbClr val="000000">
+                      <a:alpha val="43137"/>
+                    </a:srgbClr>
+                  </a:outerShdw>
+                </a:effectLst>
+              </a:rPr>
+              <a:t>Method reference </a:t>
+            </a:r>
+            <a:endParaRPr lang="uk-UA" b="1" cap="none" spc="300" dirty="0">
+              <a:effectLst>
+                <a:glow rad="38100">
+                  <a:schemeClr val="bg1">
+                    <a:lumMod val="65000"/>
+                    <a:lumOff val="35000"/>
+                    <a:alpha val="40000"/>
+                  </a:schemeClr>
+                </a:glow>
+                <a:outerShdw blurRad="38100" dist="38100" dir="2700000" algn="tl">
+                  <a:srgbClr val="000000">
+                    <a:alpha val="43137"/>
+                  </a:srgbClr>
+                </a:outerShdw>
+              </a:effectLst>
+            </a:endParaRPr>
+          </a:p>
+        </p:txBody>
+      </p:sp>
+      <p:sp>
+        <p:nvSpPr>
+          <p:cNvPr id="25" name="Rectangle 12"/>
+          <p:cNvSpPr>
+            <a:spLocks noChangeArrowheads="1"/>
+          </p:cNvSpPr>
+          <p:nvPr/>
+        </p:nvSpPr>
+        <p:spPr bwMode="auto">
+          <a:xfrm>
+            <a:off x="1125510" y="1144442"/>
+            <a:ext cx="9905998" cy="830997"/>
+          </a:xfrm>
+          <a:prstGeom prst="rect">
+            <a:avLst/>
+          </a:prstGeom>
+          <a:solidFill>
+            <a:srgbClr val="2B2B2B"/>
+          </a:solidFill>
+          <a:ln>
+            <a:noFill/>
+          </a:ln>
+          <a:effectLst>
+            <a:glow rad="228600">
+              <a:schemeClr val="accent1">
+                <a:satMod val="175000"/>
+                <a:alpha val="40000"/>
+              </a:schemeClr>
+            </a:glow>
+            <a:outerShdw blurRad="190500" dist="228600" dir="2700000" algn="ctr">
+              <a:srgbClr val="000000">
+                <a:alpha val="30000"/>
+              </a:srgbClr>
+            </a:outerShdw>
+          </a:effectLst>
+          <a:scene3d>
+            <a:camera prst="orthographicFront">
+              <a:rot lat="0" lon="0" rev="0"/>
+            </a:camera>
+            <a:lightRig rig="glow" dir="t">
+              <a:rot lat="0" lon="0" rev="4800000"/>
+            </a:lightRig>
+          </a:scene3d>
+          <a:sp3d prstMaterial="matte">
+            <a:bevelT w="127000" h="63500"/>
+          </a:sp3d>
+          <a:extLst>
+            <a:ext uri="{91240B29-F687-4F45-9708-019B960494DF}">
+              <a14:hiddenLine xmlns:a14="http://schemas.microsoft.com/office/drawing/2010/main" w="9525">
+                <a:solidFill>
+                  <a:schemeClr val="tx1"/>
+                </a:solidFill>
+                <a:miter lim="800000"/>
+                <a:headEnd/>
+                <a:tailEnd/>
+              </a14:hiddenLine>
+            </a:ext>
+          </a:extLst>
+        </p:spPr>
+        <p:txBody>
+          <a:bodyPr vert="horz" wrap="square" lIns="91440" tIns="45720" rIns="91440" bIns="45720" numCol="1" anchor="ctr" anchorCtr="0" compatLnSpc="1">
+            <a:prstTxWarp prst="textNoShape">
+              <a:avLst/>
+            </a:prstTxWarp>
+            <a:spAutoFit/>
+          </a:bodyPr>
+          <a:lstStyle/>
+          <a:p>
+            <a:pPr lvl="0" defTabSz="914400" eaLnBrk="0" fontAlgn="base" hangingPunct="0">
+              <a:spcBef>
+                <a:spcPct val="0"/>
+              </a:spcBef>
+              <a:spcAft>
+                <a:spcPct val="0"/>
+              </a:spcAft>
+            </a:pPr>
+            <a:r>
+              <a:rPr lang="ru-RU" altLang="ru-RU" sz="1600" b="1" dirty="0" err="1">
+                <a:solidFill>
+                  <a:srgbClr val="DD2867"/>
+                </a:solidFill>
+                <a:latin typeface="Consolas" panose="020B0609020204030204" pitchFamily="49" charset="0"/>
+                <a:cs typeface="Consolas" panose="020B0609020204030204" pitchFamily="49" charset="0"/>
+              </a:rPr>
+              <a:t>static</a:t>
+            </a:r>
+            <a:r>
+              <a:rPr lang="ru-RU" altLang="ru-RU" sz="1600" b="1" dirty="0">
+                <a:solidFill>
+                  <a:srgbClr val="DD2867"/>
+                </a:solidFill>
+                <a:latin typeface="Consolas" panose="020B0609020204030204" pitchFamily="49" charset="0"/>
+                <a:cs typeface="Consolas" panose="020B0609020204030204" pitchFamily="49" charset="0"/>
+              </a:rPr>
+              <a:t> </a:t>
+            </a:r>
+            <a:r>
+              <a:rPr lang="ru-RU" altLang="ru-RU" sz="1600" b="1" dirty="0" err="1">
+                <a:solidFill>
+                  <a:srgbClr val="1290C3"/>
+                </a:solidFill>
+                <a:latin typeface="Consolas" panose="020B0609020204030204" pitchFamily="49" charset="0"/>
+                <a:cs typeface="Consolas" panose="020B0609020204030204" pitchFamily="49" charset="0"/>
+              </a:rPr>
+              <a:t>Integer</a:t>
+            </a:r>
+            <a:r>
+              <a:rPr lang="ru-RU" altLang="ru-RU" sz="1600" b="1" dirty="0">
+                <a:solidFill>
+                  <a:srgbClr val="1290C3"/>
+                </a:solidFill>
+                <a:latin typeface="Consolas" panose="020B0609020204030204" pitchFamily="49" charset="0"/>
+                <a:cs typeface="Consolas" panose="020B0609020204030204" pitchFamily="49" charset="0"/>
+              </a:rPr>
+              <a:t> </a:t>
+            </a:r>
+            <a:r>
+              <a:rPr lang="ru-RU" altLang="ru-RU" sz="1600" b="1" dirty="0" err="1">
+                <a:solidFill>
+                  <a:srgbClr val="CDE2EA"/>
+                </a:solidFill>
+                <a:latin typeface="Consolas" panose="020B0609020204030204" pitchFamily="49" charset="0"/>
+                <a:cs typeface="Consolas" panose="020B0609020204030204" pitchFamily="49" charset="0"/>
+              </a:rPr>
+              <a:t>getLength</a:t>
+            </a:r>
+            <a:r>
+              <a:rPr lang="ru-RU" altLang="ru-RU" sz="1600" dirty="0">
+                <a:solidFill>
+                  <a:srgbClr val="FFFFFF"/>
+                </a:solidFill>
+                <a:latin typeface="Consolas" panose="020B0609020204030204" pitchFamily="49" charset="0"/>
+                <a:cs typeface="Consolas" panose="020B0609020204030204" pitchFamily="49" charset="0"/>
+              </a:rPr>
+              <a:t>(</a:t>
+            </a:r>
+            <a:r>
+              <a:rPr lang="ru-RU" altLang="ru-RU" sz="1600" b="1" dirty="0" err="1">
+                <a:solidFill>
+                  <a:srgbClr val="1290C3"/>
+                </a:solidFill>
+                <a:latin typeface="Consolas" panose="020B0609020204030204" pitchFamily="49" charset="0"/>
+                <a:cs typeface="Consolas" panose="020B0609020204030204" pitchFamily="49" charset="0"/>
+              </a:rPr>
+              <a:t>String</a:t>
+            </a:r>
+            <a:r>
+              <a:rPr lang="ru-RU" altLang="ru-RU" sz="1600" b="1" dirty="0">
+                <a:solidFill>
+                  <a:srgbClr val="1290C3"/>
+                </a:solidFill>
+                <a:latin typeface="Consolas" panose="020B0609020204030204" pitchFamily="49" charset="0"/>
+                <a:cs typeface="Consolas" panose="020B0609020204030204" pitchFamily="49" charset="0"/>
+              </a:rPr>
+              <a:t> </a:t>
+            </a:r>
+            <a:r>
+              <a:rPr lang="ru-RU" altLang="ru-RU" sz="1600" dirty="0" err="1">
+                <a:solidFill>
+                  <a:srgbClr val="FFBF26"/>
+                </a:solidFill>
+                <a:latin typeface="Consolas" panose="020B0609020204030204" pitchFamily="49" charset="0"/>
+                <a:cs typeface="Consolas" panose="020B0609020204030204" pitchFamily="49" charset="0"/>
+              </a:rPr>
+              <a:t>str</a:t>
+            </a:r>
+            <a:r>
+              <a:rPr lang="ru-RU" altLang="ru-RU" sz="1600" dirty="0">
+                <a:solidFill>
+                  <a:srgbClr val="FFFFFF"/>
+                </a:solidFill>
+                <a:latin typeface="Consolas" panose="020B0609020204030204" pitchFamily="49" charset="0"/>
+                <a:cs typeface="Consolas" panose="020B0609020204030204" pitchFamily="49" charset="0"/>
+              </a:rPr>
+              <a:t>) {</a:t>
+            </a:r>
+            <a:br>
+              <a:rPr lang="ru-RU" altLang="ru-RU" sz="1600" dirty="0">
+                <a:solidFill>
+                  <a:srgbClr val="FFFFFF"/>
+                </a:solidFill>
+                <a:latin typeface="Consolas" panose="020B0609020204030204" pitchFamily="49" charset="0"/>
+                <a:cs typeface="Consolas" panose="020B0609020204030204" pitchFamily="49" charset="0"/>
+              </a:rPr>
+            </a:br>
+            <a:r>
+              <a:rPr lang="ru-RU" altLang="ru-RU" sz="1600" dirty="0">
+                <a:solidFill>
+                  <a:srgbClr val="FFFFFF"/>
+                </a:solidFill>
+                <a:latin typeface="Consolas" panose="020B0609020204030204" pitchFamily="49" charset="0"/>
+                <a:cs typeface="Consolas" panose="020B0609020204030204" pitchFamily="49" charset="0"/>
+              </a:rPr>
+              <a:t>    </a:t>
+            </a:r>
+            <a:r>
+              <a:rPr lang="ru-RU" altLang="ru-RU" sz="1600" b="1" dirty="0" err="1">
+                <a:solidFill>
+                  <a:srgbClr val="DD2867"/>
+                </a:solidFill>
+                <a:latin typeface="Consolas" panose="020B0609020204030204" pitchFamily="49" charset="0"/>
+                <a:cs typeface="Consolas" panose="020B0609020204030204" pitchFamily="49" charset="0"/>
+              </a:rPr>
+              <a:t>return</a:t>
+            </a:r>
+            <a:r>
+              <a:rPr lang="ru-RU" altLang="ru-RU" sz="1600" b="1" dirty="0">
+                <a:solidFill>
+                  <a:srgbClr val="DD2867"/>
+                </a:solidFill>
+                <a:latin typeface="Consolas" panose="020B0609020204030204" pitchFamily="49" charset="0"/>
+                <a:cs typeface="Consolas" panose="020B0609020204030204" pitchFamily="49" charset="0"/>
+              </a:rPr>
+              <a:t> </a:t>
+            </a:r>
+            <a:r>
+              <a:rPr lang="ru-RU" altLang="ru-RU" sz="1600" dirty="0" err="1">
+                <a:solidFill>
+                  <a:srgbClr val="FFBF26"/>
+                </a:solidFill>
+                <a:latin typeface="Consolas" panose="020B0609020204030204" pitchFamily="49" charset="0"/>
+                <a:cs typeface="Consolas" panose="020B0609020204030204" pitchFamily="49" charset="0"/>
+              </a:rPr>
+              <a:t>str</a:t>
+            </a:r>
+            <a:r>
+              <a:rPr lang="ru-RU" altLang="ru-RU" sz="1600" dirty="0" err="1">
+                <a:solidFill>
+                  <a:srgbClr val="F9FAF4"/>
+                </a:solidFill>
+                <a:latin typeface="Consolas" panose="020B0609020204030204" pitchFamily="49" charset="0"/>
+                <a:cs typeface="Consolas" panose="020B0609020204030204" pitchFamily="49" charset="0"/>
+              </a:rPr>
+              <a:t>.</a:t>
+            </a:r>
+            <a:r>
+              <a:rPr lang="ru-RU" altLang="ru-RU" sz="1600" dirty="0" err="1">
+                <a:solidFill>
+                  <a:srgbClr val="CDE2EA"/>
+                </a:solidFill>
+                <a:latin typeface="Consolas" panose="020B0609020204030204" pitchFamily="49" charset="0"/>
+                <a:cs typeface="Consolas" panose="020B0609020204030204" pitchFamily="49" charset="0"/>
+              </a:rPr>
+              <a:t>length</a:t>
+            </a:r>
+            <a:r>
+              <a:rPr lang="ru-RU" altLang="ru-RU" sz="1600" dirty="0">
+                <a:solidFill>
+                  <a:srgbClr val="FFFFFF"/>
+                </a:solidFill>
+                <a:latin typeface="Consolas" panose="020B0609020204030204" pitchFamily="49" charset="0"/>
+                <a:cs typeface="Consolas" panose="020B0609020204030204" pitchFamily="49" charset="0"/>
+              </a:rPr>
+              <a:t>()</a:t>
+            </a:r>
+            <a:r>
+              <a:rPr lang="ru-RU" altLang="ru-RU" sz="1600" dirty="0">
+                <a:solidFill>
+                  <a:srgbClr val="CDE2EA"/>
+                </a:solidFill>
+                <a:latin typeface="Consolas" panose="020B0609020204030204" pitchFamily="49" charset="0"/>
+                <a:cs typeface="Consolas" panose="020B0609020204030204" pitchFamily="49" charset="0"/>
+              </a:rPr>
+              <a:t>;</a:t>
+            </a:r>
+            <a:br>
+              <a:rPr lang="ru-RU" altLang="ru-RU" sz="1600" dirty="0">
+                <a:solidFill>
+                  <a:srgbClr val="CDE2EA"/>
+                </a:solidFill>
+                <a:latin typeface="Consolas" panose="020B0609020204030204" pitchFamily="49" charset="0"/>
+                <a:cs typeface="Consolas" panose="020B0609020204030204" pitchFamily="49" charset="0"/>
+              </a:rPr>
+            </a:br>
+            <a:r>
+              <a:rPr lang="ru-RU" altLang="ru-RU" sz="1600" dirty="0">
+                <a:solidFill>
+                  <a:srgbClr val="FFFFFF"/>
+                </a:solidFill>
+                <a:latin typeface="Consolas" panose="020B0609020204030204" pitchFamily="49" charset="0"/>
+                <a:cs typeface="Consolas" panose="020B0609020204030204" pitchFamily="49" charset="0"/>
+              </a:rPr>
+              <a:t>}</a:t>
+            </a:r>
+            <a:endParaRPr lang="ru-RU" altLang="ru-RU" sz="3600" dirty="0">
+              <a:latin typeface="Arial" panose="020B0604020202020204" pitchFamily="34" charset="0"/>
+            </a:endParaRPr>
+          </a:p>
+        </p:txBody>
+      </p:sp>
+      <p:sp>
+        <p:nvSpPr>
+          <p:cNvPr id="6" name="Rectangle 12"/>
+          <p:cNvSpPr>
+            <a:spLocks noChangeArrowheads="1"/>
+          </p:cNvSpPr>
+          <p:nvPr/>
+        </p:nvSpPr>
+        <p:spPr bwMode="auto">
+          <a:xfrm>
+            <a:off x="1125510" y="2151526"/>
+            <a:ext cx="9905998" cy="1815882"/>
+          </a:xfrm>
+          <a:prstGeom prst="rect">
+            <a:avLst/>
+          </a:prstGeom>
+          <a:solidFill>
+            <a:srgbClr val="2B2B2B"/>
+          </a:solidFill>
+          <a:ln>
+            <a:noFill/>
+          </a:ln>
+          <a:effectLst>
+            <a:glow rad="228600">
+              <a:schemeClr val="accent1">
+                <a:satMod val="175000"/>
+                <a:alpha val="40000"/>
+              </a:schemeClr>
+            </a:glow>
+            <a:outerShdw blurRad="190500" dist="228600" dir="2700000" algn="ctr">
+              <a:srgbClr val="000000">
+                <a:alpha val="30000"/>
+              </a:srgbClr>
+            </a:outerShdw>
+          </a:effectLst>
+          <a:scene3d>
+            <a:camera prst="orthographicFront">
+              <a:rot lat="0" lon="0" rev="0"/>
+            </a:camera>
+            <a:lightRig rig="glow" dir="t">
+              <a:rot lat="0" lon="0" rev="4800000"/>
+            </a:lightRig>
+          </a:scene3d>
+          <a:sp3d prstMaterial="matte">
+            <a:bevelT w="127000" h="63500"/>
+          </a:sp3d>
+          <a:extLst>
+            <a:ext uri="{91240B29-F687-4F45-9708-019B960494DF}">
+              <a14:hiddenLine xmlns:a14="http://schemas.microsoft.com/office/drawing/2010/main" w="9525">
+                <a:solidFill>
+                  <a:schemeClr val="tx1"/>
+                </a:solidFill>
+                <a:miter lim="800000"/>
+                <a:headEnd/>
+                <a:tailEnd/>
+              </a14:hiddenLine>
+            </a:ext>
+          </a:extLst>
+        </p:spPr>
+        <p:txBody>
+          <a:bodyPr vert="horz" wrap="square" lIns="91440" tIns="45720" rIns="91440" bIns="45720" numCol="1" anchor="ctr" anchorCtr="0" compatLnSpc="1">
+            <a:prstTxWarp prst="textNoShape">
+              <a:avLst/>
+            </a:prstTxWarp>
+            <a:spAutoFit/>
+          </a:bodyPr>
+          <a:lstStyle/>
+          <a:p>
+            <a:pPr lvl="0" defTabSz="914400" eaLnBrk="0" fontAlgn="base" hangingPunct="0">
+              <a:spcBef>
+                <a:spcPct val="0"/>
+              </a:spcBef>
+              <a:spcAft>
+                <a:spcPct val="0"/>
+              </a:spcAft>
+            </a:pPr>
+            <a:r>
+              <a:rPr lang="ru-RU" altLang="ru-RU" sz="1600" dirty="0" err="1">
+                <a:solidFill>
+                  <a:srgbClr val="80F2F6"/>
+                </a:solidFill>
+                <a:latin typeface="Consolas" panose="020B0609020204030204" pitchFamily="49" charset="0"/>
+                <a:cs typeface="Consolas" panose="020B0609020204030204" pitchFamily="49" charset="0"/>
+              </a:rPr>
+              <a:t>OneParamFuncInterface</a:t>
+            </a:r>
+            <a:r>
+              <a:rPr lang="ru-RU" altLang="ru-RU" sz="1600" dirty="0">
+                <a:solidFill>
+                  <a:srgbClr val="E6E6FA"/>
+                </a:solidFill>
+                <a:latin typeface="Consolas" panose="020B0609020204030204" pitchFamily="49" charset="0"/>
+                <a:cs typeface="Consolas" panose="020B0609020204030204" pitchFamily="49" charset="0"/>
+              </a:rPr>
+              <a:t>&lt;</a:t>
+            </a:r>
+            <a:r>
+              <a:rPr lang="ru-RU" altLang="ru-RU" sz="1600" b="1" dirty="0" err="1">
+                <a:solidFill>
+                  <a:srgbClr val="1290C3"/>
+                </a:solidFill>
+                <a:latin typeface="Consolas" panose="020B0609020204030204" pitchFamily="49" charset="0"/>
+                <a:cs typeface="Consolas" panose="020B0609020204030204" pitchFamily="49" charset="0"/>
+              </a:rPr>
+              <a:t>Integer</a:t>
+            </a:r>
+            <a:r>
+              <a:rPr lang="ru-RU" altLang="ru-RU" sz="1600" dirty="0">
+                <a:solidFill>
+                  <a:srgbClr val="F9FAF4"/>
+                </a:solidFill>
+                <a:latin typeface="Consolas" panose="020B0609020204030204" pitchFamily="49" charset="0"/>
+                <a:cs typeface="Consolas" panose="020B0609020204030204" pitchFamily="49" charset="0"/>
+              </a:rPr>
+              <a:t>, </a:t>
+            </a:r>
+            <a:r>
+              <a:rPr lang="ru-RU" altLang="ru-RU" sz="1600" b="1" dirty="0" err="1">
+                <a:solidFill>
+                  <a:srgbClr val="1290C3"/>
+                </a:solidFill>
+                <a:latin typeface="Consolas" panose="020B0609020204030204" pitchFamily="49" charset="0"/>
+                <a:cs typeface="Consolas" panose="020B0609020204030204" pitchFamily="49" charset="0"/>
+              </a:rPr>
+              <a:t>String</a:t>
+            </a:r>
+            <a:r>
+              <a:rPr lang="ru-RU" altLang="ru-RU" sz="1600" dirty="0">
+                <a:solidFill>
+                  <a:srgbClr val="E6E6FA"/>
+                </a:solidFill>
+                <a:latin typeface="Consolas" panose="020B0609020204030204" pitchFamily="49" charset="0"/>
+                <a:cs typeface="Consolas" panose="020B0609020204030204" pitchFamily="49" charset="0"/>
+              </a:rPr>
+              <a:t>&gt; </a:t>
+            </a:r>
+            <a:r>
+              <a:rPr lang="ru-RU" altLang="ru-RU" sz="1600" b="1" dirty="0" err="1">
+                <a:solidFill>
+                  <a:srgbClr val="ED7F48"/>
+                </a:solidFill>
+                <a:latin typeface="Consolas" panose="020B0609020204030204" pitchFamily="49" charset="0"/>
+                <a:cs typeface="Consolas" panose="020B0609020204030204" pitchFamily="49" charset="0"/>
+              </a:rPr>
+              <a:t>instance</a:t>
+            </a:r>
+            <a:r>
+              <a:rPr lang="ru-RU" altLang="ru-RU" sz="1600" b="1" dirty="0">
+                <a:solidFill>
+                  <a:srgbClr val="ED7F48"/>
+                </a:solidFill>
+                <a:latin typeface="Consolas" panose="020B0609020204030204" pitchFamily="49" charset="0"/>
+                <a:cs typeface="Consolas" panose="020B0609020204030204" pitchFamily="49" charset="0"/>
+              </a:rPr>
+              <a:t> </a:t>
+            </a:r>
+            <a:r>
+              <a:rPr lang="ru-RU" altLang="ru-RU" sz="1600" dirty="0">
+                <a:solidFill>
+                  <a:srgbClr val="E6E6FA"/>
+                </a:solidFill>
+                <a:latin typeface="Consolas" panose="020B0609020204030204" pitchFamily="49" charset="0"/>
+                <a:cs typeface="Consolas" panose="020B0609020204030204" pitchFamily="49" charset="0"/>
+              </a:rPr>
+              <a:t>= </a:t>
+            </a:r>
+            <a:r>
+              <a:rPr lang="ru-RU" altLang="ru-RU" sz="1600" b="1" dirty="0" err="1">
+                <a:solidFill>
+                  <a:srgbClr val="DD2867"/>
+                </a:solidFill>
+                <a:latin typeface="Consolas" panose="020B0609020204030204" pitchFamily="49" charset="0"/>
+                <a:cs typeface="Consolas" panose="020B0609020204030204" pitchFamily="49" charset="0"/>
+              </a:rPr>
+              <a:t>new</a:t>
+            </a:r>
+            <a:r>
+              <a:rPr lang="ru-RU" altLang="ru-RU" sz="1600" b="1" dirty="0">
+                <a:solidFill>
+                  <a:srgbClr val="DD2867"/>
+                </a:solidFill>
+                <a:latin typeface="Consolas" panose="020B0609020204030204" pitchFamily="49" charset="0"/>
+                <a:cs typeface="Consolas" panose="020B0609020204030204" pitchFamily="49" charset="0"/>
+              </a:rPr>
+              <a:t> </a:t>
+            </a:r>
+            <a:r>
+              <a:rPr lang="ru-RU" altLang="ru-RU" sz="1600" i="1" dirty="0" err="1">
+                <a:solidFill>
+                  <a:srgbClr val="3EABE6"/>
+                </a:solidFill>
+                <a:latin typeface="Consolas" panose="020B0609020204030204" pitchFamily="49" charset="0"/>
+                <a:cs typeface="Consolas" panose="020B0609020204030204" pitchFamily="49" charset="0"/>
+              </a:rPr>
+              <a:t>OneParamFuncInterface</a:t>
+            </a:r>
+            <a:r>
+              <a:rPr lang="ru-RU" altLang="ru-RU" sz="1600" dirty="0">
+                <a:solidFill>
+                  <a:srgbClr val="E6E6FA"/>
+                </a:solidFill>
+                <a:latin typeface="Consolas" panose="020B0609020204030204" pitchFamily="49" charset="0"/>
+                <a:cs typeface="Consolas" panose="020B0609020204030204" pitchFamily="49" charset="0"/>
+              </a:rPr>
+              <a:t>&lt;</a:t>
+            </a:r>
+            <a:r>
+              <a:rPr lang="ru-RU" altLang="ru-RU" sz="1600" b="1" dirty="0" err="1">
+                <a:solidFill>
+                  <a:srgbClr val="1290C3"/>
+                </a:solidFill>
+                <a:latin typeface="Consolas" panose="020B0609020204030204" pitchFamily="49" charset="0"/>
+                <a:cs typeface="Consolas" panose="020B0609020204030204" pitchFamily="49" charset="0"/>
+              </a:rPr>
+              <a:t>Integer</a:t>
+            </a:r>
+            <a:r>
+              <a:rPr lang="ru-RU" altLang="ru-RU" sz="1600" dirty="0">
+                <a:solidFill>
+                  <a:srgbClr val="F9FAF4"/>
+                </a:solidFill>
+                <a:latin typeface="Consolas" panose="020B0609020204030204" pitchFamily="49" charset="0"/>
+                <a:cs typeface="Consolas" panose="020B0609020204030204" pitchFamily="49" charset="0"/>
+              </a:rPr>
+              <a:t>, </a:t>
+            </a:r>
+            <a:r>
+              <a:rPr lang="ru-RU" altLang="ru-RU" sz="1600" b="1" dirty="0" err="1">
+                <a:solidFill>
+                  <a:srgbClr val="1290C3"/>
+                </a:solidFill>
+                <a:latin typeface="Consolas" panose="020B0609020204030204" pitchFamily="49" charset="0"/>
+                <a:cs typeface="Consolas" panose="020B0609020204030204" pitchFamily="49" charset="0"/>
+              </a:rPr>
+              <a:t>String</a:t>
+            </a:r>
+            <a:r>
+              <a:rPr lang="ru-RU" altLang="ru-RU" sz="1600" dirty="0">
+                <a:solidFill>
+                  <a:srgbClr val="E6E6FA"/>
+                </a:solidFill>
+                <a:latin typeface="Consolas" panose="020B0609020204030204" pitchFamily="49" charset="0"/>
+                <a:cs typeface="Consolas" panose="020B0609020204030204" pitchFamily="49" charset="0"/>
+              </a:rPr>
+              <a:t>&gt;</a:t>
+            </a:r>
+            <a:r>
+              <a:rPr lang="ru-RU" altLang="ru-RU" sz="1600" dirty="0">
+                <a:solidFill>
+                  <a:srgbClr val="FFFFFF"/>
+                </a:solidFill>
+                <a:latin typeface="Consolas" panose="020B0609020204030204" pitchFamily="49" charset="0"/>
+                <a:cs typeface="Consolas" panose="020B0609020204030204" pitchFamily="49" charset="0"/>
+              </a:rPr>
+              <a:t>() {</a:t>
+            </a:r>
+            <a:br>
+              <a:rPr lang="ru-RU" altLang="ru-RU" sz="1600" dirty="0">
+                <a:solidFill>
+                  <a:srgbClr val="FFFFFF"/>
+                </a:solidFill>
+                <a:latin typeface="Consolas" panose="020B0609020204030204" pitchFamily="49" charset="0"/>
+                <a:cs typeface="Consolas" panose="020B0609020204030204" pitchFamily="49" charset="0"/>
+              </a:rPr>
+            </a:br>
+            <a:r>
+              <a:rPr lang="ru-RU" altLang="ru-RU" sz="1600" dirty="0">
+                <a:solidFill>
+                  <a:srgbClr val="FFFFFF"/>
+                </a:solidFill>
+                <a:latin typeface="Consolas" panose="020B0609020204030204" pitchFamily="49" charset="0"/>
+                <a:cs typeface="Consolas" panose="020B0609020204030204" pitchFamily="49" charset="0"/>
+              </a:rPr>
+              <a:t>    </a:t>
+            </a:r>
+            <a:r>
+              <a:rPr lang="ru-RU" altLang="ru-RU" sz="1600" b="1" i="1" dirty="0">
+                <a:solidFill>
+                  <a:srgbClr val="FF9393"/>
+                </a:solidFill>
+                <a:latin typeface="Consolas" panose="020B0609020204030204" pitchFamily="49" charset="0"/>
+                <a:cs typeface="Consolas" panose="020B0609020204030204" pitchFamily="49" charset="0"/>
+              </a:rPr>
+              <a:t>@</a:t>
+            </a:r>
+            <a:r>
+              <a:rPr lang="ru-RU" altLang="ru-RU" sz="1600" b="1" i="1" dirty="0" err="1">
+                <a:solidFill>
+                  <a:srgbClr val="FF9393"/>
+                </a:solidFill>
+                <a:latin typeface="Consolas" panose="020B0609020204030204" pitchFamily="49" charset="0"/>
+                <a:cs typeface="Consolas" panose="020B0609020204030204" pitchFamily="49" charset="0"/>
+              </a:rPr>
+              <a:t>Override</a:t>
+            </a:r>
+            <a:r>
+              <a:rPr lang="ru-RU" altLang="ru-RU" sz="1600" b="1" i="1" dirty="0">
+                <a:solidFill>
+                  <a:srgbClr val="FF9393"/>
+                </a:solidFill>
+                <a:latin typeface="Consolas" panose="020B0609020204030204" pitchFamily="49" charset="0"/>
+                <a:cs typeface="Consolas" panose="020B0609020204030204" pitchFamily="49" charset="0"/>
+              </a:rPr>
+              <a:t/>
+            </a:r>
+            <a:br>
+              <a:rPr lang="ru-RU" altLang="ru-RU" sz="1600" b="1" i="1" dirty="0">
+                <a:solidFill>
+                  <a:srgbClr val="FF9393"/>
+                </a:solidFill>
+                <a:latin typeface="Consolas" panose="020B0609020204030204" pitchFamily="49" charset="0"/>
+                <a:cs typeface="Consolas" panose="020B0609020204030204" pitchFamily="49" charset="0"/>
+              </a:rPr>
+            </a:br>
+            <a:r>
+              <a:rPr lang="ru-RU" altLang="ru-RU" sz="1600" b="1" i="1" dirty="0">
+                <a:solidFill>
+                  <a:srgbClr val="FF9393"/>
+                </a:solidFill>
+                <a:latin typeface="Consolas" panose="020B0609020204030204" pitchFamily="49" charset="0"/>
+                <a:cs typeface="Consolas" panose="020B0609020204030204" pitchFamily="49" charset="0"/>
+              </a:rPr>
+              <a:t>    </a:t>
+            </a:r>
+            <a:r>
+              <a:rPr lang="ru-RU" altLang="ru-RU" sz="1600" b="1" dirty="0" err="1">
+                <a:solidFill>
+                  <a:srgbClr val="DD2867"/>
+                </a:solidFill>
+                <a:latin typeface="Consolas" panose="020B0609020204030204" pitchFamily="49" charset="0"/>
+                <a:cs typeface="Consolas" panose="020B0609020204030204" pitchFamily="49" charset="0"/>
+              </a:rPr>
+              <a:t>public</a:t>
+            </a:r>
+            <a:r>
+              <a:rPr lang="ru-RU" altLang="ru-RU" sz="1600" b="1" dirty="0">
+                <a:solidFill>
+                  <a:srgbClr val="DD2867"/>
+                </a:solidFill>
+                <a:latin typeface="Consolas" panose="020B0609020204030204" pitchFamily="49" charset="0"/>
+                <a:cs typeface="Consolas" panose="020B0609020204030204" pitchFamily="49" charset="0"/>
+              </a:rPr>
+              <a:t> </a:t>
+            </a:r>
+            <a:r>
+              <a:rPr lang="ru-RU" altLang="ru-RU" sz="1600" b="1" dirty="0" err="1">
+                <a:solidFill>
+                  <a:srgbClr val="1290C3"/>
+                </a:solidFill>
+                <a:latin typeface="Consolas" panose="020B0609020204030204" pitchFamily="49" charset="0"/>
+                <a:cs typeface="Consolas" panose="020B0609020204030204" pitchFamily="49" charset="0"/>
+              </a:rPr>
+              <a:t>Integer</a:t>
+            </a:r>
+            <a:r>
+              <a:rPr lang="ru-RU" altLang="ru-RU" sz="1600" b="1" dirty="0">
+                <a:solidFill>
+                  <a:srgbClr val="1290C3"/>
+                </a:solidFill>
+                <a:latin typeface="Consolas" panose="020B0609020204030204" pitchFamily="49" charset="0"/>
+                <a:cs typeface="Consolas" panose="020B0609020204030204" pitchFamily="49" charset="0"/>
+              </a:rPr>
+              <a:t> </a:t>
+            </a:r>
+            <a:r>
+              <a:rPr lang="ru-RU" altLang="ru-RU" sz="1600" b="1" dirty="0" err="1">
+                <a:solidFill>
+                  <a:srgbClr val="CDE2EA"/>
+                </a:solidFill>
+                <a:latin typeface="Consolas" panose="020B0609020204030204" pitchFamily="49" charset="0"/>
+                <a:cs typeface="Consolas" panose="020B0609020204030204" pitchFamily="49" charset="0"/>
+              </a:rPr>
+              <a:t>doSmth</a:t>
+            </a:r>
+            <a:r>
+              <a:rPr lang="ru-RU" altLang="ru-RU" sz="1600" dirty="0">
+                <a:solidFill>
+                  <a:srgbClr val="FFFFFF"/>
+                </a:solidFill>
+                <a:latin typeface="Consolas" panose="020B0609020204030204" pitchFamily="49" charset="0"/>
+                <a:cs typeface="Consolas" panose="020B0609020204030204" pitchFamily="49" charset="0"/>
+              </a:rPr>
+              <a:t>(</a:t>
+            </a:r>
+            <a:r>
+              <a:rPr lang="ru-RU" altLang="ru-RU" sz="1600" b="1" dirty="0" err="1">
+                <a:solidFill>
+                  <a:srgbClr val="1290C3"/>
+                </a:solidFill>
+                <a:latin typeface="Consolas" panose="020B0609020204030204" pitchFamily="49" charset="0"/>
+                <a:cs typeface="Consolas" panose="020B0609020204030204" pitchFamily="49" charset="0"/>
+              </a:rPr>
+              <a:t>String</a:t>
+            </a:r>
+            <a:r>
+              <a:rPr lang="ru-RU" altLang="ru-RU" sz="1600" b="1" dirty="0">
+                <a:solidFill>
+                  <a:srgbClr val="1290C3"/>
+                </a:solidFill>
+                <a:latin typeface="Consolas" panose="020B0609020204030204" pitchFamily="49" charset="0"/>
+                <a:cs typeface="Consolas" panose="020B0609020204030204" pitchFamily="49" charset="0"/>
+              </a:rPr>
+              <a:t> </a:t>
+            </a:r>
+            <a:r>
+              <a:rPr lang="ru-RU" altLang="ru-RU" sz="1600" dirty="0">
+                <a:solidFill>
+                  <a:srgbClr val="FFBF26"/>
+                </a:solidFill>
+                <a:latin typeface="Consolas" panose="020B0609020204030204" pitchFamily="49" charset="0"/>
+                <a:cs typeface="Consolas" panose="020B0609020204030204" pitchFamily="49" charset="0"/>
+              </a:rPr>
+              <a:t>s</a:t>
+            </a:r>
+            <a:r>
+              <a:rPr lang="ru-RU" altLang="ru-RU" sz="1600" dirty="0">
+                <a:solidFill>
+                  <a:srgbClr val="FFFFFF"/>
+                </a:solidFill>
+                <a:latin typeface="Consolas" panose="020B0609020204030204" pitchFamily="49" charset="0"/>
+                <a:cs typeface="Consolas" panose="020B0609020204030204" pitchFamily="49" charset="0"/>
+              </a:rPr>
+              <a:t>) {</a:t>
+            </a:r>
+            <a:br>
+              <a:rPr lang="ru-RU" altLang="ru-RU" sz="1600" dirty="0">
+                <a:solidFill>
+                  <a:srgbClr val="FFFFFF"/>
+                </a:solidFill>
+                <a:latin typeface="Consolas" panose="020B0609020204030204" pitchFamily="49" charset="0"/>
+                <a:cs typeface="Consolas" panose="020B0609020204030204" pitchFamily="49" charset="0"/>
+              </a:rPr>
+            </a:br>
+            <a:r>
+              <a:rPr lang="ru-RU" altLang="ru-RU" sz="1600" dirty="0">
+                <a:solidFill>
+                  <a:srgbClr val="FFFFFF"/>
+                </a:solidFill>
+                <a:latin typeface="Consolas" panose="020B0609020204030204" pitchFamily="49" charset="0"/>
+                <a:cs typeface="Consolas" panose="020B0609020204030204" pitchFamily="49" charset="0"/>
+              </a:rPr>
+              <a:t>        </a:t>
+            </a:r>
+            <a:r>
+              <a:rPr lang="ru-RU" altLang="ru-RU" sz="1600" b="1" dirty="0" err="1">
+                <a:solidFill>
+                  <a:srgbClr val="DD2867"/>
+                </a:solidFill>
+                <a:latin typeface="Consolas" panose="020B0609020204030204" pitchFamily="49" charset="0"/>
+                <a:cs typeface="Consolas" panose="020B0609020204030204" pitchFamily="49" charset="0"/>
+              </a:rPr>
+              <a:t>return</a:t>
+            </a:r>
+            <a:r>
+              <a:rPr lang="ru-RU" altLang="ru-RU" sz="1600" b="1" dirty="0">
+                <a:solidFill>
+                  <a:srgbClr val="DD2867"/>
+                </a:solidFill>
+                <a:latin typeface="Consolas" panose="020B0609020204030204" pitchFamily="49" charset="0"/>
+                <a:cs typeface="Consolas" panose="020B0609020204030204" pitchFamily="49" charset="0"/>
+              </a:rPr>
+              <a:t> </a:t>
+            </a:r>
+            <a:r>
+              <a:rPr lang="ru-RU" altLang="ru-RU" sz="1600" i="1" dirty="0" err="1">
+                <a:solidFill>
+                  <a:srgbClr val="8098A1"/>
+                </a:solidFill>
+                <a:latin typeface="Consolas" panose="020B0609020204030204" pitchFamily="49" charset="0"/>
+                <a:cs typeface="Consolas" panose="020B0609020204030204" pitchFamily="49" charset="0"/>
+              </a:rPr>
+              <a:t>getLength</a:t>
+            </a:r>
+            <a:r>
+              <a:rPr lang="ru-RU" altLang="ru-RU" sz="1600" dirty="0">
+                <a:solidFill>
+                  <a:srgbClr val="FFFFFF"/>
+                </a:solidFill>
+                <a:latin typeface="Consolas" panose="020B0609020204030204" pitchFamily="49" charset="0"/>
+                <a:cs typeface="Consolas" panose="020B0609020204030204" pitchFamily="49" charset="0"/>
+              </a:rPr>
+              <a:t>(</a:t>
+            </a:r>
+            <a:r>
+              <a:rPr lang="ru-RU" altLang="ru-RU" sz="1600" dirty="0">
+                <a:solidFill>
+                  <a:srgbClr val="FFBF26"/>
+                </a:solidFill>
+                <a:latin typeface="Consolas" panose="020B0609020204030204" pitchFamily="49" charset="0"/>
+                <a:cs typeface="Consolas" panose="020B0609020204030204" pitchFamily="49" charset="0"/>
+              </a:rPr>
+              <a:t>s</a:t>
+            </a:r>
+            <a:r>
+              <a:rPr lang="ru-RU" altLang="ru-RU" sz="1600" dirty="0">
+                <a:solidFill>
+                  <a:srgbClr val="FFFFFF"/>
+                </a:solidFill>
+                <a:latin typeface="Consolas" panose="020B0609020204030204" pitchFamily="49" charset="0"/>
+                <a:cs typeface="Consolas" panose="020B0609020204030204" pitchFamily="49" charset="0"/>
+              </a:rPr>
+              <a:t>)</a:t>
+            </a:r>
+            <a:r>
+              <a:rPr lang="ru-RU" altLang="ru-RU" sz="1600" dirty="0">
+                <a:solidFill>
+                  <a:srgbClr val="CDE2EA"/>
+                </a:solidFill>
+                <a:latin typeface="Consolas" panose="020B0609020204030204" pitchFamily="49" charset="0"/>
+                <a:cs typeface="Consolas" panose="020B0609020204030204" pitchFamily="49" charset="0"/>
+              </a:rPr>
+              <a:t>;</a:t>
+            </a:r>
+            <a:br>
+              <a:rPr lang="ru-RU" altLang="ru-RU" sz="1600" dirty="0">
+                <a:solidFill>
+                  <a:srgbClr val="CDE2EA"/>
+                </a:solidFill>
+                <a:latin typeface="Consolas" panose="020B0609020204030204" pitchFamily="49" charset="0"/>
+                <a:cs typeface="Consolas" panose="020B0609020204030204" pitchFamily="49" charset="0"/>
+              </a:rPr>
+            </a:br>
+            <a:r>
+              <a:rPr lang="ru-RU" altLang="ru-RU" sz="1600" dirty="0">
+                <a:solidFill>
+                  <a:srgbClr val="CDE2EA"/>
+                </a:solidFill>
+                <a:latin typeface="Consolas" panose="020B0609020204030204" pitchFamily="49" charset="0"/>
+                <a:cs typeface="Consolas" panose="020B0609020204030204" pitchFamily="49" charset="0"/>
+              </a:rPr>
+              <a:t>    </a:t>
+            </a:r>
+            <a:r>
+              <a:rPr lang="ru-RU" altLang="ru-RU" sz="1600" dirty="0">
+                <a:solidFill>
+                  <a:srgbClr val="FFFFFF"/>
+                </a:solidFill>
+                <a:latin typeface="Consolas" panose="020B0609020204030204" pitchFamily="49" charset="0"/>
+                <a:cs typeface="Consolas" panose="020B0609020204030204" pitchFamily="49" charset="0"/>
+              </a:rPr>
+              <a:t>}</a:t>
+            </a:r>
+            <a:br>
+              <a:rPr lang="ru-RU" altLang="ru-RU" sz="1600" dirty="0">
+                <a:solidFill>
+                  <a:srgbClr val="FFFFFF"/>
+                </a:solidFill>
+                <a:latin typeface="Consolas" panose="020B0609020204030204" pitchFamily="49" charset="0"/>
+                <a:cs typeface="Consolas" panose="020B0609020204030204" pitchFamily="49" charset="0"/>
+              </a:rPr>
+            </a:br>
+            <a:r>
+              <a:rPr lang="ru-RU" altLang="ru-RU" sz="1600" dirty="0">
+                <a:solidFill>
+                  <a:srgbClr val="FFFFFF"/>
+                </a:solidFill>
+                <a:latin typeface="Consolas" panose="020B0609020204030204" pitchFamily="49" charset="0"/>
+                <a:cs typeface="Consolas" panose="020B0609020204030204" pitchFamily="49" charset="0"/>
+              </a:rPr>
+              <a:t>}</a:t>
+            </a:r>
+            <a:r>
+              <a:rPr lang="ru-RU" altLang="ru-RU" sz="1600" dirty="0">
+                <a:solidFill>
+                  <a:srgbClr val="CDE2EA"/>
+                </a:solidFill>
+                <a:latin typeface="Consolas" panose="020B0609020204030204" pitchFamily="49" charset="0"/>
+                <a:cs typeface="Consolas" panose="020B0609020204030204" pitchFamily="49" charset="0"/>
+              </a:rPr>
+              <a:t>;</a:t>
+            </a:r>
+            <a:endParaRPr lang="ru-RU" altLang="ru-RU" sz="3600" dirty="0">
+              <a:latin typeface="Arial" panose="020B0604020202020204" pitchFamily="34" charset="0"/>
+            </a:endParaRPr>
+          </a:p>
+        </p:txBody>
+      </p:sp>
+      <p:sp>
+        <p:nvSpPr>
+          <p:cNvPr id="7" name="Rectangle 12"/>
+          <p:cNvSpPr>
+            <a:spLocks noChangeArrowheads="1"/>
+          </p:cNvSpPr>
+          <p:nvPr/>
+        </p:nvSpPr>
+        <p:spPr bwMode="auto">
+          <a:xfrm>
+            <a:off x="1125510" y="4609054"/>
+            <a:ext cx="9905998" cy="338554"/>
+          </a:xfrm>
+          <a:prstGeom prst="rect">
+            <a:avLst/>
+          </a:prstGeom>
+          <a:solidFill>
+            <a:srgbClr val="2B2B2B"/>
+          </a:solidFill>
+          <a:ln>
+            <a:noFill/>
+          </a:ln>
+          <a:effectLst>
+            <a:glow rad="228600">
+              <a:schemeClr val="accent1">
+                <a:satMod val="175000"/>
+                <a:alpha val="40000"/>
+              </a:schemeClr>
+            </a:glow>
+            <a:outerShdw blurRad="190500" dist="228600" dir="2700000" algn="ctr">
+              <a:srgbClr val="000000">
+                <a:alpha val="30000"/>
+              </a:srgbClr>
+            </a:outerShdw>
+          </a:effectLst>
+          <a:scene3d>
+            <a:camera prst="orthographicFront">
+              <a:rot lat="0" lon="0" rev="0"/>
+            </a:camera>
+            <a:lightRig rig="glow" dir="t">
+              <a:rot lat="0" lon="0" rev="4800000"/>
+            </a:lightRig>
+          </a:scene3d>
+          <a:sp3d prstMaterial="matte">
+            <a:bevelT w="127000" h="63500"/>
+          </a:sp3d>
+          <a:extLst>
+            <a:ext uri="{91240B29-F687-4F45-9708-019B960494DF}">
+              <a14:hiddenLine xmlns:a14="http://schemas.microsoft.com/office/drawing/2010/main" w="9525">
+                <a:solidFill>
+                  <a:schemeClr val="tx1"/>
+                </a:solidFill>
+                <a:miter lim="800000"/>
+                <a:headEnd/>
+                <a:tailEnd/>
+              </a14:hiddenLine>
+            </a:ext>
+          </a:extLst>
+        </p:spPr>
+        <p:txBody>
+          <a:bodyPr vert="horz" wrap="square" lIns="91440" tIns="45720" rIns="91440" bIns="45720" numCol="1" anchor="ctr" anchorCtr="0" compatLnSpc="1">
+            <a:prstTxWarp prst="textNoShape">
+              <a:avLst/>
+            </a:prstTxWarp>
+            <a:spAutoFit/>
+          </a:bodyPr>
+          <a:lstStyle/>
+          <a:p>
+            <a:pPr lvl="0" defTabSz="914400" eaLnBrk="0" fontAlgn="base" hangingPunct="0">
+              <a:spcBef>
+                <a:spcPct val="0"/>
+              </a:spcBef>
+              <a:spcAft>
+                <a:spcPct val="0"/>
+              </a:spcAft>
+            </a:pPr>
+            <a:r>
+              <a:rPr lang="ru-RU" altLang="ru-RU" sz="1600" dirty="0" err="1">
+                <a:solidFill>
+                  <a:srgbClr val="80F2F6"/>
+                </a:solidFill>
+                <a:latin typeface="Consolas" panose="020B0609020204030204" pitchFamily="49" charset="0"/>
+                <a:cs typeface="Consolas" panose="020B0609020204030204" pitchFamily="49" charset="0"/>
+              </a:rPr>
+              <a:t>OneParamFuncInterface</a:t>
+            </a:r>
+            <a:r>
+              <a:rPr lang="ru-RU" altLang="ru-RU" sz="1600" dirty="0">
+                <a:solidFill>
+                  <a:srgbClr val="E6E6FA"/>
+                </a:solidFill>
+                <a:latin typeface="Consolas" panose="020B0609020204030204" pitchFamily="49" charset="0"/>
+                <a:cs typeface="Consolas" panose="020B0609020204030204" pitchFamily="49" charset="0"/>
+              </a:rPr>
+              <a:t>&lt;</a:t>
+            </a:r>
+            <a:r>
+              <a:rPr lang="ru-RU" altLang="ru-RU" sz="1600" b="1" dirty="0" err="1">
+                <a:solidFill>
+                  <a:srgbClr val="1290C3"/>
+                </a:solidFill>
+                <a:latin typeface="Consolas" panose="020B0609020204030204" pitchFamily="49" charset="0"/>
+                <a:cs typeface="Consolas" panose="020B0609020204030204" pitchFamily="49" charset="0"/>
+              </a:rPr>
+              <a:t>Integer</a:t>
+            </a:r>
+            <a:r>
+              <a:rPr lang="ru-RU" altLang="ru-RU" sz="1600" dirty="0">
+                <a:solidFill>
+                  <a:srgbClr val="F9FAF4"/>
+                </a:solidFill>
+                <a:latin typeface="Consolas" panose="020B0609020204030204" pitchFamily="49" charset="0"/>
+                <a:cs typeface="Consolas" panose="020B0609020204030204" pitchFamily="49" charset="0"/>
+              </a:rPr>
+              <a:t>, </a:t>
+            </a:r>
+            <a:r>
+              <a:rPr lang="ru-RU" altLang="ru-RU" sz="1600" b="1" dirty="0" err="1">
+                <a:solidFill>
+                  <a:srgbClr val="1290C3"/>
+                </a:solidFill>
+                <a:latin typeface="Consolas" panose="020B0609020204030204" pitchFamily="49" charset="0"/>
+                <a:cs typeface="Consolas" panose="020B0609020204030204" pitchFamily="49" charset="0"/>
+              </a:rPr>
+              <a:t>String</a:t>
+            </a:r>
+            <a:r>
+              <a:rPr lang="ru-RU" altLang="ru-RU" sz="1600" dirty="0">
+                <a:solidFill>
+                  <a:srgbClr val="E6E6FA"/>
+                </a:solidFill>
+                <a:latin typeface="Consolas" panose="020B0609020204030204" pitchFamily="49" charset="0"/>
+                <a:cs typeface="Consolas" panose="020B0609020204030204" pitchFamily="49" charset="0"/>
+              </a:rPr>
+              <a:t>&gt; </a:t>
+            </a:r>
+            <a:r>
+              <a:rPr lang="ru-RU" altLang="ru-RU" sz="1600" b="1" dirty="0" err="1">
+                <a:solidFill>
+                  <a:srgbClr val="ED7F48"/>
+                </a:solidFill>
+                <a:latin typeface="Consolas" panose="020B0609020204030204" pitchFamily="49" charset="0"/>
+                <a:cs typeface="Consolas" panose="020B0609020204030204" pitchFamily="49" charset="0"/>
+              </a:rPr>
+              <a:t>instance</a:t>
+            </a:r>
+            <a:r>
+              <a:rPr lang="ru-RU" altLang="ru-RU" sz="1600" b="1" dirty="0">
+                <a:solidFill>
+                  <a:srgbClr val="ED7F48"/>
+                </a:solidFill>
+                <a:latin typeface="Consolas" panose="020B0609020204030204" pitchFamily="49" charset="0"/>
+                <a:cs typeface="Consolas" panose="020B0609020204030204" pitchFamily="49" charset="0"/>
+              </a:rPr>
+              <a:t> </a:t>
+            </a:r>
+            <a:r>
+              <a:rPr lang="ru-RU" altLang="ru-RU" sz="1600" dirty="0">
+                <a:solidFill>
+                  <a:srgbClr val="E6E6FA"/>
+                </a:solidFill>
+                <a:latin typeface="Consolas" panose="020B0609020204030204" pitchFamily="49" charset="0"/>
+                <a:cs typeface="Consolas" panose="020B0609020204030204" pitchFamily="49" charset="0"/>
+              </a:rPr>
+              <a:t>= </a:t>
+            </a:r>
+            <a:r>
+              <a:rPr lang="ru-RU" altLang="ru-RU" sz="1600" dirty="0">
+                <a:solidFill>
+                  <a:srgbClr val="FFBF26"/>
+                </a:solidFill>
+                <a:latin typeface="Consolas" panose="020B0609020204030204" pitchFamily="49" charset="0"/>
+                <a:cs typeface="Consolas" panose="020B0609020204030204" pitchFamily="49" charset="0"/>
+              </a:rPr>
+              <a:t>s </a:t>
+            </a:r>
+            <a:r>
+              <a:rPr lang="ru-RU" altLang="ru-RU" sz="1600" dirty="0">
+                <a:solidFill>
+                  <a:srgbClr val="A9B7C6"/>
+                </a:solidFill>
+                <a:latin typeface="Consolas" panose="020B0609020204030204" pitchFamily="49" charset="0"/>
+                <a:cs typeface="Consolas" panose="020B0609020204030204" pitchFamily="49" charset="0"/>
+              </a:rPr>
+              <a:t>-&gt; </a:t>
+            </a:r>
+            <a:r>
+              <a:rPr lang="ru-RU" altLang="ru-RU" sz="1600" i="1" dirty="0" err="1">
+                <a:solidFill>
+                  <a:srgbClr val="8098A1"/>
+                </a:solidFill>
+                <a:latin typeface="Consolas" panose="020B0609020204030204" pitchFamily="49" charset="0"/>
+                <a:cs typeface="Consolas" panose="020B0609020204030204" pitchFamily="49" charset="0"/>
+              </a:rPr>
+              <a:t>getLength</a:t>
+            </a:r>
+            <a:r>
+              <a:rPr lang="ru-RU" altLang="ru-RU" sz="1600" dirty="0">
+                <a:solidFill>
+                  <a:srgbClr val="FFFFFF"/>
+                </a:solidFill>
+                <a:latin typeface="Consolas" panose="020B0609020204030204" pitchFamily="49" charset="0"/>
+                <a:cs typeface="Consolas" panose="020B0609020204030204" pitchFamily="49" charset="0"/>
+              </a:rPr>
+              <a:t>(</a:t>
+            </a:r>
+            <a:r>
+              <a:rPr lang="ru-RU" altLang="ru-RU" sz="1600" dirty="0">
+                <a:solidFill>
+                  <a:srgbClr val="FFBF26"/>
+                </a:solidFill>
+                <a:latin typeface="Consolas" panose="020B0609020204030204" pitchFamily="49" charset="0"/>
+                <a:cs typeface="Consolas" panose="020B0609020204030204" pitchFamily="49" charset="0"/>
+              </a:rPr>
+              <a:t>s</a:t>
+            </a:r>
+            <a:r>
+              <a:rPr lang="ru-RU" altLang="ru-RU" sz="1600" dirty="0">
+                <a:solidFill>
+                  <a:srgbClr val="FFFFFF"/>
+                </a:solidFill>
+                <a:latin typeface="Consolas" panose="020B0609020204030204" pitchFamily="49" charset="0"/>
+                <a:cs typeface="Consolas" panose="020B0609020204030204" pitchFamily="49" charset="0"/>
+              </a:rPr>
+              <a:t>)</a:t>
+            </a:r>
+            <a:r>
+              <a:rPr lang="ru-RU" altLang="ru-RU" sz="1600" dirty="0">
+                <a:solidFill>
+                  <a:srgbClr val="CDE2EA"/>
+                </a:solidFill>
+                <a:latin typeface="Consolas" panose="020B0609020204030204" pitchFamily="49" charset="0"/>
+                <a:cs typeface="Consolas" panose="020B0609020204030204" pitchFamily="49" charset="0"/>
+              </a:rPr>
+              <a:t>;</a:t>
+            </a:r>
+            <a:endParaRPr lang="ru-RU" altLang="ru-RU" sz="3600" dirty="0">
+              <a:latin typeface="Arial" panose="020B0604020202020204" pitchFamily="34" charset="0"/>
+            </a:endParaRPr>
+          </a:p>
+        </p:txBody>
+      </p:sp>
+      <p:sp>
+        <p:nvSpPr>
+          <p:cNvPr id="11" name="Rectangle 12"/>
+          <p:cNvSpPr>
+            <a:spLocks noChangeArrowheads="1"/>
+          </p:cNvSpPr>
+          <p:nvPr/>
+        </p:nvSpPr>
+        <p:spPr bwMode="auto">
+          <a:xfrm>
+            <a:off x="1125510" y="5629170"/>
+            <a:ext cx="9905998" cy="338554"/>
+          </a:xfrm>
+          <a:prstGeom prst="rect">
+            <a:avLst/>
+          </a:prstGeom>
+          <a:solidFill>
+            <a:srgbClr val="2B2B2B"/>
+          </a:solidFill>
+          <a:ln>
+            <a:noFill/>
+          </a:ln>
+          <a:effectLst>
+            <a:glow rad="228600">
+              <a:schemeClr val="accent1">
+                <a:satMod val="175000"/>
+                <a:alpha val="40000"/>
+              </a:schemeClr>
+            </a:glow>
+            <a:outerShdw blurRad="190500" dist="228600" dir="2700000" algn="ctr">
+              <a:srgbClr val="000000">
+                <a:alpha val="30000"/>
+              </a:srgbClr>
+            </a:outerShdw>
+          </a:effectLst>
+          <a:scene3d>
+            <a:camera prst="orthographicFront">
+              <a:rot lat="0" lon="0" rev="0"/>
+            </a:camera>
+            <a:lightRig rig="glow" dir="t">
+              <a:rot lat="0" lon="0" rev="4800000"/>
+            </a:lightRig>
+          </a:scene3d>
+          <a:sp3d prstMaterial="matte">
+            <a:bevelT w="127000" h="63500"/>
+          </a:sp3d>
+          <a:extLst>
+            <a:ext uri="{91240B29-F687-4F45-9708-019B960494DF}">
+              <a14:hiddenLine xmlns:a14="http://schemas.microsoft.com/office/drawing/2010/main" w="9525">
+                <a:solidFill>
+                  <a:schemeClr val="tx1"/>
+                </a:solidFill>
+                <a:miter lim="800000"/>
+                <a:headEnd/>
+                <a:tailEnd/>
+              </a14:hiddenLine>
+            </a:ext>
+          </a:extLst>
+        </p:spPr>
+        <p:txBody>
+          <a:bodyPr vert="horz" wrap="square" lIns="91440" tIns="45720" rIns="91440" bIns="45720" numCol="1" anchor="ctr" anchorCtr="0" compatLnSpc="1">
+            <a:prstTxWarp prst="textNoShape">
+              <a:avLst/>
+            </a:prstTxWarp>
+            <a:spAutoFit/>
+          </a:bodyPr>
+          <a:lstStyle/>
+          <a:p>
+            <a:pPr lvl="0" defTabSz="914400" eaLnBrk="0" fontAlgn="base" hangingPunct="0">
+              <a:spcBef>
+                <a:spcPct val="0"/>
+              </a:spcBef>
+              <a:spcAft>
+                <a:spcPct val="0"/>
+              </a:spcAft>
+            </a:pPr>
+            <a:r>
+              <a:rPr lang="ru-RU" altLang="ru-RU" sz="1600" dirty="0" err="1">
+                <a:solidFill>
+                  <a:srgbClr val="80F2F6"/>
+                </a:solidFill>
+                <a:latin typeface="Consolas" panose="020B0609020204030204" pitchFamily="49" charset="0"/>
+                <a:cs typeface="Consolas" panose="020B0609020204030204" pitchFamily="49" charset="0"/>
+              </a:rPr>
+              <a:t>OneParamFuncInterface</a:t>
+            </a:r>
+            <a:r>
+              <a:rPr lang="ru-RU" altLang="ru-RU" sz="1600" dirty="0">
+                <a:solidFill>
+                  <a:srgbClr val="E6E6FA"/>
+                </a:solidFill>
+                <a:latin typeface="Consolas" panose="020B0609020204030204" pitchFamily="49" charset="0"/>
+                <a:cs typeface="Consolas" panose="020B0609020204030204" pitchFamily="49" charset="0"/>
+              </a:rPr>
+              <a:t>&lt;</a:t>
+            </a:r>
+            <a:r>
+              <a:rPr lang="ru-RU" altLang="ru-RU" sz="1600" b="1" dirty="0" err="1">
+                <a:solidFill>
+                  <a:srgbClr val="1290C3"/>
+                </a:solidFill>
+                <a:latin typeface="Consolas" panose="020B0609020204030204" pitchFamily="49" charset="0"/>
+                <a:cs typeface="Consolas" panose="020B0609020204030204" pitchFamily="49" charset="0"/>
+              </a:rPr>
+              <a:t>Integer</a:t>
+            </a:r>
+            <a:r>
+              <a:rPr lang="ru-RU" altLang="ru-RU" sz="1600" dirty="0">
+                <a:solidFill>
+                  <a:srgbClr val="F9FAF4"/>
+                </a:solidFill>
+                <a:latin typeface="Consolas" panose="020B0609020204030204" pitchFamily="49" charset="0"/>
+                <a:cs typeface="Consolas" panose="020B0609020204030204" pitchFamily="49" charset="0"/>
+              </a:rPr>
+              <a:t>, </a:t>
+            </a:r>
+            <a:r>
+              <a:rPr lang="ru-RU" altLang="ru-RU" sz="1600" b="1" dirty="0" err="1">
+                <a:solidFill>
+                  <a:srgbClr val="1290C3"/>
+                </a:solidFill>
+                <a:latin typeface="Consolas" panose="020B0609020204030204" pitchFamily="49" charset="0"/>
+                <a:cs typeface="Consolas" panose="020B0609020204030204" pitchFamily="49" charset="0"/>
+              </a:rPr>
+              <a:t>String</a:t>
+            </a:r>
+            <a:r>
+              <a:rPr lang="ru-RU" altLang="ru-RU" sz="1600" dirty="0">
+                <a:solidFill>
+                  <a:srgbClr val="E6E6FA"/>
+                </a:solidFill>
+                <a:latin typeface="Consolas" panose="020B0609020204030204" pitchFamily="49" charset="0"/>
+                <a:cs typeface="Consolas" panose="020B0609020204030204" pitchFamily="49" charset="0"/>
+              </a:rPr>
+              <a:t>&gt; </a:t>
+            </a:r>
+            <a:r>
+              <a:rPr lang="ru-RU" altLang="ru-RU" sz="1600" b="1" dirty="0" err="1">
+                <a:solidFill>
+                  <a:srgbClr val="ED7F48"/>
+                </a:solidFill>
+                <a:latin typeface="Consolas" panose="020B0609020204030204" pitchFamily="49" charset="0"/>
+                <a:cs typeface="Consolas" panose="020B0609020204030204" pitchFamily="49" charset="0"/>
+              </a:rPr>
+              <a:t>instance</a:t>
+            </a:r>
+            <a:r>
+              <a:rPr lang="ru-RU" altLang="ru-RU" sz="1600" b="1" dirty="0">
+                <a:solidFill>
+                  <a:srgbClr val="ED7F48"/>
+                </a:solidFill>
+                <a:latin typeface="Consolas" panose="020B0609020204030204" pitchFamily="49" charset="0"/>
+                <a:cs typeface="Consolas" panose="020B0609020204030204" pitchFamily="49" charset="0"/>
+              </a:rPr>
+              <a:t> </a:t>
+            </a:r>
+            <a:r>
+              <a:rPr lang="ru-RU" altLang="ru-RU" sz="1600" dirty="0">
+                <a:solidFill>
+                  <a:srgbClr val="E6E6FA"/>
+                </a:solidFill>
+                <a:latin typeface="Consolas" panose="020B0609020204030204" pitchFamily="49" charset="0"/>
+                <a:cs typeface="Consolas" panose="020B0609020204030204" pitchFamily="49" charset="0"/>
+              </a:rPr>
+              <a:t>= </a:t>
+            </a:r>
+            <a:r>
+              <a:rPr lang="ru-RU" altLang="ru-RU" sz="1600" b="1" dirty="0" err="1">
+                <a:solidFill>
+                  <a:srgbClr val="1290C3"/>
+                </a:solidFill>
+                <a:latin typeface="Consolas" panose="020B0609020204030204" pitchFamily="49" charset="0"/>
+                <a:cs typeface="Consolas" panose="020B0609020204030204" pitchFamily="49" charset="0"/>
+              </a:rPr>
+              <a:t>Main</a:t>
+            </a:r>
+            <a:r>
+              <a:rPr lang="ru-RU" altLang="ru-RU" sz="1600" dirty="0">
+                <a:solidFill>
+                  <a:srgbClr val="A9B7C6"/>
+                </a:solidFill>
+                <a:latin typeface="Consolas" panose="020B0609020204030204" pitchFamily="49" charset="0"/>
+                <a:cs typeface="Consolas" panose="020B0609020204030204" pitchFamily="49" charset="0"/>
+              </a:rPr>
+              <a:t>::</a:t>
+            </a:r>
+            <a:r>
+              <a:rPr lang="ru-RU" altLang="ru-RU" sz="1600" i="1" dirty="0" err="1">
+                <a:solidFill>
+                  <a:srgbClr val="8098A1"/>
+                </a:solidFill>
+                <a:latin typeface="Consolas" panose="020B0609020204030204" pitchFamily="49" charset="0"/>
+                <a:cs typeface="Consolas" panose="020B0609020204030204" pitchFamily="49" charset="0"/>
+              </a:rPr>
+              <a:t>getLength</a:t>
+            </a:r>
+            <a:r>
+              <a:rPr lang="ru-RU" altLang="ru-RU" sz="1600" dirty="0">
+                <a:solidFill>
+                  <a:srgbClr val="CDE2EA"/>
+                </a:solidFill>
+                <a:latin typeface="Consolas" panose="020B0609020204030204" pitchFamily="49" charset="0"/>
+                <a:cs typeface="Consolas" panose="020B0609020204030204" pitchFamily="49" charset="0"/>
+              </a:rPr>
+              <a:t>;</a:t>
+            </a:r>
+            <a:endParaRPr lang="ru-RU" altLang="ru-RU" sz="3600" dirty="0">
+              <a:latin typeface="Arial" panose="020B0604020202020204" pitchFamily="34" charset="0"/>
+            </a:endParaRPr>
+          </a:p>
+        </p:txBody>
+      </p:sp>
+      <p:sp>
+        <p:nvSpPr>
+          <p:cNvPr id="13" name="Равно 12"/>
+          <p:cNvSpPr/>
+          <p:nvPr/>
+        </p:nvSpPr>
+        <p:spPr>
+          <a:xfrm>
+            <a:off x="4410158" y="4030285"/>
+            <a:ext cx="1229990" cy="574314"/>
+          </a:xfrm>
+          <a:prstGeom prst="mathEqual">
+            <a:avLst/>
+          </a:prstGeom>
+          <a:solidFill>
+            <a:srgbClr val="92D050"/>
+          </a:solidFill>
+          <a:ln>
+            <a:noFill/>
+          </a:ln>
+          <a:effectLst>
+            <a:outerShdw blurRad="44450" dist="27940" dir="5400000" algn="ctr">
+              <a:srgbClr val="000000">
+                <a:alpha val="32000"/>
+              </a:srgbClr>
+            </a:outerShdw>
+          </a:effectLst>
+          <a:scene3d>
+            <a:camera prst="orthographicFront">
+              <a:rot lat="0" lon="0" rev="0"/>
+            </a:camera>
+            <a:lightRig rig="balanced" dir="t">
+              <a:rot lat="0" lon="0" rev="8700000"/>
+            </a:lightRig>
+          </a:scene3d>
+          <a:sp3d>
+            <a:bevelT w="190500" h="38100"/>
+          </a:sp3d>
+        </p:spPr>
+        <p:style>
+          <a:lnRef idx="2">
+            <a:schemeClr val="accent1">
+              <a:shade val="50000"/>
+            </a:schemeClr>
+          </a:lnRef>
+          <a:fillRef idx="1">
+            <a:schemeClr val="accent1"/>
+          </a:fillRef>
+          <a:effectRef idx="0">
+            <a:schemeClr val="accent1"/>
+          </a:effectRef>
+          <a:fontRef idx="minor">
+            <a:schemeClr val="lt1"/>
+          </a:fontRef>
+        </p:style>
+        <p:txBody>
+          <a:bodyPr rtlCol="0" anchor="ctr"/>
+          <a:lstStyle/>
+          <a:p>
+            <a:pPr algn="ctr"/>
+            <a:endParaRPr lang="ru-RU">
+              <a:solidFill>
+                <a:schemeClr val="tx1"/>
+              </a:solidFill>
+            </a:endParaRPr>
+          </a:p>
+        </p:txBody>
+      </p:sp>
+      <p:sp>
+        <p:nvSpPr>
+          <p:cNvPr id="15" name="Равно 14"/>
+          <p:cNvSpPr/>
+          <p:nvPr/>
+        </p:nvSpPr>
+        <p:spPr>
+          <a:xfrm>
+            <a:off x="4410158" y="5054856"/>
+            <a:ext cx="1229990" cy="574314"/>
+          </a:xfrm>
+          <a:prstGeom prst="mathEqual">
+            <a:avLst/>
+          </a:prstGeom>
+          <a:solidFill>
+            <a:srgbClr val="92D050"/>
+          </a:solidFill>
+          <a:ln>
+            <a:noFill/>
+          </a:ln>
+          <a:effectLst>
+            <a:outerShdw blurRad="44450" dist="27940" dir="5400000" algn="ctr">
+              <a:srgbClr val="000000">
+                <a:alpha val="32000"/>
+              </a:srgbClr>
+            </a:outerShdw>
+          </a:effectLst>
+          <a:scene3d>
+            <a:camera prst="orthographicFront">
+              <a:rot lat="0" lon="0" rev="0"/>
+            </a:camera>
+            <a:lightRig rig="balanced" dir="t">
+              <a:rot lat="0" lon="0" rev="8700000"/>
+            </a:lightRig>
+          </a:scene3d>
+          <a:sp3d>
+            <a:bevelT w="190500" h="38100"/>
+          </a:sp3d>
+        </p:spPr>
+        <p:style>
+          <a:lnRef idx="2">
+            <a:schemeClr val="accent1">
+              <a:shade val="50000"/>
+            </a:schemeClr>
+          </a:lnRef>
+          <a:fillRef idx="1">
+            <a:schemeClr val="accent1"/>
+          </a:fillRef>
+          <a:effectRef idx="0">
+            <a:schemeClr val="accent1"/>
+          </a:effectRef>
+          <a:fontRef idx="minor">
+            <a:schemeClr val="lt1"/>
+          </a:fontRef>
+        </p:style>
+        <p:txBody>
+          <a:bodyPr rtlCol="0" anchor="ctr"/>
+          <a:lstStyle/>
+          <a:p>
+            <a:pPr algn="ctr"/>
+            <a:endParaRPr lang="ru-RU">
+              <a:solidFill>
+                <a:schemeClr val="tx1"/>
+              </a:solidFill>
+            </a:endParaRPr>
+          </a:p>
+        </p:txBody>
+      </p:sp>
+    </p:spTree>
+    <p:extLst>
+      <p:ext uri="{BB962C8B-B14F-4D97-AF65-F5344CB8AC3E}">
+        <p14:creationId xmlns:p14="http://schemas.microsoft.com/office/powerpoint/2010/main" val="1860302692"/>
+      </p:ext>
+    </p:extLst>
+  </p:cSld>
+  <p:clrMapOvr>
+    <a:masterClrMapping/>
+  </p:clrMapOvr>
+  <p:timing>
+    <p:tnLst>
+      <p:par>
+        <p:cTn id="1" dur="indefinite" restart="never" nodeType="tmRoot">
+          <p:childTnLst>
+            <p:seq concurrent="1" nextAc="seek">
+              <p:cTn id="2" dur="indefinite" nodeType="mainSeq">
+                <p:childTnLst>
+                  <p:par>
+                    <p:cTn id="3" fill="hold">
+                      <p:stCondLst>
+                        <p:cond delay="indefinite"/>
+                      </p:stCondLst>
+                      <p:childTnLst>
+                        <p:par>
+                          <p:cTn id="4" fill="hold">
+                            <p:stCondLst>
+                              <p:cond delay="0"/>
+                            </p:stCondLst>
+                            <p:childTnLst>
+                              <p:par>
+                                <p:cTn id="5" presetID="16" presetClass="entr" presetSubtype="21" fill="hold" grpId="0" nodeType="clickEffect">
+                                  <p:stCondLst>
+                                    <p:cond delay="0"/>
+                                  </p:stCondLst>
+                                  <p:childTnLst>
+                                    <p:set>
+                                      <p:cBhvr>
+                                        <p:cTn id="6" dur="1" fill="hold">
+                                          <p:stCondLst>
+                                            <p:cond delay="0"/>
+                                          </p:stCondLst>
+                                        </p:cTn>
+                                        <p:tgtEl>
+                                          <p:spTgt spid="13"/>
+                                        </p:tgtEl>
+                                        <p:attrNameLst>
+                                          <p:attrName>style.visibility</p:attrName>
+                                        </p:attrNameLst>
+                                      </p:cBhvr>
+                                      <p:to>
+                                        <p:strVal val="visible"/>
+                                      </p:to>
+                                    </p:set>
+                                    <p:animEffect transition="in" filter="barn(inVertical)">
+                                      <p:cBhvr>
+                                        <p:cTn id="7" dur="500"/>
+                                        <p:tgtEl>
+                                          <p:spTgt spid="13"/>
+                                        </p:tgtEl>
+                                      </p:cBhvr>
+                                    </p:animEffect>
+                                  </p:childTnLst>
+                                </p:cTn>
+                              </p:par>
+                            </p:childTnLst>
+                          </p:cTn>
+                        </p:par>
+                      </p:childTnLst>
+                    </p:cTn>
+                  </p:par>
+                  <p:par>
+                    <p:cTn id="8" fill="hold">
+                      <p:stCondLst>
+                        <p:cond delay="indefinite"/>
+                      </p:stCondLst>
+                      <p:childTnLst>
+                        <p:par>
+                          <p:cTn id="9" fill="hold">
+                            <p:stCondLst>
+                              <p:cond delay="0"/>
+                            </p:stCondLst>
+                            <p:childTnLst>
+                              <p:par>
+                                <p:cTn id="10" presetID="22" presetClass="entr" presetSubtype="4" fill="hold" grpId="0" nodeType="clickEffect">
+                                  <p:stCondLst>
+                                    <p:cond delay="0"/>
+                                  </p:stCondLst>
+                                  <p:childTnLst>
+                                    <p:set>
+                                      <p:cBhvr>
+                                        <p:cTn id="11" dur="1" fill="hold">
+                                          <p:stCondLst>
+                                            <p:cond delay="0"/>
+                                          </p:stCondLst>
+                                        </p:cTn>
+                                        <p:tgtEl>
+                                          <p:spTgt spid="7"/>
+                                        </p:tgtEl>
+                                        <p:attrNameLst>
+                                          <p:attrName>style.visibility</p:attrName>
+                                        </p:attrNameLst>
+                                      </p:cBhvr>
+                                      <p:to>
+                                        <p:strVal val="visible"/>
+                                      </p:to>
+                                    </p:set>
+                                    <p:animEffect transition="in" filter="wipe(down)">
+                                      <p:cBhvr>
+                                        <p:cTn id="12" dur="500"/>
+                                        <p:tgtEl>
+                                          <p:spTgt spid="7"/>
+                                        </p:tgtEl>
+                                      </p:cBhvr>
+                                    </p:animEffect>
+                                  </p:childTnLst>
+                                </p:cTn>
+                              </p:par>
+                            </p:childTnLst>
+                          </p:cTn>
+                        </p:par>
+                      </p:childTnLst>
+                    </p:cTn>
+                  </p:par>
+                  <p:par>
+                    <p:cTn id="13" fill="hold">
+                      <p:stCondLst>
+                        <p:cond delay="indefinite"/>
+                      </p:stCondLst>
+                      <p:childTnLst>
+                        <p:par>
+                          <p:cTn id="14" fill="hold">
+                            <p:stCondLst>
+                              <p:cond delay="0"/>
+                            </p:stCondLst>
+                            <p:childTnLst>
+                              <p:par>
+                                <p:cTn id="15" presetID="16" presetClass="entr" presetSubtype="21" fill="hold" grpId="0" nodeType="clickEffect">
+                                  <p:stCondLst>
+                                    <p:cond delay="0"/>
+                                  </p:stCondLst>
+                                  <p:childTnLst>
+                                    <p:set>
+                                      <p:cBhvr>
+                                        <p:cTn id="16" dur="1" fill="hold">
+                                          <p:stCondLst>
+                                            <p:cond delay="0"/>
+                                          </p:stCondLst>
+                                        </p:cTn>
+                                        <p:tgtEl>
+                                          <p:spTgt spid="15"/>
+                                        </p:tgtEl>
+                                        <p:attrNameLst>
+                                          <p:attrName>style.visibility</p:attrName>
+                                        </p:attrNameLst>
+                                      </p:cBhvr>
+                                      <p:to>
+                                        <p:strVal val="visible"/>
+                                      </p:to>
+                                    </p:set>
+                                    <p:animEffect transition="in" filter="barn(inVertical)">
+                                      <p:cBhvr>
+                                        <p:cTn id="17" dur="500"/>
+                                        <p:tgtEl>
+                                          <p:spTgt spid="15"/>
+                                        </p:tgtEl>
+                                      </p:cBhvr>
+                                    </p:animEffect>
+                                  </p:childTnLst>
+                                </p:cTn>
+                              </p:par>
+                            </p:childTnLst>
+                          </p:cTn>
+                        </p:par>
+                      </p:childTnLst>
+                    </p:cTn>
+                  </p:par>
+                  <p:par>
+                    <p:cTn id="18" fill="hold">
+                      <p:stCondLst>
+                        <p:cond delay="indefinite"/>
+                      </p:stCondLst>
+                      <p:childTnLst>
+                        <p:par>
+                          <p:cTn id="19" fill="hold">
+                            <p:stCondLst>
+                              <p:cond delay="0"/>
+                            </p:stCondLst>
+                            <p:childTnLst>
+                              <p:par>
+                                <p:cTn id="20" presetID="22" presetClass="entr" presetSubtype="4" fill="hold" grpId="0" nodeType="clickEffect">
+                                  <p:stCondLst>
+                                    <p:cond delay="0"/>
+                                  </p:stCondLst>
+                                  <p:childTnLst>
+                                    <p:set>
+                                      <p:cBhvr>
+                                        <p:cTn id="21" dur="1" fill="hold">
+                                          <p:stCondLst>
+                                            <p:cond delay="0"/>
+                                          </p:stCondLst>
+                                        </p:cTn>
+                                        <p:tgtEl>
+                                          <p:spTgt spid="11"/>
+                                        </p:tgtEl>
+                                        <p:attrNameLst>
+                                          <p:attrName>style.visibility</p:attrName>
+                                        </p:attrNameLst>
+                                      </p:cBhvr>
+                                      <p:to>
+                                        <p:strVal val="visible"/>
+                                      </p:to>
+                                    </p:set>
+                                    <p:animEffect transition="in" filter="wipe(down)">
+                                      <p:cBhvr>
+                                        <p:cTn id="22" dur="500"/>
+                                        <p:tgtEl>
+                                          <p:spTgt spid="11"/>
+                                        </p:tgtEl>
+                                      </p:cBhvr>
+                                    </p:animEffect>
+                                  </p:childTnLst>
+                                </p:cTn>
+                              </p:par>
+                            </p:childTnLst>
+                          </p:cTn>
+                        </p:par>
+                      </p:childTnLst>
+                    </p:cTn>
+                  </p:par>
+                </p:childTnLst>
+              </p:cTn>
+              <p:prevCondLst>
+                <p:cond evt="onPrev" delay="0">
+                  <p:tgtEl>
+                    <p:sldTgt/>
+                  </p:tgtEl>
+                </p:cond>
+              </p:prevCondLst>
+              <p:nextCondLst>
+                <p:cond evt="onNext" delay="0">
+                  <p:tgtEl>
+                    <p:sldTgt/>
+                  </p:tgtEl>
+                </p:cond>
+              </p:nextCondLst>
+            </p:seq>
+          </p:childTnLst>
+        </p:cTn>
+      </p:par>
+    </p:tnLst>
+    <p:bldLst>
+      <p:bldP spid="7" grpId="0" animBg="1"/>
+      <p:bldP spid="11" grpId="0" animBg="1"/>
+      <p:bldP spid="13" grpId="0" animBg="1"/>
+      <p:bldP spid="15" grpId="0" animBg="1"/>
+    </p:bldLst>
+  </p:timing>
+</p:sld>
+</file>
+
 <file path=ppt/slides/slide2.xml><?xml version="1.0" encoding="utf-8"?>
 <p:sld xmlns:a="http://schemas.openxmlformats.org/drawingml/2006/main" xmlns:r="http://schemas.openxmlformats.org/officeDocument/2006/relationships" xmlns:p="http://schemas.openxmlformats.org/presentationml/2006/main">
   <p:cSld>
@@ -7219,9 +9016,9 @@
               </a:spcAft>
             </a:pPr>
             <a:r>
-              <a:rPr lang="ru-RU" altLang="ru-RU" dirty="0" err="1" smtClean="0">
-                <a:solidFill>
-                  <a:srgbClr val="A9B7C6"/>
+              <a:rPr lang="ru-RU" altLang="ru-RU" dirty="0" err="1">
+                <a:solidFill>
+                  <a:srgbClr val="80F2F6"/>
                 </a:solidFill>
                 <a:latin typeface="Consolas" panose="020B0609020204030204" pitchFamily="49" charset="0"/>
                 <a:cs typeface="Consolas" panose="020B0609020204030204" pitchFamily="49" charset="0"/>
@@ -8292,7 +10089,7 @@
             <a:r>
               <a:rPr lang="ru-RU" altLang="ru-RU" dirty="0" err="1">
                 <a:solidFill>
-                  <a:srgbClr val="A9B7C6"/>
+                  <a:srgbClr val="80F2F6"/>
                 </a:solidFill>
                 <a:latin typeface="Consolas" panose="020B0609020204030204" pitchFamily="49" charset="0"/>
                 <a:cs typeface="Consolas" panose="020B0609020204030204" pitchFamily="49" charset="0"/>
@@ -8456,9 +10253,9 @@
               </a:spcAft>
             </a:pPr>
             <a:r>
-              <a:rPr lang="ru-RU" altLang="ru-RU" dirty="0" err="1" smtClean="0">
-                <a:solidFill>
-                  <a:srgbClr val="A9B7C6"/>
+              <a:rPr lang="ru-RU" altLang="ru-RU" dirty="0" err="1">
+                <a:solidFill>
+                  <a:srgbClr val="80F2F6"/>
                 </a:solidFill>
                 <a:latin typeface="Consolas" panose="020B0609020204030204" pitchFamily="49" charset="0"/>
                 <a:cs typeface="Consolas" panose="020B0609020204030204" pitchFamily="49" charset="0"/>
@@ -9086,7 +10883,7 @@
         <p:spPr bwMode="auto">
           <a:xfrm>
             <a:off x="1125510" y="1144442"/>
-            <a:ext cx="9905998" cy="5016758"/>
+            <a:ext cx="9905998" cy="5509200"/>
           </a:xfrm>
           <a:prstGeom prst="rect">
             <a:avLst/>
@@ -9271,7 +11068,7 @@
               <a:t>&gt; </a:t>
             </a:r>
             <a:r>
-              <a:rPr lang="ru-RU" altLang="ru-RU" sz="1600" dirty="0">
+              <a:rPr lang="ru-RU" altLang="ru-RU" sz="1600" dirty="0" smtClean="0">
                 <a:solidFill>
                   <a:srgbClr val="FFFFFF"/>
                 </a:solidFill>
@@ -9280,6 +11077,23 @@
               </a:rPr>
               <a:t>{</a:t>
             </a:r>
+            <a:endParaRPr lang="en-US" altLang="ru-RU" sz="1600" dirty="0" smtClean="0">
+              <a:solidFill>
+                <a:srgbClr val="FFFFFF"/>
+              </a:solidFill>
+              <a:latin typeface="Consolas" panose="020B0609020204030204" pitchFamily="49" charset="0"/>
+              <a:cs typeface="Consolas" panose="020B0609020204030204" pitchFamily="49" charset="0"/>
+            </a:endParaRPr>
+          </a:p>
+          <a:p>
+            <a:pPr lvl="0" defTabSz="914400" eaLnBrk="0" fontAlgn="base" hangingPunct="0">
+              <a:spcBef>
+                <a:spcPct val="0"/>
+              </a:spcBef>
+              <a:spcAft>
+                <a:spcPct val="0"/>
+              </a:spcAft>
+            </a:pPr>
             <a:r>
               <a:rPr lang="ru-RU" altLang="ru-RU" sz="1600" dirty="0">
                 <a:solidFill>
@@ -9310,85 +11124,102 @@
               <a:t>    </a:t>
             </a:r>
             <a:r>
+              <a:rPr lang="ru-RU" altLang="ru-RU" sz="1600" b="1" dirty="0" err="1" smtClean="0">
+                <a:solidFill>
+                  <a:srgbClr val="DD2867"/>
+                </a:solidFill>
+                <a:latin typeface="Consolas" panose="020B0609020204030204" pitchFamily="49" charset="0"/>
+                <a:cs typeface="Consolas" panose="020B0609020204030204" pitchFamily="49" charset="0"/>
+              </a:rPr>
+              <a:t>boolean</a:t>
+            </a:r>
+            <a:r>
+              <a:rPr lang="ru-RU" altLang="ru-RU" sz="1600" b="1" dirty="0" smtClean="0">
+                <a:solidFill>
+                  <a:srgbClr val="DD2867"/>
+                </a:solidFill>
+                <a:latin typeface="Consolas" panose="020B0609020204030204" pitchFamily="49" charset="0"/>
+                <a:cs typeface="Consolas" panose="020B0609020204030204" pitchFamily="49" charset="0"/>
+              </a:rPr>
+              <a:t> </a:t>
+            </a:r>
+            <a:r>
               <a:rPr lang="ru-RU" altLang="ru-RU" sz="1600" b="1" dirty="0" err="1">
                 <a:solidFill>
-                  <a:srgbClr val="DD2867"/>
-                </a:solidFill>
-                <a:latin typeface="Consolas" panose="020B0609020204030204" pitchFamily="49" charset="0"/>
-                <a:cs typeface="Consolas" panose="020B0609020204030204" pitchFamily="49" charset="0"/>
-              </a:rPr>
-              <a:t>boolean</a:t>
+                  <a:srgbClr val="CDE2EA"/>
+                </a:solidFill>
+                <a:latin typeface="Consolas" panose="020B0609020204030204" pitchFamily="49" charset="0"/>
+                <a:cs typeface="Consolas" panose="020B0609020204030204" pitchFamily="49" charset="0"/>
+              </a:rPr>
+              <a:t>test</a:t>
+            </a:r>
+            <a:r>
+              <a:rPr lang="ru-RU" altLang="ru-RU" sz="1600" dirty="0">
+                <a:solidFill>
+                  <a:srgbClr val="FFFFFF"/>
+                </a:solidFill>
+                <a:latin typeface="Consolas" panose="020B0609020204030204" pitchFamily="49" charset="0"/>
+                <a:cs typeface="Consolas" panose="020B0609020204030204" pitchFamily="49" charset="0"/>
+              </a:rPr>
+              <a:t>(</a:t>
             </a:r>
             <a:r>
               <a:rPr lang="ru-RU" altLang="ru-RU" sz="1600" b="1" dirty="0">
                 <a:solidFill>
-                  <a:srgbClr val="DD2867"/>
-                </a:solidFill>
-                <a:latin typeface="Consolas" panose="020B0609020204030204" pitchFamily="49" charset="0"/>
-                <a:cs typeface="Consolas" panose="020B0609020204030204" pitchFamily="49" charset="0"/>
-              </a:rPr>
-              <a:t> </a:t>
-            </a:r>
-            <a:r>
-              <a:rPr lang="ru-RU" altLang="ru-RU" sz="1600" b="1" dirty="0" err="1">
+                  <a:srgbClr val="D7837F"/>
+                </a:solidFill>
+                <a:latin typeface="Consolas" panose="020B0609020204030204" pitchFamily="49" charset="0"/>
+                <a:cs typeface="Consolas" panose="020B0609020204030204" pitchFamily="49" charset="0"/>
+              </a:rPr>
+              <a:t>T </a:t>
+            </a:r>
+            <a:r>
+              <a:rPr lang="ru-RU" altLang="ru-RU" sz="1600" dirty="0">
+                <a:solidFill>
+                  <a:srgbClr val="FFBF26"/>
+                </a:solidFill>
+                <a:latin typeface="Consolas" panose="020B0609020204030204" pitchFamily="49" charset="0"/>
+                <a:cs typeface="Consolas" panose="020B0609020204030204" pitchFamily="49" charset="0"/>
+              </a:rPr>
+              <a:t>t</a:t>
+            </a:r>
+            <a:r>
+              <a:rPr lang="ru-RU" altLang="ru-RU" sz="1600" dirty="0" smtClean="0">
+                <a:solidFill>
+                  <a:srgbClr val="FFFFFF"/>
+                </a:solidFill>
+                <a:latin typeface="Consolas" panose="020B0609020204030204" pitchFamily="49" charset="0"/>
+                <a:cs typeface="Consolas" panose="020B0609020204030204" pitchFamily="49" charset="0"/>
+              </a:rPr>
+              <a:t>)</a:t>
+            </a:r>
+            <a:r>
+              <a:rPr lang="ru-RU" altLang="ru-RU" sz="1600" dirty="0" smtClean="0">
                 <a:solidFill>
                   <a:srgbClr val="CDE2EA"/>
                 </a:solidFill>
                 <a:latin typeface="Consolas" panose="020B0609020204030204" pitchFamily="49" charset="0"/>
                 <a:cs typeface="Consolas" panose="020B0609020204030204" pitchFamily="49" charset="0"/>
               </a:rPr>
-              <a:t>test</a:t>
-            </a:r>
-            <a:r>
-              <a:rPr lang="ru-RU" altLang="ru-RU" sz="1600" dirty="0">
-                <a:solidFill>
-                  <a:srgbClr val="FFFFFF"/>
-                </a:solidFill>
-                <a:latin typeface="Consolas" panose="020B0609020204030204" pitchFamily="49" charset="0"/>
-                <a:cs typeface="Consolas" panose="020B0609020204030204" pitchFamily="49" charset="0"/>
-              </a:rPr>
-              <a:t>(</a:t>
-            </a:r>
-            <a:r>
-              <a:rPr lang="ru-RU" altLang="ru-RU" sz="1600" b="1" dirty="0">
-                <a:solidFill>
-                  <a:srgbClr val="D7837F"/>
-                </a:solidFill>
-                <a:latin typeface="Consolas" panose="020B0609020204030204" pitchFamily="49" charset="0"/>
-                <a:cs typeface="Consolas" panose="020B0609020204030204" pitchFamily="49" charset="0"/>
-              </a:rPr>
-              <a:t>T </a:t>
-            </a:r>
-            <a:r>
-              <a:rPr lang="ru-RU" altLang="ru-RU" sz="1600" dirty="0">
-                <a:solidFill>
-                  <a:srgbClr val="FFBF26"/>
-                </a:solidFill>
-                <a:latin typeface="Consolas" panose="020B0609020204030204" pitchFamily="49" charset="0"/>
-                <a:cs typeface="Consolas" panose="020B0609020204030204" pitchFamily="49" charset="0"/>
-              </a:rPr>
-              <a:t>t</a:t>
-            </a:r>
-            <a:r>
-              <a:rPr lang="ru-RU" altLang="ru-RU" sz="1600" dirty="0">
-                <a:solidFill>
-                  <a:srgbClr val="FFFFFF"/>
-                </a:solidFill>
-                <a:latin typeface="Consolas" panose="020B0609020204030204" pitchFamily="49" charset="0"/>
-                <a:cs typeface="Consolas" panose="020B0609020204030204" pitchFamily="49" charset="0"/>
-              </a:rPr>
-              <a:t>)</a:t>
-            </a:r>
-            <a:r>
-              <a:rPr lang="ru-RU" altLang="ru-RU" sz="1600" dirty="0">
-                <a:solidFill>
-                  <a:srgbClr val="CDE2EA"/>
-                </a:solidFill>
-                <a:latin typeface="Consolas" panose="020B0609020204030204" pitchFamily="49" charset="0"/>
-                <a:cs typeface="Consolas" panose="020B0609020204030204" pitchFamily="49" charset="0"/>
-              </a:rPr>
               <a:t>;</a:t>
             </a:r>
+            <a:endParaRPr lang="en-US" altLang="ru-RU" sz="1600" dirty="0" smtClean="0">
+              <a:solidFill>
+                <a:srgbClr val="CDE2EA"/>
+              </a:solidFill>
+              <a:latin typeface="Consolas" panose="020B0609020204030204" pitchFamily="49" charset="0"/>
+              <a:cs typeface="Consolas" panose="020B0609020204030204" pitchFamily="49" charset="0"/>
+            </a:endParaRPr>
+          </a:p>
+          <a:p>
+            <a:pPr lvl="0" defTabSz="914400" eaLnBrk="0" fontAlgn="base" hangingPunct="0">
+              <a:spcBef>
+                <a:spcPct val="0"/>
+              </a:spcBef>
+              <a:spcAft>
+                <a:spcPct val="0"/>
+              </a:spcAft>
+            </a:pPr>
             <a:r>
               <a:rPr lang="ru-RU" altLang="ru-RU" sz="1600" dirty="0">
                 <a:solidFill>
@@ -11205,6 +13036,52 @@
             <a:endParaRPr lang="ru-RU" altLang="ru-RU" sz="1600" dirty="0" smtClean="0">
               <a:latin typeface="Arial" panose="020B0604020202020204" pitchFamily="34" charset="0"/>
             </a:endParaRPr>
+          </a:p>
+        </p:txBody>
+      </p:sp>
+      <p:sp>
+        <p:nvSpPr>
+          <p:cNvPr id="9" name="Скругленный прямоугольник 8"/>
+          <p:cNvSpPr/>
+          <p:nvPr/>
+        </p:nvSpPr>
+        <p:spPr>
+          <a:xfrm>
+            <a:off x="1497027" y="1885443"/>
+            <a:ext cx="2306230" cy="412694"/>
+          </a:xfrm>
+          <a:prstGeom prst="roundRect">
+            <a:avLst/>
+          </a:prstGeom>
+          <a:noFill/>
+          <a:ln w="28575">
+            <a:solidFill>
+              <a:srgbClr val="FF0000"/>
+            </a:solidFill>
+          </a:ln>
+        </p:spPr>
+        <p:style>
+          <a:lnRef idx="2">
+            <a:schemeClr val="accent1">
+              <a:shade val="50000"/>
+            </a:schemeClr>
+          </a:lnRef>
+          <a:fillRef idx="1">
+            <a:schemeClr val="accent1"/>
+          </a:fillRef>
+          <a:effectRef idx="0">
+            <a:schemeClr val="accent1"/>
+          </a:effectRef>
+          <a:fontRef idx="minor">
+            <a:schemeClr val="lt1"/>
+          </a:fontRef>
+        </p:style>
+        <p:txBody>
+          <a:bodyPr rtlCol="0" anchor="ctr"/>
+          <a:lstStyle/>
+          <a:p>
+            <a:pPr algn="ctr"/>
+            <a:endParaRPr lang="ru-RU"/>
           </a:p>
         </p:txBody>
       </p:sp>
@@ -11317,7 +13194,7 @@
         <p:spPr bwMode="auto">
           <a:xfrm>
             <a:off x="1125510" y="1144442"/>
-            <a:ext cx="9905998" cy="4031873"/>
+            <a:ext cx="9905998" cy="4278094"/>
           </a:xfrm>
           <a:prstGeom prst="rect">
             <a:avLst/>
@@ -11620,7 +13497,7 @@
               <a:t>t</a:t>
             </a:r>
             <a:r>
-              <a:rPr lang="ru-RU" altLang="ru-RU" sz="1600" dirty="0">
+              <a:rPr lang="ru-RU" altLang="ru-RU" sz="1600" dirty="0" smtClean="0">
                 <a:solidFill>
                   <a:srgbClr val="FFFFFF"/>
                 </a:solidFill>
@@ -11630,7 +13507,7 @@
               <a:t>)</a:t>
             </a:r>
             <a:r>
-              <a:rPr lang="ru-RU" altLang="ru-RU" sz="1600" dirty="0">
+              <a:rPr lang="ru-RU" altLang="ru-RU" sz="1600" dirty="0" smtClean="0">
                 <a:solidFill>
                   <a:srgbClr val="CDE2EA"/>
                 </a:solidFill>
@@ -11639,6 +13516,23 @@
               </a:rPr>
               <a:t>;</a:t>
             </a:r>
+            <a:endParaRPr lang="en-US" altLang="ru-RU" sz="1600" dirty="0" smtClean="0">
+              <a:solidFill>
+                <a:srgbClr val="CDE2EA"/>
+              </a:solidFill>
+              <a:latin typeface="Consolas" panose="020B0609020204030204" pitchFamily="49" charset="0"/>
+              <a:cs typeface="Consolas" panose="020B0609020204030204" pitchFamily="49" charset="0"/>
+            </a:endParaRPr>
+          </a:p>
+          <a:p>
+            <a:pPr defTabSz="914400" eaLnBrk="0" fontAlgn="base" hangingPunct="0">
+              <a:spcBef>
+                <a:spcPct val="0"/>
+              </a:spcBef>
+              <a:spcAft>
+                <a:spcPct val="0"/>
+              </a:spcAft>
+            </a:pPr>
             <a:r>
               <a:rPr lang="ru-RU" altLang="ru-RU" sz="1600" dirty="0">
                 <a:solidFill>
@@ -13090,6 +14984,52 @@
             <a:endParaRPr lang="ru-RU" altLang="ru-RU" sz="1600" dirty="0">
               <a:latin typeface="Arial" panose="020B0604020202020204" pitchFamily="34" charset="0"/>
             </a:endParaRPr>
+          </a:p>
+        </p:txBody>
+      </p:sp>
+      <p:sp>
+        <p:nvSpPr>
+          <p:cNvPr id="6" name="Скругленный прямоугольник 5"/>
+          <p:cNvSpPr/>
+          <p:nvPr/>
+        </p:nvSpPr>
+        <p:spPr>
+          <a:xfrm>
+            <a:off x="1472751" y="1885443"/>
+            <a:ext cx="2306230" cy="412694"/>
+          </a:xfrm>
+          <a:prstGeom prst="roundRect">
+            <a:avLst/>
+          </a:prstGeom>
+          <a:noFill/>
+          <a:ln w="28575">
+            <a:solidFill>
+              <a:srgbClr val="FF0000"/>
+            </a:solidFill>
+          </a:ln>
+        </p:spPr>
+        <p:style>
+          <a:lnRef idx="2">
+            <a:schemeClr val="accent1">
+              <a:shade val="50000"/>
+            </a:schemeClr>
+          </a:lnRef>
+          <a:fillRef idx="1">
+            <a:schemeClr val="accent1"/>
+          </a:fillRef>
+          <a:effectRef idx="0">
+            <a:schemeClr val="accent1"/>
+          </a:effectRef>
+          <a:fontRef idx="minor">
+            <a:schemeClr val="lt1"/>
+          </a:fontRef>
+        </p:style>
+        <p:txBody>
+          <a:bodyPr rtlCol="0" anchor="ctr"/>
+          <a:lstStyle/>
+          <a:p>
+            <a:pPr algn="ctr"/>
+            <a:endParaRPr lang="ru-RU"/>
           </a:p>
         </p:txBody>
       </p:sp>
@@ -13201,8 +15141,8 @@
         </p:nvSpPr>
         <p:spPr bwMode="auto">
           <a:xfrm>
-            <a:off x="1125510" y="1144442"/>
-            <a:ext cx="9905998" cy="2554545"/>
+            <a:off x="1166687" y="1144442"/>
+            <a:ext cx="9905998" cy="3170099"/>
           </a:xfrm>
           <a:prstGeom prst="rect">
             <a:avLst/>
@@ -13268,17 +15208,37 @@
               </a:spcAft>
             </a:pPr>
             <a:r>
-              <a:rPr lang="ru-RU" altLang="ru-RU" sz="2000" b="1" i="1">
+              <a:rPr lang="ru-RU" altLang="ru-RU" sz="2000" b="1" i="1" dirty="0">
                 <a:solidFill>
                   <a:srgbClr val="FF9393"/>
                 </a:solidFill>
                 <a:latin typeface="Consolas" panose="020B0609020204030204" pitchFamily="49" charset="0"/>
                 <a:cs typeface="Consolas" panose="020B0609020204030204" pitchFamily="49" charset="0"/>
               </a:rPr>
-              <a:t>@FunctionalInterface</a:t>
+              <a:t>@</a:t>
+            </a:r>
+            <a:r>
+              <a:rPr lang="ru-RU" altLang="ru-RU" sz="2000" b="1" i="1" dirty="0" err="1">
+                <a:solidFill>
+                  <a:srgbClr val="FF9393"/>
+                </a:solidFill>
+                <a:latin typeface="Consolas" panose="020B0609020204030204" pitchFamily="49" charset="0"/>
+                <a:cs typeface="Consolas" panose="020B0609020204030204" pitchFamily="49" charset="0"/>
+              </a:rPr>
+              <a:t>FunctionalInterface</a:t>
+            </a:r>
+            <a:r>
+              <a:rPr lang="ru-RU" altLang="ru-RU" sz="2000" b="1" i="1" dirty="0">
+                <a:solidFill>
+                  <a:srgbClr val="FF9393"/>
+                </a:solidFill>
+                <a:latin typeface="Consolas" panose="020B0609020204030204" pitchFamily="49" charset="0"/>
+                <a:cs typeface="Consolas" panose="020B0609020204030204" pitchFamily="49" charset="0"/>
+              </a:rPr>
+              <a:t/>
             </a:r>
             <a:br>
-              <a:rPr lang="ru-RU" altLang="ru-RU" sz="2000" b="1" i="1">
+              <a:rPr lang="ru-RU" altLang="ru-RU" sz="2000" b="1" i="1" dirty="0">
                 <a:solidFill>
                   <a:srgbClr val="FF9393"/>
                 </a:solidFill>
@@ -13287,17 +15247,47 @@
               </a:rPr>
             </a:br>
             <a:r>
-              <a:rPr lang="ru-RU" altLang="ru-RU" sz="2000" b="1">
+              <a:rPr lang="ru-RU" altLang="ru-RU" sz="2000" b="1" dirty="0" err="1">
                 <a:solidFill>
                   <a:srgbClr val="DD2867"/>
                 </a:solidFill>
                 <a:latin typeface="Consolas" panose="020B0609020204030204" pitchFamily="49" charset="0"/>
                 <a:cs typeface="Consolas" panose="020B0609020204030204" pitchFamily="49" charset="0"/>
               </a:rPr>
-              <a:t>public interface </a:t>
-            </a:r>
-            <a:r>
-              <a:rPr lang="ru-RU" altLang="ru-RU" sz="2000">
+              <a:t>public</a:t>
+            </a:r>
+            <a:r>
+              <a:rPr lang="ru-RU" altLang="ru-RU" sz="2000" b="1" dirty="0">
+                <a:solidFill>
+                  <a:srgbClr val="DD2867"/>
+                </a:solidFill>
+                <a:latin typeface="Consolas" panose="020B0609020204030204" pitchFamily="49" charset="0"/>
+                <a:cs typeface="Consolas" panose="020B0609020204030204" pitchFamily="49" charset="0"/>
+              </a:rPr>
+              <a:t> </a:t>
+            </a:r>
+            <a:r>
+              <a:rPr lang="ru-RU" altLang="ru-RU" sz="2000" b="1" dirty="0" err="1">
+                <a:solidFill>
+                  <a:srgbClr val="DD2867"/>
+                </a:solidFill>
+                <a:latin typeface="Consolas" panose="020B0609020204030204" pitchFamily="49" charset="0"/>
+                <a:cs typeface="Consolas" panose="020B0609020204030204" pitchFamily="49" charset="0"/>
+              </a:rPr>
+              <a:t>interface</a:t>
+            </a:r>
+            <a:r>
+              <a:rPr lang="ru-RU" altLang="ru-RU" sz="2000" b="1" dirty="0">
+                <a:solidFill>
+                  <a:srgbClr val="DD2867"/>
+                </a:solidFill>
+                <a:latin typeface="Consolas" panose="020B0609020204030204" pitchFamily="49" charset="0"/>
+                <a:cs typeface="Consolas" panose="020B0609020204030204" pitchFamily="49" charset="0"/>
+              </a:rPr>
+              <a:t> </a:t>
+            </a:r>
+            <a:r>
+              <a:rPr lang="ru-RU" altLang="ru-RU" sz="2000" dirty="0" err="1">
                 <a:solidFill>
                   <a:srgbClr val="80F2F6"/>
                 </a:solidFill>
@@ -13307,7 +15297,7 @@
               <a:t>Consumer</a:t>
             </a:r>
             <a:r>
-              <a:rPr lang="ru-RU" altLang="ru-RU" sz="2000">
+              <a:rPr lang="ru-RU" altLang="ru-RU" sz="2000" dirty="0">
                 <a:solidFill>
                   <a:srgbClr val="E6E6FA"/>
                 </a:solidFill>
@@ -13317,7 +15307,7 @@
               <a:t>&lt;</a:t>
             </a:r>
             <a:r>
-              <a:rPr lang="ru-RU" altLang="ru-RU" sz="2000" b="1">
+              <a:rPr lang="ru-RU" altLang="ru-RU" sz="2000" b="1" dirty="0">
                 <a:solidFill>
                   <a:srgbClr val="D7837F"/>
                 </a:solidFill>
@@ -13327,7 +15317,7 @@
               <a:t>T</a:t>
             </a:r>
             <a:r>
-              <a:rPr lang="ru-RU" altLang="ru-RU" sz="2000">
+              <a:rPr lang="ru-RU" altLang="ru-RU" sz="2000" dirty="0">
                 <a:solidFill>
                   <a:srgbClr val="E6E6FA"/>
                 </a:solidFill>
@@ -13337,7 +15327,7 @@
               <a:t>&gt; </a:t>
             </a:r>
             <a:r>
-              <a:rPr lang="ru-RU" altLang="ru-RU" sz="2000">
+              <a:rPr lang="ru-RU" altLang="ru-RU" sz="2000" dirty="0" smtClean="0">
                 <a:solidFill>
                   <a:srgbClr val="FFFFFF"/>
                 </a:solidFill>
@@ -13346,8 +15336,35 @@
               </a:rPr>
               <a:t>{</a:t>
             </a:r>
+            <a:endParaRPr lang="en-US" altLang="ru-RU" sz="2000" dirty="0" smtClean="0">
+              <a:solidFill>
+                <a:srgbClr val="FFFFFF"/>
+              </a:solidFill>
+              <a:latin typeface="Consolas" panose="020B0609020204030204" pitchFamily="49" charset="0"/>
+              <a:cs typeface="Consolas" panose="020B0609020204030204" pitchFamily="49" charset="0"/>
+            </a:endParaRPr>
+          </a:p>
+          <a:p>
+            <a:pPr lvl="0" defTabSz="914400" eaLnBrk="0" fontAlgn="base" hangingPunct="0">
+              <a:spcBef>
+                <a:spcPct val="0"/>
+              </a:spcBef>
+              <a:spcAft>
+                <a:spcPct val="0"/>
+              </a:spcAft>
+            </a:pPr>
+            <a:r>
+              <a:rPr lang="ru-RU" altLang="ru-RU" sz="2000" dirty="0">
+                <a:solidFill>
+                  <a:srgbClr val="FFFFFF"/>
+                </a:solidFill>
+                <a:latin typeface="Consolas" panose="020B0609020204030204" pitchFamily="49" charset="0"/>
+                <a:cs typeface="Consolas" panose="020B0609020204030204" pitchFamily="49" charset="0"/>
+              </a:rPr>
+              <a:t/>
+            </a:r>
             <a:br>
-              <a:rPr lang="ru-RU" altLang="ru-RU" sz="2000">
+              <a:rPr lang="ru-RU" altLang="ru-RU" sz="2000" dirty="0">
                 <a:solidFill>
                   <a:srgbClr val="FFFFFF"/>
                 </a:solidFill>
@@ -13356,17 +15373,37 @@
               </a:rPr>
             </a:br>
             <a:r>
-              <a:rPr lang="ru-RU" altLang="ru-RU" sz="2000" b="1">
+              <a:rPr lang="en-US" altLang="ru-RU" sz="2000" dirty="0" smtClean="0">
+                <a:solidFill>
+                  <a:srgbClr val="FFFFFF"/>
+                </a:solidFill>
+                <a:latin typeface="Consolas" panose="020B0609020204030204" pitchFamily="49" charset="0"/>
+                <a:cs typeface="Consolas" panose="020B0609020204030204" pitchFamily="49" charset="0"/>
+              </a:rPr>
+              <a:t>    </a:t>
+            </a:r>
+            <a:r>
+              <a:rPr lang="ru-RU" altLang="ru-RU" sz="2000" b="1" dirty="0" err="1" smtClean="0">
                 <a:solidFill>
                   <a:srgbClr val="DD2867"/>
                 </a:solidFill>
                 <a:latin typeface="Consolas" panose="020B0609020204030204" pitchFamily="49" charset="0"/>
                 <a:cs typeface="Consolas" panose="020B0609020204030204" pitchFamily="49" charset="0"/>
               </a:rPr>
-              <a:t>void </a:t>
-            </a:r>
-            <a:r>
-              <a:rPr lang="ru-RU" altLang="ru-RU" sz="2000" b="1">
+              <a:t>void</a:t>
+            </a:r>
+            <a:r>
+              <a:rPr lang="ru-RU" altLang="ru-RU" sz="2000" b="1" dirty="0" smtClean="0">
+                <a:solidFill>
+                  <a:srgbClr val="DD2867"/>
+                </a:solidFill>
+                <a:latin typeface="Consolas" panose="020B0609020204030204" pitchFamily="49" charset="0"/>
+                <a:cs typeface="Consolas" panose="020B0609020204030204" pitchFamily="49" charset="0"/>
+              </a:rPr>
+              <a:t> </a:t>
+            </a:r>
+            <a:r>
+              <a:rPr lang="ru-RU" altLang="ru-RU" sz="2000" b="1" dirty="0" err="1">
                 <a:solidFill>
                   <a:srgbClr val="CDE2EA"/>
                 </a:solidFill>
@@ -13376,7 +15413,7 @@
               <a:t>accept</a:t>
             </a:r>
             <a:r>
-              <a:rPr lang="ru-RU" altLang="ru-RU" sz="2000">
+              <a:rPr lang="ru-RU" altLang="ru-RU" sz="2000" dirty="0">
                 <a:solidFill>
                   <a:srgbClr val="FFFFFF"/>
                 </a:solidFill>
@@ -13386,7 +15423,7 @@
               <a:t>(</a:t>
             </a:r>
             <a:r>
-              <a:rPr lang="ru-RU" altLang="ru-RU" sz="2000" b="1">
+              <a:rPr lang="ru-RU" altLang="ru-RU" sz="2000" b="1" dirty="0">
                 <a:solidFill>
                   <a:srgbClr val="D7837F"/>
                 </a:solidFill>
@@ -13396,7 +15433,7 @@
               <a:t>T </a:t>
             </a:r>
             <a:r>
-              <a:rPr lang="ru-RU" altLang="ru-RU" sz="2000">
+              <a:rPr lang="ru-RU" altLang="ru-RU" sz="2000" dirty="0">
                 <a:solidFill>
                   <a:srgbClr val="FFBF26"/>
                 </a:solidFill>
@@ -13406,7 +15443,7 @@
               <a:t>t</a:t>
             </a:r>
             <a:r>
-              <a:rPr lang="ru-RU" altLang="ru-RU" sz="2000">
+              <a:rPr lang="ru-RU" altLang="ru-RU" sz="2000" dirty="0" smtClean="0">
                 <a:solidFill>
                   <a:srgbClr val="FFFFFF"/>
                 </a:solidFill>
@@ -13416,7 +15453,7 @@
               <a:t>)</a:t>
             </a:r>
             <a:r>
-              <a:rPr lang="ru-RU" altLang="ru-RU" sz="2000">
+              <a:rPr lang="ru-RU" altLang="ru-RU" sz="2000" dirty="0" smtClean="0">
                 <a:solidFill>
                   <a:srgbClr val="CDE2EA"/>
                 </a:solidFill>
@@ -13425,8 +15462,25 @@
               </a:rPr>
               <a:t>;</a:t>
             </a:r>
-            <a:r>
-              <a:rPr lang="ru-RU" altLang="ru-RU" sz="2000">
+            <a:endParaRPr lang="en-US" altLang="ru-RU" sz="2000" dirty="0" smtClean="0">
+              <a:solidFill>
+                <a:srgbClr val="CDE2EA"/>
+              </a:solidFill>
+              <a:latin typeface="Consolas" panose="020B0609020204030204" pitchFamily="49" charset="0"/>
+              <a:cs typeface="Consolas" panose="020B0609020204030204" pitchFamily="49" charset="0"/>
+            </a:endParaRPr>
+          </a:p>
+          <a:p>
+            <a:pPr lvl="0" defTabSz="914400" eaLnBrk="0" fontAlgn="base" hangingPunct="0">
+              <a:spcBef>
+                <a:spcPct val="0"/>
+              </a:spcBef>
+              <a:spcAft>
+                <a:spcPct val="0"/>
+              </a:spcAft>
+            </a:pPr>
+            <a:r>
+              <a:rPr lang="ru-RU" altLang="ru-RU" sz="2000" dirty="0">
                 <a:solidFill>
                   <a:srgbClr val="606060"/>
                 </a:solidFill>
@@ -13436,7 +15490,7 @@
               <a:t/>
             </a:r>
             <a:br>
-              <a:rPr lang="ru-RU" altLang="ru-RU" sz="2000">
+              <a:rPr lang="ru-RU" altLang="ru-RU" sz="2000" dirty="0">
                 <a:solidFill>
                   <a:srgbClr val="606060"/>
                 </a:solidFill>
@@ -13445,7 +15499,7 @@
               </a:rPr>
             </a:br>
             <a:r>
-              <a:rPr lang="ru-RU" altLang="ru-RU" sz="2000">
+              <a:rPr lang="ru-RU" altLang="ru-RU" sz="2000" dirty="0">
                 <a:solidFill>
                   <a:srgbClr val="606060"/>
                 </a:solidFill>
@@ -13455,17 +15509,27 @@
               <a:t>    </a:t>
             </a:r>
             <a:r>
-              <a:rPr lang="ru-RU" altLang="ru-RU" sz="2000" b="1">
+              <a:rPr lang="ru-RU" altLang="ru-RU" sz="2000" b="1" dirty="0" err="1">
                 <a:solidFill>
                   <a:srgbClr val="DD2867"/>
                 </a:solidFill>
                 <a:latin typeface="Consolas" panose="020B0609020204030204" pitchFamily="49" charset="0"/>
                 <a:cs typeface="Consolas" panose="020B0609020204030204" pitchFamily="49" charset="0"/>
               </a:rPr>
-              <a:t>default </a:t>
-            </a:r>
-            <a:r>
-              <a:rPr lang="ru-RU" altLang="ru-RU" sz="2000">
+              <a:t>default</a:t>
+            </a:r>
+            <a:r>
+              <a:rPr lang="ru-RU" altLang="ru-RU" sz="2000" b="1" dirty="0">
+                <a:solidFill>
+                  <a:srgbClr val="DD2867"/>
+                </a:solidFill>
+                <a:latin typeface="Consolas" panose="020B0609020204030204" pitchFamily="49" charset="0"/>
+                <a:cs typeface="Consolas" panose="020B0609020204030204" pitchFamily="49" charset="0"/>
+              </a:rPr>
+              <a:t> </a:t>
+            </a:r>
+            <a:r>
+              <a:rPr lang="ru-RU" altLang="ru-RU" sz="2000" dirty="0" err="1">
                 <a:solidFill>
                   <a:srgbClr val="80F2F6"/>
                 </a:solidFill>
@@ -13475,7 +15539,7 @@
               <a:t>Consumer</a:t>
             </a:r>
             <a:r>
-              <a:rPr lang="ru-RU" altLang="ru-RU" sz="2000">
+              <a:rPr lang="ru-RU" altLang="ru-RU" sz="2000" dirty="0">
                 <a:solidFill>
                   <a:srgbClr val="E6E6FA"/>
                 </a:solidFill>
@@ -13485,7 +15549,7 @@
               <a:t>&lt;</a:t>
             </a:r>
             <a:r>
-              <a:rPr lang="ru-RU" altLang="ru-RU" sz="2000" b="1">
+              <a:rPr lang="ru-RU" altLang="ru-RU" sz="2000" b="1" dirty="0">
                 <a:solidFill>
                   <a:srgbClr val="D7837F"/>
                 </a:solidFill>
@@ -13495,7 +15559,7 @@
               <a:t>T</a:t>
             </a:r>
             <a:r>
-              <a:rPr lang="ru-RU" altLang="ru-RU" sz="2000">
+              <a:rPr lang="ru-RU" altLang="ru-RU" sz="2000" dirty="0">
                 <a:solidFill>
                   <a:srgbClr val="E6E6FA"/>
                 </a:solidFill>
@@ -13505,7 +15569,7 @@
               <a:t>&gt; </a:t>
             </a:r>
             <a:r>
-              <a:rPr lang="ru-RU" altLang="ru-RU" sz="2000" b="1">
+              <a:rPr lang="ru-RU" altLang="ru-RU" sz="2000" b="1" dirty="0" err="1">
                 <a:solidFill>
                   <a:srgbClr val="CDE2EA"/>
                 </a:solidFill>
@@ -13515,7 +15579,7 @@
               <a:t>andThen</a:t>
             </a:r>
             <a:r>
-              <a:rPr lang="ru-RU" altLang="ru-RU" sz="2000">
+              <a:rPr lang="ru-RU" altLang="ru-RU" sz="2000" dirty="0">
                 <a:solidFill>
                   <a:srgbClr val="FFFFFF"/>
                 </a:solidFill>
@@ -13525,7 +15589,7 @@
               <a:t>(</a:t>
             </a:r>
             <a:r>
-              <a:rPr lang="ru-RU" altLang="ru-RU" sz="2000">
+              <a:rPr lang="ru-RU" altLang="ru-RU" sz="2000" dirty="0" err="1">
                 <a:solidFill>
                   <a:srgbClr val="80F2F6"/>
                 </a:solidFill>
@@ -13535,7 +15599,7 @@
               <a:t>Consumer</a:t>
             </a:r>
             <a:r>
-              <a:rPr lang="ru-RU" altLang="ru-RU" sz="2000">
+              <a:rPr lang="ru-RU" altLang="ru-RU" sz="2000" dirty="0">
                 <a:solidFill>
                   <a:srgbClr val="E6E6FA"/>
                 </a:solidFill>
@@ -13545,17 +15609,27 @@
               <a:t>&lt;? </a:t>
             </a:r>
             <a:r>
-              <a:rPr lang="ru-RU" altLang="ru-RU" sz="2000" b="1">
+              <a:rPr lang="ru-RU" altLang="ru-RU" sz="2000" b="1" dirty="0" err="1">
                 <a:solidFill>
                   <a:srgbClr val="DD2867"/>
                 </a:solidFill>
                 <a:latin typeface="Consolas" panose="020B0609020204030204" pitchFamily="49" charset="0"/>
                 <a:cs typeface="Consolas" panose="020B0609020204030204" pitchFamily="49" charset="0"/>
               </a:rPr>
-              <a:t>super </a:t>
-            </a:r>
-            <a:r>
-              <a:rPr lang="ru-RU" altLang="ru-RU" sz="2000" b="1">
+              <a:t>super</a:t>
+            </a:r>
+            <a:r>
+              <a:rPr lang="ru-RU" altLang="ru-RU" sz="2000" b="1" dirty="0">
+                <a:solidFill>
+                  <a:srgbClr val="DD2867"/>
+                </a:solidFill>
+                <a:latin typeface="Consolas" panose="020B0609020204030204" pitchFamily="49" charset="0"/>
+                <a:cs typeface="Consolas" panose="020B0609020204030204" pitchFamily="49" charset="0"/>
+              </a:rPr>
+              <a:t> </a:t>
+            </a:r>
+            <a:r>
+              <a:rPr lang="ru-RU" altLang="ru-RU" sz="2000" b="1" dirty="0">
                 <a:solidFill>
                   <a:srgbClr val="D7837F"/>
                 </a:solidFill>
@@ -13565,7 +15639,7 @@
               <a:t>T</a:t>
             </a:r>
             <a:r>
-              <a:rPr lang="ru-RU" altLang="ru-RU" sz="2000">
+              <a:rPr lang="ru-RU" altLang="ru-RU" sz="2000" dirty="0">
                 <a:solidFill>
                   <a:srgbClr val="E6E6FA"/>
                 </a:solidFill>
@@ -13575,7 +15649,7 @@
               <a:t>&gt; </a:t>
             </a:r>
             <a:r>
-              <a:rPr lang="ru-RU" altLang="ru-RU" sz="2000">
+              <a:rPr lang="ru-RU" altLang="ru-RU" sz="2000" dirty="0" err="1">
                 <a:solidFill>
                   <a:srgbClr val="FFBF26"/>
                 </a:solidFill>
@@ -13585,7 +15659,7 @@
               <a:t>after</a:t>
             </a:r>
             <a:r>
-              <a:rPr lang="ru-RU" altLang="ru-RU" sz="2000">
+              <a:rPr lang="ru-RU" altLang="ru-RU" sz="2000" dirty="0">
                 <a:solidFill>
                   <a:srgbClr val="FFFFFF"/>
                 </a:solidFill>
@@ -13595,7 +15669,7 @@
               <a:t>) {</a:t>
             </a:r>
             <a:br>
-              <a:rPr lang="ru-RU" altLang="ru-RU" sz="2000">
+              <a:rPr lang="ru-RU" altLang="ru-RU" sz="2000" dirty="0">
                 <a:solidFill>
                   <a:srgbClr val="FFFFFF"/>
                 </a:solidFill>
@@ -13604,7 +15678,7 @@
               </a:rPr>
             </a:br>
             <a:r>
-              <a:rPr lang="ru-RU" altLang="ru-RU" sz="2000">
+              <a:rPr lang="ru-RU" altLang="ru-RU" sz="2000" dirty="0">
                 <a:solidFill>
                   <a:srgbClr val="FFFFFF"/>
                 </a:solidFill>
@@ -13614,7 +15688,7 @@
               <a:t>        </a:t>
             </a:r>
             <a:r>
-              <a:rPr lang="ru-RU" altLang="ru-RU" sz="2000" b="1">
+              <a:rPr lang="ru-RU" altLang="ru-RU" sz="2000" b="1" dirty="0" err="1">
                 <a:solidFill>
                   <a:srgbClr val="1290C3"/>
                 </a:solidFill>
@@ -13624,7 +15698,7 @@
               <a:t>Objects</a:t>
             </a:r>
             <a:r>
-              <a:rPr lang="ru-RU" altLang="ru-RU" sz="2000">
+              <a:rPr lang="ru-RU" altLang="ru-RU" sz="2000" dirty="0" err="1">
                 <a:solidFill>
                   <a:srgbClr val="F9FAF4"/>
                 </a:solidFill>
@@ -13634,7 +15708,7 @@
               <a:t>.</a:t>
             </a:r>
             <a:r>
-              <a:rPr lang="ru-RU" altLang="ru-RU" sz="2000" i="1">
+              <a:rPr lang="ru-RU" altLang="ru-RU" sz="2000" i="1" dirty="0" err="1">
                 <a:solidFill>
                   <a:srgbClr val="8098A1"/>
                 </a:solidFill>
@@ -13644,7 +15718,7 @@
               <a:t>requireNonNull</a:t>
             </a:r>
             <a:r>
-              <a:rPr lang="ru-RU" altLang="ru-RU" sz="2000">
+              <a:rPr lang="ru-RU" altLang="ru-RU" sz="2000" dirty="0">
                 <a:solidFill>
                   <a:srgbClr val="FFFFFF"/>
                 </a:solidFill>
@@ -13654,7 +15728,7 @@
               <a:t>(</a:t>
             </a:r>
             <a:r>
-              <a:rPr lang="ru-RU" altLang="ru-RU" sz="2000">
+              <a:rPr lang="ru-RU" altLang="ru-RU" sz="2000" dirty="0" err="1">
                 <a:solidFill>
                   <a:srgbClr val="FFBF26"/>
                 </a:solidFill>
@@ -13664,7 +15738,7 @@
               <a:t>after</a:t>
             </a:r>
             <a:r>
-              <a:rPr lang="ru-RU" altLang="ru-RU" sz="2000">
+              <a:rPr lang="ru-RU" altLang="ru-RU" sz="2000" dirty="0">
                 <a:solidFill>
                   <a:srgbClr val="FFFFFF"/>
                 </a:solidFill>
@@ -13674,7 +15748,7 @@
               <a:t>)</a:t>
             </a:r>
             <a:r>
-              <a:rPr lang="ru-RU" altLang="ru-RU" sz="2000">
+              <a:rPr lang="ru-RU" altLang="ru-RU" sz="2000" dirty="0">
                 <a:solidFill>
                   <a:srgbClr val="CDE2EA"/>
                 </a:solidFill>
@@ -13684,7 +15758,7 @@
               <a:t>;</a:t>
             </a:r>
             <a:br>
-              <a:rPr lang="ru-RU" altLang="ru-RU" sz="2000">
+              <a:rPr lang="ru-RU" altLang="ru-RU" sz="2000" dirty="0">
                 <a:solidFill>
                   <a:srgbClr val="CDE2EA"/>
                 </a:solidFill>
@@ -13693,7 +15767,7 @@
               </a:rPr>
             </a:br>
             <a:r>
-              <a:rPr lang="ru-RU" altLang="ru-RU" sz="2000">
+              <a:rPr lang="ru-RU" altLang="ru-RU" sz="2000" dirty="0">
                 <a:solidFill>
                   <a:srgbClr val="CDE2EA"/>
                 </a:solidFill>
@@ -13703,17 +15777,27 @@
               <a:t>        </a:t>
             </a:r>
             <a:r>
-              <a:rPr lang="ru-RU" altLang="ru-RU" sz="2000" b="1">
+              <a:rPr lang="ru-RU" altLang="ru-RU" sz="2000" b="1" dirty="0" err="1">
                 <a:solidFill>
                   <a:srgbClr val="DD2867"/>
                 </a:solidFill>
                 <a:latin typeface="Consolas" panose="020B0609020204030204" pitchFamily="49" charset="0"/>
                 <a:cs typeface="Consolas" panose="020B0609020204030204" pitchFamily="49" charset="0"/>
               </a:rPr>
-              <a:t>return </a:t>
-            </a:r>
-            <a:r>
-              <a:rPr lang="ru-RU" altLang="ru-RU" sz="2000">
+              <a:t>return</a:t>
+            </a:r>
+            <a:r>
+              <a:rPr lang="ru-RU" altLang="ru-RU" sz="2000" b="1" dirty="0">
+                <a:solidFill>
+                  <a:srgbClr val="DD2867"/>
+                </a:solidFill>
+                <a:latin typeface="Consolas" panose="020B0609020204030204" pitchFamily="49" charset="0"/>
+                <a:cs typeface="Consolas" panose="020B0609020204030204" pitchFamily="49" charset="0"/>
+              </a:rPr>
+              <a:t> </a:t>
+            </a:r>
+            <a:r>
+              <a:rPr lang="ru-RU" altLang="ru-RU" sz="2000" dirty="0">
                 <a:solidFill>
                   <a:srgbClr val="FFFFFF"/>
                 </a:solidFill>
@@ -13723,7 +15807,7 @@
               <a:t>(</a:t>
             </a:r>
             <a:r>
-              <a:rPr lang="ru-RU" altLang="ru-RU" sz="2000" b="1">
+              <a:rPr lang="ru-RU" altLang="ru-RU" sz="2000" b="1" dirty="0">
                 <a:solidFill>
                   <a:srgbClr val="D7837F"/>
                 </a:solidFill>
@@ -13733,7 +15817,7 @@
               <a:t>T </a:t>
             </a:r>
             <a:r>
-              <a:rPr lang="ru-RU" altLang="ru-RU" sz="2000">
+              <a:rPr lang="ru-RU" altLang="ru-RU" sz="2000" dirty="0">
                 <a:solidFill>
                   <a:srgbClr val="FFBF26"/>
                 </a:solidFill>
@@ -13743,7 +15827,7 @@
               <a:t>t</a:t>
             </a:r>
             <a:r>
-              <a:rPr lang="ru-RU" altLang="ru-RU" sz="2000">
+              <a:rPr lang="ru-RU" altLang="ru-RU" sz="2000" dirty="0">
                 <a:solidFill>
                   <a:srgbClr val="FFFFFF"/>
                 </a:solidFill>
@@ -13753,7 +15837,7 @@
               <a:t>) </a:t>
             </a:r>
             <a:r>
-              <a:rPr lang="ru-RU" altLang="ru-RU" sz="2000">
+              <a:rPr lang="ru-RU" altLang="ru-RU" sz="2000" dirty="0">
                 <a:solidFill>
                   <a:srgbClr val="A9B7C6"/>
                 </a:solidFill>
@@ -13763,7 +15847,7 @@
               <a:t>-&gt; </a:t>
             </a:r>
             <a:r>
-              <a:rPr lang="ru-RU" altLang="ru-RU" sz="2000">
+              <a:rPr lang="ru-RU" altLang="ru-RU" sz="2000" dirty="0">
                 <a:solidFill>
                   <a:srgbClr val="FFFFFF"/>
                 </a:solidFill>
@@ -13773,7 +15857,7 @@
               <a:t>{ </a:t>
             </a:r>
             <a:r>
-              <a:rPr lang="ru-RU" altLang="ru-RU" sz="2000">
+              <a:rPr lang="ru-RU" altLang="ru-RU" sz="2000" dirty="0" err="1">
                 <a:solidFill>
                   <a:srgbClr val="80F6A7"/>
                 </a:solidFill>
@@ -13783,7 +15867,7 @@
               <a:t>accept</a:t>
             </a:r>
             <a:r>
-              <a:rPr lang="ru-RU" altLang="ru-RU" sz="2000">
+              <a:rPr lang="ru-RU" altLang="ru-RU" sz="2000" dirty="0">
                 <a:solidFill>
                   <a:srgbClr val="FFFFFF"/>
                 </a:solidFill>
@@ -13793,7 +15877,7 @@
               <a:t>(</a:t>
             </a:r>
             <a:r>
-              <a:rPr lang="ru-RU" altLang="ru-RU" sz="2000">
+              <a:rPr lang="ru-RU" altLang="ru-RU" sz="2000" dirty="0">
                 <a:solidFill>
                   <a:srgbClr val="FFBF26"/>
                 </a:solidFill>
@@ -13803,7 +15887,7 @@
               <a:t>t</a:t>
             </a:r>
             <a:r>
-              <a:rPr lang="ru-RU" altLang="ru-RU" sz="2000">
+              <a:rPr lang="ru-RU" altLang="ru-RU" sz="2000" dirty="0">
                 <a:solidFill>
                   <a:srgbClr val="FFFFFF"/>
                 </a:solidFill>
@@ -13813,7 +15897,7 @@
               <a:t>)</a:t>
             </a:r>
             <a:r>
-              <a:rPr lang="ru-RU" altLang="ru-RU" sz="2000">
+              <a:rPr lang="ru-RU" altLang="ru-RU" sz="2000" dirty="0">
                 <a:solidFill>
                   <a:srgbClr val="CDE2EA"/>
                 </a:solidFill>
@@ -13823,7 +15907,7 @@
               <a:t>; </a:t>
             </a:r>
             <a:r>
-              <a:rPr lang="ru-RU" altLang="ru-RU" sz="2000">
+              <a:rPr lang="ru-RU" altLang="ru-RU" sz="2000" dirty="0" err="1">
                 <a:solidFill>
                   <a:srgbClr val="FFBF26"/>
                 </a:solidFill>
@@ -13833,7 +15917,7 @@
               <a:t>after</a:t>
             </a:r>
             <a:r>
-              <a:rPr lang="ru-RU" altLang="ru-RU" sz="2000">
+              <a:rPr lang="ru-RU" altLang="ru-RU" sz="2000" dirty="0" err="1">
                 <a:solidFill>
                   <a:srgbClr val="F9FAF4"/>
                 </a:solidFill>
@@ -13843,7 +15927,7 @@
               <a:t>.</a:t>
             </a:r>
             <a:r>
-              <a:rPr lang="ru-RU" altLang="ru-RU" sz="2000">
+              <a:rPr lang="ru-RU" altLang="ru-RU" sz="2000" dirty="0" err="1">
                 <a:solidFill>
                   <a:srgbClr val="80F6A7"/>
                 </a:solidFill>
@@ -13853,7 +15937,7 @@
               <a:t>accept</a:t>
             </a:r>
             <a:r>
-              <a:rPr lang="ru-RU" altLang="ru-RU" sz="2000">
+              <a:rPr lang="ru-RU" altLang="ru-RU" sz="2000" dirty="0">
                 <a:solidFill>
                   <a:srgbClr val="FFFFFF"/>
                 </a:solidFill>
@@ -13863,7 +15947,7 @@
               <a:t>(</a:t>
             </a:r>
             <a:r>
-              <a:rPr lang="ru-RU" altLang="ru-RU" sz="2000">
+              <a:rPr lang="ru-RU" altLang="ru-RU" sz="2000" dirty="0">
                 <a:solidFill>
                   <a:srgbClr val="FFBF26"/>
                 </a:solidFill>
@@ -13873,7 +15957,7 @@
               <a:t>t</a:t>
             </a:r>
             <a:r>
-              <a:rPr lang="ru-RU" altLang="ru-RU" sz="2000">
+              <a:rPr lang="ru-RU" altLang="ru-RU" sz="2000" dirty="0">
                 <a:solidFill>
                   <a:srgbClr val="FFFFFF"/>
                 </a:solidFill>
@@ -13883,7 +15967,7 @@
               <a:t>)</a:t>
             </a:r>
             <a:r>
-              <a:rPr lang="ru-RU" altLang="ru-RU" sz="2000">
+              <a:rPr lang="ru-RU" altLang="ru-RU" sz="2000" dirty="0">
                 <a:solidFill>
                   <a:srgbClr val="CDE2EA"/>
                 </a:solidFill>
@@ -13893,7 +15977,7 @@
               <a:t>; </a:t>
             </a:r>
             <a:r>
-              <a:rPr lang="ru-RU" altLang="ru-RU" sz="2000">
+              <a:rPr lang="ru-RU" altLang="ru-RU" sz="2000" dirty="0">
                 <a:solidFill>
                   <a:srgbClr val="FFFFFF"/>
                 </a:solidFill>
@@ -13903,7 +15987,7 @@
               <a:t>}</a:t>
             </a:r>
             <a:r>
-              <a:rPr lang="ru-RU" altLang="ru-RU" sz="2000">
+              <a:rPr lang="ru-RU" altLang="ru-RU" sz="2000" dirty="0">
                 <a:solidFill>
                   <a:srgbClr val="CDE2EA"/>
                 </a:solidFill>
@@ -13913,7 +15997,7 @@
               <a:t>;</a:t>
             </a:r>
             <a:br>
-              <a:rPr lang="ru-RU" altLang="ru-RU" sz="2000">
+              <a:rPr lang="ru-RU" altLang="ru-RU" sz="2000" dirty="0">
                 <a:solidFill>
                   <a:srgbClr val="CDE2EA"/>
                 </a:solidFill>
@@ -13922,7 +16006,7 @@
               </a:rPr>
             </a:br>
             <a:r>
-              <a:rPr lang="ru-RU" altLang="ru-RU" sz="2000">
+              <a:rPr lang="ru-RU" altLang="ru-RU" sz="2000" dirty="0">
                 <a:solidFill>
                   <a:srgbClr val="CDE2EA"/>
                 </a:solidFill>
@@ -13932,7 +16016,7 @@
               <a:t>    </a:t>
             </a:r>
             <a:r>
-              <a:rPr lang="ru-RU" altLang="ru-RU" sz="2000">
+              <a:rPr lang="ru-RU" altLang="ru-RU" sz="2000" dirty="0">
                 <a:solidFill>
                   <a:srgbClr val="FFFFFF"/>
                 </a:solidFill>
@@ -13942,7 +16026,7 @@
               <a:t>}</a:t>
             </a:r>
             <a:br>
-              <a:rPr lang="ru-RU" altLang="ru-RU" sz="2000">
+              <a:rPr lang="ru-RU" altLang="ru-RU" sz="2000" dirty="0">
                 <a:solidFill>
                   <a:srgbClr val="FFFFFF"/>
                 </a:solidFill>
@@ -13951,7 +16035,7 @@
               </a:rPr>
             </a:br>
             <a:r>
-              <a:rPr lang="ru-RU" altLang="ru-RU" sz="2000">
+              <a:rPr lang="ru-RU" altLang="ru-RU" sz="2000" dirty="0">
                 <a:solidFill>
                   <a:srgbClr val="FFFFFF"/>
                 </a:solidFill>
@@ -13963,6 +16047,52 @@
             <a:endParaRPr lang="ru-RU" altLang="ru-RU" sz="4400" dirty="0">
               <a:latin typeface="Arial" panose="020B0604020202020204" pitchFamily="34" charset="0"/>
             </a:endParaRPr>
+          </a:p>
+        </p:txBody>
+      </p:sp>
+      <p:sp>
+        <p:nvSpPr>
+          <p:cNvPr id="6" name="Скругленный прямоугольник 5"/>
+          <p:cNvSpPr/>
+          <p:nvPr/>
+        </p:nvSpPr>
+        <p:spPr>
+          <a:xfrm>
+            <a:off x="1626499" y="2103929"/>
+            <a:ext cx="2775567" cy="461245"/>
+          </a:xfrm>
+          <a:prstGeom prst="roundRect">
+            <a:avLst/>
+          </a:prstGeom>
+          <a:noFill/>
+          <a:ln w="28575">
+            <a:solidFill>
+              <a:srgbClr val="FF0000"/>
+            </a:solidFill>
+          </a:ln>
+        </p:spPr>
+        <p:style>
+          <a:lnRef idx="2">
+            <a:schemeClr val="accent1">
+              <a:shade val="50000"/>
+            </a:schemeClr>
+          </a:lnRef>
+          <a:fillRef idx="1">
+            <a:schemeClr val="accent1"/>
+          </a:fillRef>
+          <a:effectRef idx="0">
+            <a:schemeClr val="accent1"/>
+          </a:effectRef>
+          <a:fontRef idx="minor">
+            <a:schemeClr val="lt1"/>
+          </a:fontRef>
+        </p:style>
+        <p:txBody>
+          <a:bodyPr rtlCol="0" anchor="ctr"/>
+          <a:lstStyle/>
+          <a:p>
+            <a:pPr algn="ctr"/>
+            <a:endParaRPr lang="ru-RU"/>
           </a:p>
         </p:txBody>
       </p:sp>
@@ -15289,7 +17419,7 @@
             <a:r>
               <a:rPr lang="ru-RU" altLang="ru-RU" sz="1600" dirty="0" err="1">
                 <a:solidFill>
-                  <a:srgbClr val="A9B7C6"/>
+                  <a:srgbClr val="80F2F6"/>
                 </a:solidFill>
                 <a:latin typeface="Consolas" panose="020B0609020204030204" pitchFamily="49" charset="0"/>
                 <a:cs typeface="Consolas" panose="020B0609020204030204" pitchFamily="49" charset="0"/>
@@ -16129,7 +18259,7 @@
             <a:r>
               <a:rPr lang="ru-RU" altLang="ru-RU" sz="1600" dirty="0" err="1">
                 <a:solidFill>
-                  <a:srgbClr val="A9B7C6"/>
+                  <a:srgbClr val="80F2F6"/>
                 </a:solidFill>
                 <a:latin typeface="Consolas" panose="020B0609020204030204" pitchFamily="49" charset="0"/>
                 <a:cs typeface="Consolas" panose="020B0609020204030204" pitchFamily="49" charset="0"/>
@@ -19130,7 +21260,7 @@
         </p:nvSpPr>
         <p:spPr bwMode="auto">
           <a:xfrm>
-            <a:off x="1068866" y="4606890"/>
+            <a:off x="1125510" y="4609054"/>
             <a:ext cx="9905998" cy="338554"/>
           </a:xfrm>
           <a:prstGeom prst="rect">
@@ -19372,7 +21502,7 @@
         </p:nvSpPr>
         <p:spPr bwMode="auto">
           <a:xfrm>
-            <a:off x="1068866" y="5629170"/>
+            <a:off x="1125510" y="5629170"/>
             <a:ext cx="9905998" cy="338554"/>
           </a:xfrm>
           <a:prstGeom prst="rect">
